--- a/Deep_learning/Yapay_sinir_aglari.pptx
+++ b/Deep_learning/Yapay_sinir_aglari.pptx
@@ -11,17 +11,21 @@
     <p:sldId id="259" r:id="rId5"/>
     <p:sldId id="260" r:id="rId6"/>
     <p:sldId id="261" r:id="rId7"/>
-    <p:sldId id="263" r:id="rId8"/>
-    <p:sldId id="273" r:id="rId9"/>
-    <p:sldId id="264" r:id="rId10"/>
-    <p:sldId id="265" r:id="rId11"/>
-    <p:sldId id="266" r:id="rId12"/>
-    <p:sldId id="267" r:id="rId13"/>
-    <p:sldId id="268" r:id="rId14"/>
-    <p:sldId id="270" r:id="rId15"/>
-    <p:sldId id="271" r:id="rId16"/>
-    <p:sldId id="272" r:id="rId17"/>
-    <p:sldId id="269" r:id="rId18"/>
+    <p:sldId id="274" r:id="rId8"/>
+    <p:sldId id="263" r:id="rId9"/>
+    <p:sldId id="273" r:id="rId10"/>
+    <p:sldId id="264" r:id="rId11"/>
+    <p:sldId id="265" r:id="rId12"/>
+    <p:sldId id="266" r:id="rId13"/>
+    <p:sldId id="275" r:id="rId14"/>
+    <p:sldId id="267" r:id="rId15"/>
+    <p:sldId id="268" r:id="rId16"/>
+    <p:sldId id="270" r:id="rId17"/>
+    <p:sldId id="271" r:id="rId18"/>
+    <p:sldId id="277" r:id="rId19"/>
+    <p:sldId id="272" r:id="rId20"/>
+    <p:sldId id="276" r:id="rId21"/>
+    <p:sldId id="269" r:id="rId22"/>
   </p:sldIdLst>
   <p:sldSz cx="12192000" cy="6858000"/>
   <p:notesSz cx="6858000" cy="9144000"/>
@@ -120,6 +124,11 @@
       </a:defRPr>
     </a:lvl9pPr>
   </p:defaultTextStyle>
+  <p:extLst>
+    <p:ext uri="{EFAFB233-063F-42B5-8137-9DF3F51BA10A}">
+      <p15:sldGuideLst xmlns:p15="http://schemas.microsoft.com/office/powerpoint/2012/main"/>
+    </p:ext>
+  </p:extLst>
 </p:presentation>
 </file>
 
@@ -270,7 +279,7 @@
           <a:p>
             <a:fld id="{84EFB259-6395-4BC8-B8ED-76E1E6AA9002}" type="datetimeFigureOut">
               <a:rPr lang="tr-TR" smtClean="0"/>
-              <a:t>8.03.2024</a:t>
+              <a:t>9.03.2024</a:t>
             </a:fld>
             <a:endParaRPr lang="tr-TR"/>
           </a:p>
@@ -468,7 +477,7 @@
           <a:p>
             <a:fld id="{84EFB259-6395-4BC8-B8ED-76E1E6AA9002}" type="datetimeFigureOut">
               <a:rPr lang="tr-TR" smtClean="0"/>
-              <a:t>8.03.2024</a:t>
+              <a:t>9.03.2024</a:t>
             </a:fld>
             <a:endParaRPr lang="tr-TR"/>
           </a:p>
@@ -676,7 +685,7 @@
           <a:p>
             <a:fld id="{84EFB259-6395-4BC8-B8ED-76E1E6AA9002}" type="datetimeFigureOut">
               <a:rPr lang="tr-TR" smtClean="0"/>
-              <a:t>8.03.2024</a:t>
+              <a:t>9.03.2024</a:t>
             </a:fld>
             <a:endParaRPr lang="tr-TR"/>
           </a:p>
@@ -874,7 +883,7 @@
           <a:p>
             <a:fld id="{84EFB259-6395-4BC8-B8ED-76E1E6AA9002}" type="datetimeFigureOut">
               <a:rPr lang="tr-TR" smtClean="0"/>
-              <a:t>8.03.2024</a:t>
+              <a:t>9.03.2024</a:t>
             </a:fld>
             <a:endParaRPr lang="tr-TR"/>
           </a:p>
@@ -1149,7 +1158,7 @@
           <a:p>
             <a:fld id="{84EFB259-6395-4BC8-B8ED-76E1E6AA9002}" type="datetimeFigureOut">
               <a:rPr lang="tr-TR" smtClean="0"/>
-              <a:t>8.03.2024</a:t>
+              <a:t>9.03.2024</a:t>
             </a:fld>
             <a:endParaRPr lang="tr-TR"/>
           </a:p>
@@ -1414,7 +1423,7 @@
           <a:p>
             <a:fld id="{84EFB259-6395-4BC8-B8ED-76E1E6AA9002}" type="datetimeFigureOut">
               <a:rPr lang="tr-TR" smtClean="0"/>
-              <a:t>8.03.2024</a:t>
+              <a:t>9.03.2024</a:t>
             </a:fld>
             <a:endParaRPr lang="tr-TR"/>
           </a:p>
@@ -1826,7 +1835,7 @@
           <a:p>
             <a:fld id="{84EFB259-6395-4BC8-B8ED-76E1E6AA9002}" type="datetimeFigureOut">
               <a:rPr lang="tr-TR" smtClean="0"/>
-              <a:t>8.03.2024</a:t>
+              <a:t>9.03.2024</a:t>
             </a:fld>
             <a:endParaRPr lang="tr-TR"/>
           </a:p>
@@ -1967,7 +1976,7 @@
           <a:p>
             <a:fld id="{84EFB259-6395-4BC8-B8ED-76E1E6AA9002}" type="datetimeFigureOut">
               <a:rPr lang="tr-TR" smtClean="0"/>
-              <a:t>8.03.2024</a:t>
+              <a:t>9.03.2024</a:t>
             </a:fld>
             <a:endParaRPr lang="tr-TR"/>
           </a:p>
@@ -2080,7 +2089,7 @@
           <a:p>
             <a:fld id="{84EFB259-6395-4BC8-B8ED-76E1E6AA9002}" type="datetimeFigureOut">
               <a:rPr lang="tr-TR" smtClean="0"/>
-              <a:t>8.03.2024</a:t>
+              <a:t>9.03.2024</a:t>
             </a:fld>
             <a:endParaRPr lang="tr-TR"/>
           </a:p>
@@ -2391,7 +2400,7 @@
           <a:p>
             <a:fld id="{84EFB259-6395-4BC8-B8ED-76E1E6AA9002}" type="datetimeFigureOut">
               <a:rPr lang="tr-TR" smtClean="0"/>
-              <a:t>8.03.2024</a:t>
+              <a:t>9.03.2024</a:t>
             </a:fld>
             <a:endParaRPr lang="tr-TR"/>
           </a:p>
@@ -2679,7 +2688,7 @@
           <a:p>
             <a:fld id="{84EFB259-6395-4BC8-B8ED-76E1E6AA9002}" type="datetimeFigureOut">
               <a:rPr lang="tr-TR" smtClean="0"/>
-              <a:t>8.03.2024</a:t>
+              <a:t>9.03.2024</a:t>
             </a:fld>
             <a:endParaRPr lang="tr-TR"/>
           </a:p>
@@ -2920,7 +2929,7 @@
           <a:p>
             <a:fld id="{84EFB259-6395-4BC8-B8ED-76E1E6AA9002}" type="datetimeFigureOut">
               <a:rPr lang="tr-TR" smtClean="0"/>
-              <a:t>8.03.2024</a:t>
+              <a:t>9.03.2024</a:t>
             </a:fld>
             <a:endParaRPr lang="tr-TR"/>
           </a:p>
@@ -3695,6 +3704,316 @@
       </p:grpSpPr>
       <p:sp>
         <p:nvSpPr>
+          <p:cNvPr id="3" name="İçerik Yer Tutucusu 2">
+            <a:extLst>
+              <a:ext uri="{FF2B5EF4-FFF2-40B4-BE49-F238E27FC236}">
+                <a16:creationId xmlns:a16="http://schemas.microsoft.com/office/drawing/2014/main" id="{EC91AEEA-82D0-A883-284C-69D1EE8E4F22}"/>
+              </a:ext>
+            </a:extLst>
+          </p:cNvPr>
+          <p:cNvSpPr>
+            <a:spLocks noGrp="1"/>
+          </p:cNvSpPr>
+          <p:nvPr>
+            <p:ph idx="1"/>
+          </p:nvPr>
+        </p:nvSpPr>
+        <p:spPr>
+          <a:xfrm>
+            <a:off x="922564" y="465364"/>
+            <a:ext cx="10431236" cy="5711599"/>
+          </a:xfrm>
+        </p:spPr>
+        <p:txBody>
+          <a:bodyPr/>
+          <a:lstStyle/>
+          <a:p>
+            <a:r>
+              <a:rPr lang="tr-TR" dirty="0"/>
+              <a:t>Bir yapay sinir hücresi beş bölümden oluşmaktadır;</a:t>
+            </a:r>
+          </a:p>
+          <a:p>
+            <a:endParaRPr lang="tr-TR" dirty="0"/>
+          </a:p>
+        </p:txBody>
+      </p:sp>
+      <p:sp>
+        <p:nvSpPr>
+          <p:cNvPr id="9" name="Metin kutusu 8">
+            <a:extLst>
+              <a:ext uri="{FF2B5EF4-FFF2-40B4-BE49-F238E27FC236}">
+                <a16:creationId xmlns:a16="http://schemas.microsoft.com/office/drawing/2014/main" id="{A0075A5D-60E3-C56B-851D-A8D50EC8619B}"/>
+              </a:ext>
+            </a:extLst>
+          </p:cNvPr>
+          <p:cNvSpPr txBox="1"/>
+          <p:nvPr/>
+        </p:nvSpPr>
+        <p:spPr>
+          <a:xfrm>
+            <a:off x="457200" y="1028343"/>
+            <a:ext cx="10812236" cy="4524315"/>
+          </a:xfrm>
+          <a:prstGeom prst="rect">
+            <a:avLst/>
+          </a:prstGeom>
+          <a:noFill/>
+        </p:spPr>
+        <p:txBody>
+          <a:bodyPr wrap="square">
+            <a:spAutoFit/>
+          </a:bodyPr>
+          <a:lstStyle/>
+          <a:p>
+            <a:pPr algn="l"/>
+            <a:r>
+              <a:rPr lang="tr-TR" b="1" i="0" dirty="0">
+                <a:solidFill>
+                  <a:srgbClr val="000000"/>
+                </a:solidFill>
+                <a:effectLst/>
+                <a:latin typeface="Roboto" panose="02000000000000000000" pitchFamily="2" charset="0"/>
+              </a:rPr>
+              <a:t>1.Girdiler:</a:t>
+            </a:r>
+            <a:r>
+              <a:rPr lang="tr-TR" b="0" i="0" dirty="0">
+                <a:solidFill>
+                  <a:srgbClr val="000000"/>
+                </a:solidFill>
+                <a:effectLst/>
+                <a:latin typeface="Roboto" panose="02000000000000000000" pitchFamily="2" charset="0"/>
+              </a:rPr>
+              <a:t> Girdiler nöronlara gelen verilerdir. Bu girdilerden gelen veriler biyolojik sinir hücrelerinde olduğu gibi toplanmak üzere nöron çekirdeğine gönderilir.</a:t>
+            </a:r>
+          </a:p>
+          <a:p>
+            <a:pPr algn="l"/>
+            <a:endParaRPr lang="tr-TR" b="0" i="0" dirty="0">
+              <a:solidFill>
+                <a:srgbClr val="000000"/>
+              </a:solidFill>
+              <a:effectLst/>
+              <a:latin typeface="Roboto" panose="02000000000000000000" pitchFamily="2" charset="0"/>
+            </a:endParaRPr>
+          </a:p>
+          <a:p>
+            <a:pPr algn="l"/>
+            <a:r>
+              <a:rPr lang="tr-TR" b="1" i="0" dirty="0">
+                <a:solidFill>
+                  <a:srgbClr val="000000"/>
+                </a:solidFill>
+                <a:effectLst/>
+                <a:latin typeface="Roboto" panose="02000000000000000000" pitchFamily="2" charset="0"/>
+              </a:rPr>
+              <a:t>2. Ağırlıklar:</a:t>
+            </a:r>
+            <a:r>
+              <a:rPr lang="tr-TR" b="0" i="0" dirty="0">
+                <a:solidFill>
+                  <a:srgbClr val="000000"/>
+                </a:solidFill>
+                <a:effectLst/>
+                <a:latin typeface="Roboto" panose="02000000000000000000" pitchFamily="2" charset="0"/>
+              </a:rPr>
+              <a:t> Yapay sinir hücresine gelen bilgiler girdiler üzerinden çekirdeğe ulaşmadan önce geldikleri bağlantıların ağırlığıyla çarpılarak çekirdeğe iletilir. Bu sayede girdilerin üretilecek çıktı üzerindeki etkisi </a:t>
+            </a:r>
+            <a:r>
+              <a:rPr lang="tr-TR" b="0" i="0" dirty="0" err="1">
+                <a:solidFill>
+                  <a:srgbClr val="000000"/>
+                </a:solidFill>
+                <a:effectLst/>
+                <a:latin typeface="Roboto" panose="02000000000000000000" pitchFamily="2" charset="0"/>
+              </a:rPr>
+              <a:t>ayarlanabilinmektedir</a:t>
+            </a:r>
+            <a:r>
+              <a:rPr lang="tr-TR" b="0" i="0" dirty="0">
+                <a:solidFill>
+                  <a:srgbClr val="000000"/>
+                </a:solidFill>
+                <a:effectLst/>
+                <a:latin typeface="Roboto" panose="02000000000000000000" pitchFamily="2" charset="0"/>
+              </a:rPr>
+              <a:t>.</a:t>
+            </a:r>
+          </a:p>
+          <a:p>
+            <a:pPr algn="l"/>
+            <a:endParaRPr lang="tr-TR" b="0" i="0" dirty="0">
+              <a:solidFill>
+                <a:srgbClr val="000000"/>
+              </a:solidFill>
+              <a:effectLst/>
+              <a:latin typeface="Roboto" panose="02000000000000000000" pitchFamily="2" charset="0"/>
+            </a:endParaRPr>
+          </a:p>
+          <a:p>
+            <a:pPr algn="l"/>
+            <a:r>
+              <a:rPr lang="tr-TR" b="1" i="0" dirty="0">
+                <a:solidFill>
+                  <a:srgbClr val="000000"/>
+                </a:solidFill>
+                <a:effectLst/>
+                <a:latin typeface="Roboto" panose="02000000000000000000" pitchFamily="2" charset="0"/>
+              </a:rPr>
+              <a:t>3.Toplama Fonksiyonu (Birleştirme Fonksiyonu): </a:t>
+            </a:r>
+            <a:r>
+              <a:rPr lang="tr-TR" b="0" i="0" dirty="0">
+                <a:solidFill>
+                  <a:srgbClr val="000000"/>
+                </a:solidFill>
+                <a:effectLst/>
+                <a:latin typeface="Roboto" panose="02000000000000000000" pitchFamily="2" charset="0"/>
+              </a:rPr>
+              <a:t>Toplama fonksiyonu bir yapay sinir hücresine ağırlıklarla çarpılarak gelen girdileri toplayarak o hücrenin net girdisini hesaplayan bir fonksiyondur</a:t>
+            </a:r>
+          </a:p>
+          <a:p>
+            <a:pPr algn="l"/>
+            <a:endParaRPr lang="tr-TR" b="0" i="0" dirty="0">
+              <a:solidFill>
+                <a:srgbClr val="000000"/>
+              </a:solidFill>
+              <a:effectLst/>
+              <a:latin typeface="Roboto" panose="02000000000000000000" pitchFamily="2" charset="0"/>
+            </a:endParaRPr>
+          </a:p>
+          <a:p>
+            <a:pPr algn="l"/>
+            <a:r>
+              <a:rPr lang="tr-TR" b="1" i="0" dirty="0">
+                <a:solidFill>
+                  <a:srgbClr val="000000"/>
+                </a:solidFill>
+                <a:effectLst/>
+                <a:latin typeface="Roboto" panose="02000000000000000000" pitchFamily="2" charset="0"/>
+              </a:rPr>
+              <a:t>4</a:t>
+            </a:r>
+            <a:r>
+              <a:rPr lang="tr-TR" b="0" i="0" dirty="0">
+                <a:solidFill>
+                  <a:srgbClr val="000000"/>
+                </a:solidFill>
+                <a:effectLst/>
+                <a:latin typeface="Roboto" panose="02000000000000000000" pitchFamily="2" charset="0"/>
+              </a:rPr>
+              <a:t>.</a:t>
+            </a:r>
+            <a:r>
+              <a:rPr lang="tr-TR" b="1" i="0" dirty="0">
+                <a:solidFill>
+                  <a:srgbClr val="000000"/>
+                </a:solidFill>
+                <a:effectLst/>
+                <a:latin typeface="Roboto" panose="02000000000000000000" pitchFamily="2" charset="0"/>
+              </a:rPr>
+              <a:t>Aktivasyon fonksiyonu: </a:t>
+            </a:r>
+            <a:r>
+              <a:rPr lang="tr-TR" b="0" i="0" dirty="0">
+                <a:solidFill>
+                  <a:srgbClr val="000000"/>
+                </a:solidFill>
+                <a:effectLst/>
+                <a:latin typeface="Roboto" panose="02000000000000000000" pitchFamily="2" charset="0"/>
+              </a:rPr>
+              <a:t>Önceki katmandaki tüm girdilerin ağırlıklı toplamını alan ve daha sonra bir çıkış değeri (tipik olarak doğrusal olmayan) üreten ve bir sonraki katmana geçiren bir fonksiyondur. (örneğin, </a:t>
+            </a:r>
+            <a:r>
+              <a:rPr lang="tr-TR" b="0" i="0" dirty="0" err="1">
+                <a:solidFill>
+                  <a:srgbClr val="000000"/>
+                </a:solidFill>
+                <a:effectLst/>
+                <a:latin typeface="Roboto" panose="02000000000000000000" pitchFamily="2" charset="0"/>
+              </a:rPr>
+              <a:t>ReLU</a:t>
+            </a:r>
+            <a:r>
+              <a:rPr lang="tr-TR" b="0" i="0" dirty="0">
+                <a:solidFill>
+                  <a:srgbClr val="000000"/>
+                </a:solidFill>
+                <a:effectLst/>
+                <a:latin typeface="Roboto" panose="02000000000000000000" pitchFamily="2" charset="0"/>
+              </a:rPr>
+              <a:t> veya sigmoid ).</a:t>
+            </a:r>
+          </a:p>
+          <a:p>
+            <a:pPr algn="l"/>
+            <a:endParaRPr lang="tr-TR" b="0" i="0" dirty="0">
+              <a:solidFill>
+                <a:srgbClr val="000000"/>
+              </a:solidFill>
+              <a:effectLst/>
+              <a:latin typeface="Roboto" panose="02000000000000000000" pitchFamily="2" charset="0"/>
+            </a:endParaRPr>
+          </a:p>
+          <a:p>
+            <a:pPr algn="l"/>
+            <a:r>
+              <a:rPr lang="tr-TR" b="1" i="0" dirty="0">
+                <a:solidFill>
+                  <a:srgbClr val="000000"/>
+                </a:solidFill>
+                <a:effectLst/>
+                <a:latin typeface="Roboto" panose="02000000000000000000" pitchFamily="2" charset="0"/>
+              </a:rPr>
+              <a:t>5.Çıktılar: </a:t>
+            </a:r>
+            <a:r>
+              <a:rPr lang="tr-TR" b="0" i="0" dirty="0">
+                <a:solidFill>
+                  <a:srgbClr val="000000"/>
+                </a:solidFill>
+                <a:effectLst/>
+                <a:latin typeface="Roboto" panose="02000000000000000000" pitchFamily="2" charset="0"/>
+              </a:rPr>
+              <a:t>Aktivasyon fonksiyonundan çıkan değer hücrenin çıktı değeri olmaktadır. Her hücrenin birden fazla girdisi olmasına rağmen bir tek çıktısı olmaktadır. Bu çıktı istenilen sayıda hücreye bağlanabilir</a:t>
+            </a:r>
+          </a:p>
+        </p:txBody>
+      </p:sp>
+    </p:spTree>
+    <p:extLst>
+      <p:ext uri="{BB962C8B-B14F-4D97-AF65-F5344CB8AC3E}">
+        <p14:creationId xmlns:p14="http://schemas.microsoft.com/office/powerpoint/2010/main" val="3904786303"/>
+      </p:ext>
+    </p:extLst>
+  </p:cSld>
+  <p:clrMapOvr>
+    <a:masterClrMapping/>
+  </p:clrMapOvr>
+</p:sld>
+</file>
+
+<file path=ppt/slides/slide11.xml><?xml version="1.0" encoding="utf-8"?>
+<p:sld xmlns:a="http://schemas.openxmlformats.org/drawingml/2006/main" xmlns:r="http://schemas.openxmlformats.org/officeDocument/2006/relationships" xmlns:p="http://schemas.openxmlformats.org/presentationml/2006/main">
+  <p:cSld>
+    <p:spTree>
+      <p:nvGrpSpPr>
+        <p:cNvPr id="1" name=""/>
+        <p:cNvGrpSpPr/>
+        <p:nvPr/>
+      </p:nvGrpSpPr>
+      <p:grpSpPr>
+        <a:xfrm>
+          <a:off x="0" y="0"/>
+          <a:ext cx="0" cy="0"/>
+          <a:chOff x="0" y="0"/>
+          <a:chExt cx="0" cy="0"/>
+        </a:xfrm>
+      </p:grpSpPr>
+      <p:sp>
+        <p:nvSpPr>
           <p:cNvPr id="2" name="Başlık 1">
             <a:extLst>
               <a:ext uri="{FF2B5EF4-FFF2-40B4-BE49-F238E27FC236}">
@@ -3789,7 +4108,7 @@
 </p:sld>
 </file>
 
-<file path=ppt/slides/slide11.xml><?xml version="1.0" encoding="utf-8"?>
+<file path=ppt/slides/slide12.xml><?xml version="1.0" encoding="utf-8"?>
 <p:sld xmlns:a="http://schemas.openxmlformats.org/drawingml/2006/main" xmlns:r="http://schemas.openxmlformats.org/officeDocument/2006/relationships" xmlns:p="http://schemas.openxmlformats.org/presentationml/2006/main">
   <p:cSld>
     <p:bg>
@@ -3859,7 +4178,75 @@
 </p:sld>
 </file>
 
-<file path=ppt/slides/slide12.xml><?xml version="1.0" encoding="utf-8"?>
+<file path=ppt/slides/slide13.xml><?xml version="1.0" encoding="utf-8"?>
+<p:sld xmlns:a="http://schemas.openxmlformats.org/drawingml/2006/main" xmlns:r="http://schemas.openxmlformats.org/officeDocument/2006/relationships" xmlns:p="http://schemas.openxmlformats.org/presentationml/2006/main">
+  <p:cSld>
+    <p:bg>
+      <p:bgPr>
+        <a:solidFill>
+          <a:schemeClr val="bg1"/>
+        </a:solidFill>
+        <a:effectLst/>
+      </p:bgPr>
+    </p:bg>
+    <p:spTree>
+      <p:nvGrpSpPr>
+        <p:cNvPr id="1" name=""/>
+        <p:cNvGrpSpPr/>
+        <p:nvPr/>
+      </p:nvGrpSpPr>
+      <p:grpSpPr>
+        <a:xfrm>
+          <a:off x="0" y="0"/>
+          <a:ext cx="0" cy="0"/>
+          <a:chOff x="0" y="0"/>
+          <a:chExt cx="0" cy="0"/>
+        </a:xfrm>
+      </p:grpSpPr>
+      <p:pic>
+        <p:nvPicPr>
+          <p:cNvPr id="5" name="Resim 4">
+            <a:extLst>
+              <a:ext uri="{FF2B5EF4-FFF2-40B4-BE49-F238E27FC236}">
+                <a16:creationId xmlns:a16="http://schemas.microsoft.com/office/drawing/2014/main" id="{EBAF5D7E-4A47-E40A-757C-1D71910CDCDE}"/>
+              </a:ext>
+            </a:extLst>
+          </p:cNvPr>
+          <p:cNvPicPr>
+            <a:picLocks noChangeAspect="1"/>
+          </p:cNvPicPr>
+          <p:nvPr/>
+        </p:nvPicPr>
+        <p:blipFill>
+          <a:blip r:embed="rId2"/>
+          <a:stretch>
+            <a:fillRect/>
+          </a:stretch>
+        </p:blipFill>
+        <p:spPr>
+          <a:xfrm>
+            <a:off x="643467" y="1357037"/>
+            <a:ext cx="10905066" cy="4143924"/>
+          </a:xfrm>
+          <a:prstGeom prst="rect">
+            <a:avLst/>
+          </a:prstGeom>
+        </p:spPr>
+      </p:pic>
+    </p:spTree>
+    <p:extLst>
+      <p:ext uri="{BB962C8B-B14F-4D97-AF65-F5344CB8AC3E}">
+        <p14:creationId xmlns:p14="http://schemas.microsoft.com/office/powerpoint/2010/main" val="3897348297"/>
+      </p:ext>
+    </p:extLst>
+  </p:cSld>
+  <p:clrMapOvr>
+    <a:masterClrMapping/>
+  </p:clrMapOvr>
+</p:sld>
+</file>
+
+<file path=ppt/slides/slide14.xml><?xml version="1.0" encoding="utf-8"?>
 <p:sld xmlns:a="http://schemas.openxmlformats.org/drawingml/2006/main" xmlns:r="http://schemas.openxmlformats.org/officeDocument/2006/relationships" xmlns:p="http://schemas.openxmlformats.org/presentationml/2006/main">
   <p:cSld>
     <p:spTree>
@@ -3920,7 +4307,7 @@
 </p:sld>
 </file>
 
-<file path=ppt/slides/slide13.xml><?xml version="1.0" encoding="utf-8"?>
+<file path=ppt/slides/slide15.xml><?xml version="1.0" encoding="utf-8"?>
 <p:sld xmlns:a="http://schemas.openxmlformats.org/drawingml/2006/main" xmlns:r="http://schemas.openxmlformats.org/officeDocument/2006/relationships" xmlns:p="http://schemas.openxmlformats.org/presentationml/2006/main">
   <p:cSld>
     <p:bg>
@@ -4355,7 +4742,7 @@
 </p:sld>
 </file>
 
-<file path=ppt/slides/slide14.xml><?xml version="1.0" encoding="utf-8"?>
+<file path=ppt/slides/slide16.xml><?xml version="1.0" encoding="utf-8"?>
 <p:sld xmlns:a="http://schemas.openxmlformats.org/drawingml/2006/main" xmlns:r="http://schemas.openxmlformats.org/officeDocument/2006/relationships" xmlns:p="http://schemas.openxmlformats.org/presentationml/2006/main">
   <p:cSld>
     <p:bg>
@@ -4893,7 +5280,7 @@
 </p:sld>
 </file>
 
-<file path=ppt/slides/slide15.xml><?xml version="1.0" encoding="utf-8"?>
+<file path=ppt/slides/slide17.xml><?xml version="1.0" encoding="utf-8"?>
 <p:sld xmlns:a="http://schemas.openxmlformats.org/drawingml/2006/main" xmlns:r="http://schemas.openxmlformats.org/officeDocument/2006/relationships" xmlns:p="http://schemas.openxmlformats.org/presentationml/2006/main">
   <p:cSld>
     <p:bg>
@@ -5506,7 +5893,177 @@
 </p:sld>
 </file>
 
-<file path=ppt/slides/slide16.xml><?xml version="1.0" encoding="utf-8"?>
+<file path=ppt/slides/slide18.xml><?xml version="1.0" encoding="utf-8"?>
+<p:sld xmlns:a="http://schemas.openxmlformats.org/drawingml/2006/main" xmlns:r="http://schemas.openxmlformats.org/officeDocument/2006/relationships" xmlns:p="http://schemas.openxmlformats.org/presentationml/2006/main">
+  <p:cSld>
+    <p:bg>
+      <p:bgPr>
+        <a:solidFill>
+          <a:schemeClr val="bg1"/>
+        </a:solidFill>
+        <a:effectLst/>
+      </p:bgPr>
+    </p:bg>
+    <p:spTree>
+      <p:nvGrpSpPr>
+        <p:cNvPr id="1" name=""/>
+        <p:cNvGrpSpPr/>
+        <p:nvPr/>
+      </p:nvGrpSpPr>
+      <p:grpSpPr>
+        <a:xfrm>
+          <a:off x="0" y="0"/>
+          <a:ext cx="0" cy="0"/>
+          <a:chOff x="0" y="0"/>
+          <a:chExt cx="0" cy="0"/>
+        </a:xfrm>
+      </p:grpSpPr>
+      <p:sp useBgFill="1">
+        <p:nvSpPr>
+          <p:cNvPr id="11" name="Rectangle 10">
+            <a:extLst>
+              <a:ext uri="{FF2B5EF4-FFF2-40B4-BE49-F238E27FC236}">
+                <a16:creationId xmlns:a16="http://schemas.microsoft.com/office/drawing/2014/main" id="{53F29798-D584-4792-9B62-3F5F5C36D619}"/>
+              </a:ext>
+              <a:ext uri="{C183D7F6-B498-43B3-948B-1728B52AA6E4}">
+                <adec:decorative xmlns:adec="http://schemas.microsoft.com/office/drawing/2017/decorative" val="1"/>
+              </a:ext>
+            </a:extLst>
+          </p:cNvPr>
+          <p:cNvSpPr>
+            <a:spLocks noGrp="1" noRot="1" noChangeAspect="1" noMove="1" noResize="1" noEditPoints="1" noAdjustHandles="1" noChangeArrowheads="1" noChangeShapeType="1" noTextEdit="1"/>
+          </p:cNvSpPr>
+          <p:nvPr>
+            <p:extLst>
+              <p:ext uri="{386F3935-93C4-4BCD-93E2-E3B085C9AB24}">
+                <p16:designElem xmlns:p16="http://schemas.microsoft.com/office/powerpoint/2015/main" val="1"/>
+              </p:ext>
+            </p:extLst>
+          </p:nvPr>
+        </p:nvSpPr>
+        <p:spPr>
+          <a:xfrm>
+            <a:off x="0" y="0"/>
+            <a:ext cx="12188952" cy="6858000"/>
+          </a:xfrm>
+          <a:prstGeom prst="rect">
+            <a:avLst/>
+          </a:prstGeom>
+          <a:ln>
+            <a:noFill/>
+          </a:ln>
+        </p:spPr>
+        <p:style>
+          <a:lnRef idx="2">
+            <a:schemeClr val="accent1">
+              <a:shade val="50000"/>
+            </a:schemeClr>
+          </a:lnRef>
+          <a:fillRef idx="1">
+            <a:schemeClr val="accent1"/>
+          </a:fillRef>
+          <a:effectRef idx="0">
+            <a:schemeClr val="accent1"/>
+          </a:effectRef>
+          <a:fontRef idx="minor">
+            <a:schemeClr val="lt1"/>
+          </a:fontRef>
+        </p:style>
+        <p:txBody>
+          <a:bodyPr rtlCol="0" anchor="ctr"/>
+          <a:lstStyle/>
+          <a:p>
+            <a:pPr algn="ctr"/>
+            <a:endParaRPr lang="en-US"/>
+          </a:p>
+        </p:txBody>
+      </p:sp>
+      <p:sp>
+        <p:nvSpPr>
+          <p:cNvPr id="6" name="Başlık 1">
+            <a:extLst>
+              <a:ext uri="{FF2B5EF4-FFF2-40B4-BE49-F238E27FC236}">
+                <a16:creationId xmlns:a16="http://schemas.microsoft.com/office/drawing/2014/main" id="{935DBBFD-2B6A-5917-4C14-81A863356429}"/>
+              </a:ext>
+            </a:extLst>
+          </p:cNvPr>
+          <p:cNvSpPr>
+            <a:spLocks noGrp="1"/>
+          </p:cNvSpPr>
+          <p:nvPr>
+            <p:ph type="title"/>
+          </p:nvPr>
+        </p:nvSpPr>
+        <p:spPr>
+          <a:xfrm>
+            <a:off x="838200" y="184805"/>
+            <a:ext cx="10515600" cy="1505883"/>
+          </a:xfrm>
+        </p:spPr>
+        <p:txBody>
+          <a:bodyPr vert="horz" lIns="91440" tIns="45720" rIns="91440" bIns="45720" rtlCol="0" anchor="ctr">
+            <a:normAutofit/>
+          </a:bodyPr>
+          <a:lstStyle/>
+          <a:p>
+            <a:r>
+              <a:rPr lang="en-US" sz="5200" kern="1200">
+                <a:solidFill>
+                  <a:schemeClr val="tx1"/>
+                </a:solidFill>
+                <a:latin typeface="+mj-lt"/>
+                <a:ea typeface="+mj-ea"/>
+                <a:cs typeface="+mj-cs"/>
+              </a:rPr>
+              <a:t>Aktivasyon Fonksiyonları</a:t>
+            </a:r>
+          </a:p>
+        </p:txBody>
+      </p:sp>
+      <p:pic>
+        <p:nvPicPr>
+          <p:cNvPr id="5" name="Resim 4">
+            <a:extLst>
+              <a:ext uri="{FF2B5EF4-FFF2-40B4-BE49-F238E27FC236}">
+                <a16:creationId xmlns:a16="http://schemas.microsoft.com/office/drawing/2014/main" id="{F9B8F495-8F38-8ACD-5A19-6AA4A248E13D}"/>
+              </a:ext>
+            </a:extLst>
+          </p:cNvPr>
+          <p:cNvPicPr>
+            <a:picLocks noChangeAspect="1"/>
+          </p:cNvPicPr>
+          <p:nvPr/>
+        </p:nvPicPr>
+        <p:blipFill>
+          <a:blip r:embed="rId2"/>
+          <a:stretch>
+            <a:fillRect/>
+          </a:stretch>
+        </p:blipFill>
+        <p:spPr>
+          <a:xfrm>
+            <a:off x="1204030" y="1845426"/>
+            <a:ext cx="9780886" cy="4450303"/>
+          </a:xfrm>
+          <a:prstGeom prst="rect">
+            <a:avLst/>
+          </a:prstGeom>
+        </p:spPr>
+      </p:pic>
+    </p:spTree>
+    <p:extLst>
+      <p:ext uri="{BB962C8B-B14F-4D97-AF65-F5344CB8AC3E}">
+        <p14:creationId xmlns:p14="http://schemas.microsoft.com/office/powerpoint/2010/main" val="2460476963"/>
+      </p:ext>
+    </p:extLst>
+  </p:cSld>
+  <p:clrMapOvr>
+    <a:masterClrMapping/>
+  </p:clrMapOvr>
+</p:sld>
+</file>
+
+<file path=ppt/slides/slide19.xml><?xml version="1.0" encoding="utf-8"?>
 <p:sld xmlns:a="http://schemas.openxmlformats.org/drawingml/2006/main" xmlns:r="http://schemas.openxmlformats.org/officeDocument/2006/relationships" xmlns:p="http://schemas.openxmlformats.org/presentationml/2006/main">
   <p:cSld>
     <p:spTree>
@@ -5525,31 +6082,6 @@
       </p:grpSpPr>
       <p:sp>
         <p:nvSpPr>
-          <p:cNvPr id="2" name="Başlık 1">
-            <a:extLst>
-              <a:ext uri="{FF2B5EF4-FFF2-40B4-BE49-F238E27FC236}">
-                <a16:creationId xmlns:a16="http://schemas.microsoft.com/office/drawing/2014/main" id="{935DBBFD-2B6A-5917-4C14-81A863356429}"/>
-              </a:ext>
-            </a:extLst>
-          </p:cNvPr>
-          <p:cNvSpPr>
-            <a:spLocks noGrp="1"/>
-          </p:cNvSpPr>
-          <p:nvPr>
-            <p:ph type="title"/>
-          </p:nvPr>
-        </p:nvSpPr>
-        <p:spPr/>
-        <p:txBody>
-          <a:bodyPr/>
-          <a:lstStyle/>
-          <a:p>
-            <a:endParaRPr lang="tr-TR"/>
-          </a:p>
-        </p:txBody>
-      </p:sp>
-      <p:sp>
-        <p:nvSpPr>
           <p:cNvPr id="3" name="İçerik Yer Tutucusu 2">
             <a:extLst>
               <a:ext uri="{FF2B5EF4-FFF2-40B4-BE49-F238E27FC236}">
@@ -5566,10 +6098,235 @@
         </p:nvSpPr>
         <p:spPr/>
         <p:txBody>
-          <a:bodyPr/>
+          <a:bodyPr>
+            <a:normAutofit/>
+          </a:bodyPr>
           <a:lstStyle/>
           <a:p>
-            <a:endParaRPr lang="tr-TR"/>
+            <a:pPr algn="l"/>
+            <a:r>
+              <a:rPr lang="tr-TR" sz="1800" b="0" i="0" u="none" strike="noStrike" baseline="0" dirty="0">
+                <a:solidFill>
+                  <a:srgbClr val="007F9B"/>
+                </a:solidFill>
+                <a:latin typeface="CIDFont+F1"/>
+              </a:rPr>
+              <a:t>Sigmoid Fonksiyonu</a:t>
+            </a:r>
+          </a:p>
+          <a:p>
+            <a:pPr algn="l"/>
+            <a:r>
+              <a:rPr lang="tr-TR" sz="1800" b="0" i="0" u="none" strike="noStrike" baseline="0" dirty="0">
+                <a:solidFill>
+                  <a:srgbClr val="000000"/>
+                </a:solidFill>
+                <a:latin typeface="CIDFont+F1"/>
+              </a:rPr>
+              <a:t>YSA modellerinde sıklıkla kullanılan aktivasyon fonksiyonlarından birisi de Sigmoid fonksiyonudur. Sigmoid fonksiyonu [0,1] arasında değerler alabilen ve sınıflandırma problemlerinde kullanılan bir fonksiyondur. Bu fonksiyon, modelden elde edilen sonucun hangi sınıfa ait olduğunu öğrenen, olasılıksal bir değer üretir.</a:t>
+            </a:r>
+          </a:p>
+          <a:p>
+            <a:pPr algn="l"/>
+            <a:r>
+              <a:rPr lang="tr-TR" sz="1800" b="0" i="0" u="none" strike="noStrike" baseline="0" dirty="0">
+                <a:solidFill>
+                  <a:srgbClr val="007F9B"/>
+                </a:solidFill>
+                <a:latin typeface="CIDFont+F1"/>
+              </a:rPr>
+              <a:t>Hiperbolik Tanjant (</a:t>
+            </a:r>
+            <a:r>
+              <a:rPr lang="tr-TR" sz="1800" b="0" i="0" u="none" strike="noStrike" baseline="0" dirty="0" err="1">
+                <a:solidFill>
+                  <a:srgbClr val="007F9B"/>
+                </a:solidFill>
+                <a:latin typeface="CIDFont+F1"/>
+              </a:rPr>
+              <a:t>tanh</a:t>
+            </a:r>
+            <a:r>
+              <a:rPr lang="tr-TR" sz="1800" b="0" i="0" u="none" strike="noStrike" baseline="0" dirty="0">
+                <a:solidFill>
+                  <a:srgbClr val="007F9B"/>
+                </a:solidFill>
+                <a:latin typeface="CIDFont+F1"/>
+              </a:rPr>
+              <a:t>) Fonksiyonu</a:t>
+            </a:r>
+          </a:p>
+          <a:p>
+            <a:pPr algn="l"/>
+            <a:r>
+              <a:rPr lang="tr-TR" sz="1800" b="0" i="0" u="none" strike="noStrike" baseline="0" dirty="0">
+                <a:solidFill>
+                  <a:srgbClr val="000000"/>
+                </a:solidFill>
+                <a:latin typeface="CIDFont+F1"/>
+              </a:rPr>
+              <a:t>YSA modellerinde kullanılan hiperbolik tanjant (</a:t>
+            </a:r>
+            <a:r>
+              <a:rPr lang="tr-TR" sz="1800" b="0" i="0" u="none" strike="noStrike" baseline="0" dirty="0" err="1">
+                <a:solidFill>
+                  <a:srgbClr val="000000"/>
+                </a:solidFill>
+                <a:latin typeface="CIDFont+F1"/>
+              </a:rPr>
+              <a:t>tanh</a:t>
+            </a:r>
+            <a:r>
+              <a:rPr lang="tr-TR" sz="1800" b="0" i="0" u="none" strike="noStrike" baseline="0" dirty="0">
+                <a:solidFill>
+                  <a:srgbClr val="000000"/>
+                </a:solidFill>
+                <a:latin typeface="CIDFont+F1"/>
+              </a:rPr>
+              <a:t>) fonksiyonu sigmoid fonksiyonuna oldukça benzeyen ve sınıflandırma için kullanılan fonksiyondur. Aktivasyon fonksiyon çıkış değeri [-1,1] aralığında doğrusal olmayan bir fonksiyondur.</a:t>
+            </a:r>
+          </a:p>
+          <a:p>
+            <a:pPr algn="l"/>
+            <a:r>
+              <a:rPr lang="tr-TR" sz="1800" b="0" i="0" u="none" strike="noStrike" baseline="0" dirty="0" err="1">
+                <a:solidFill>
+                  <a:srgbClr val="007F9B"/>
+                </a:solidFill>
+                <a:latin typeface="CIDFont+F1"/>
+              </a:rPr>
+              <a:t>Rectified</a:t>
+            </a:r>
+            <a:r>
+              <a:rPr lang="tr-TR" sz="1800" b="0" i="0" u="none" strike="noStrike" baseline="0" dirty="0">
+                <a:solidFill>
+                  <a:srgbClr val="007F9B"/>
+                </a:solidFill>
+                <a:latin typeface="CIDFont+F1"/>
+              </a:rPr>
+              <a:t> </a:t>
+            </a:r>
+            <a:r>
+              <a:rPr lang="tr-TR" sz="1800" b="0" i="0" u="none" strike="noStrike" baseline="0" dirty="0" err="1">
+                <a:solidFill>
+                  <a:srgbClr val="007F9B"/>
+                </a:solidFill>
+                <a:latin typeface="CIDFont+F1"/>
+              </a:rPr>
+              <a:t>Linear</a:t>
+            </a:r>
+            <a:r>
+              <a:rPr lang="tr-TR" sz="1800" b="0" i="0" u="none" strike="noStrike" baseline="0" dirty="0">
+                <a:solidFill>
+                  <a:srgbClr val="007F9B"/>
+                </a:solidFill>
+                <a:latin typeface="CIDFont+F1"/>
+              </a:rPr>
+              <a:t> </a:t>
+            </a:r>
+            <a:r>
+              <a:rPr lang="tr-TR" sz="1800" b="0" i="0" u="none" strike="noStrike" baseline="0" dirty="0" err="1">
+                <a:solidFill>
+                  <a:srgbClr val="007F9B"/>
+                </a:solidFill>
+                <a:latin typeface="CIDFont+F1"/>
+              </a:rPr>
+              <a:t>Unit</a:t>
+            </a:r>
+            <a:r>
+              <a:rPr lang="tr-TR" sz="1800" b="0" i="0" u="none" strike="noStrike" baseline="0" dirty="0">
+                <a:solidFill>
+                  <a:srgbClr val="007F9B"/>
+                </a:solidFill>
+                <a:latin typeface="CIDFont+F1"/>
+              </a:rPr>
+              <a:t>/Rektifiye Doğrusal Birim (</a:t>
+            </a:r>
+            <a:r>
+              <a:rPr lang="tr-TR" sz="1800" b="0" i="0" u="none" strike="noStrike" baseline="0" dirty="0" err="1">
+                <a:solidFill>
+                  <a:srgbClr val="007F9B"/>
+                </a:solidFill>
+                <a:latin typeface="CIDFont+F1"/>
+              </a:rPr>
+              <a:t>ReLu</a:t>
+            </a:r>
+            <a:r>
+              <a:rPr lang="tr-TR" sz="1800" b="0" i="0" u="none" strike="noStrike" baseline="0" dirty="0">
+                <a:solidFill>
+                  <a:srgbClr val="007F9B"/>
+                </a:solidFill>
+                <a:latin typeface="CIDFont+F1"/>
+              </a:rPr>
+              <a:t>) Fonksiyonu</a:t>
+            </a:r>
+          </a:p>
+          <a:p>
+            <a:pPr algn="l"/>
+            <a:r>
+              <a:rPr lang="tr-TR" sz="1800" b="0" i="0" u="none" strike="noStrike" baseline="0" dirty="0">
+                <a:solidFill>
+                  <a:srgbClr val="000000"/>
+                </a:solidFill>
+                <a:latin typeface="CIDFont+F1"/>
+              </a:rPr>
+              <a:t>YSA modellerinde </a:t>
+            </a:r>
+            <a:r>
+              <a:rPr lang="tr-TR" sz="1800" b="0" i="0" u="none" strike="noStrike" baseline="0" dirty="0" err="1">
+                <a:solidFill>
+                  <a:srgbClr val="000000"/>
+                </a:solidFill>
+                <a:latin typeface="CIDFont+F1"/>
+              </a:rPr>
+              <a:t>ReLU</a:t>
+            </a:r>
+            <a:r>
+              <a:rPr lang="tr-TR" sz="1800" b="0" i="0" u="none" strike="noStrike" baseline="0" dirty="0">
+                <a:solidFill>
+                  <a:srgbClr val="000000"/>
+                </a:solidFill>
+                <a:latin typeface="CIDFont+F1"/>
+              </a:rPr>
+              <a:t> aktivasyon fonksiyonu çok gizli katmanlarda sıklıkla kullanılıp aynı anda tüm nöronları aktive etmez. </a:t>
+            </a:r>
+            <a:r>
+              <a:rPr lang="tr-TR" sz="1800" b="0" i="0" u="none" strike="noStrike" baseline="0" dirty="0" err="1">
+                <a:solidFill>
+                  <a:srgbClr val="000000"/>
+                </a:solidFill>
+                <a:latin typeface="CIDFont+F1"/>
+              </a:rPr>
+              <a:t>ReLU</a:t>
+            </a:r>
+            <a:r>
+              <a:rPr lang="tr-TR" sz="1800" b="0" i="0" u="none" strike="noStrike" baseline="0" dirty="0">
+                <a:solidFill>
+                  <a:srgbClr val="000000"/>
+                </a:solidFill>
+                <a:latin typeface="CIDFont+F1"/>
+              </a:rPr>
+              <a:t> aktivasyon fonksiyonunda negatif değerler üreten nöronlar sıfır değeri kabul edilir. Böylece </a:t>
+            </a:r>
+            <a:r>
+              <a:rPr lang="tr-TR" sz="1800" b="0" i="0" u="none" strike="noStrike" baseline="0" dirty="0" err="1">
+                <a:solidFill>
+                  <a:srgbClr val="000000"/>
+                </a:solidFill>
+                <a:latin typeface="CIDFont+F1"/>
+              </a:rPr>
+              <a:t>ReLU</a:t>
+            </a:r>
+            <a:r>
+              <a:rPr lang="tr-TR" sz="1800" b="0" i="0" u="none" strike="noStrike" baseline="0" dirty="0">
+                <a:solidFill>
+                  <a:srgbClr val="000000"/>
+                </a:solidFill>
+                <a:latin typeface="CIDFont+F1"/>
+              </a:rPr>
+              <a:t> aktivasyon fonksiyonu daha verimli ve hızlı eğitir.</a:t>
+            </a:r>
+            <a:endParaRPr lang="tr-TR" dirty="0"/>
           </a:p>
         </p:txBody>
       </p:sp>
@@ -5577,134 +6334,6 @@
     <p:extLst>
       <p:ext uri="{BB962C8B-B14F-4D97-AF65-F5344CB8AC3E}">
         <p14:creationId xmlns:p14="http://schemas.microsoft.com/office/powerpoint/2010/main" val="3127968522"/>
-      </p:ext>
-    </p:extLst>
-  </p:cSld>
-  <p:clrMapOvr>
-    <a:masterClrMapping/>
-  </p:clrMapOvr>
-</p:sld>
-</file>
-
-<file path=ppt/slides/slide17.xml><?xml version="1.0" encoding="utf-8"?>
-<p:sld xmlns:a="http://schemas.openxmlformats.org/drawingml/2006/main" xmlns:r="http://schemas.openxmlformats.org/officeDocument/2006/relationships" xmlns:p="http://schemas.openxmlformats.org/presentationml/2006/main">
-  <p:cSld>
-    <p:spTree>
-      <p:nvGrpSpPr>
-        <p:cNvPr id="1" name=""/>
-        <p:cNvGrpSpPr/>
-        <p:nvPr/>
-      </p:nvGrpSpPr>
-      <p:grpSpPr>
-        <a:xfrm>
-          <a:off x="0" y="0"/>
-          <a:ext cx="0" cy="0"/>
-          <a:chOff x="0" y="0"/>
-          <a:chExt cx="0" cy="0"/>
-        </a:xfrm>
-      </p:grpSpPr>
-      <p:sp>
-        <p:nvSpPr>
-          <p:cNvPr id="2" name="Başlık 1">
-            <a:extLst>
-              <a:ext uri="{FF2B5EF4-FFF2-40B4-BE49-F238E27FC236}">
-                <a16:creationId xmlns:a16="http://schemas.microsoft.com/office/drawing/2014/main" id="{91164BE0-04CF-889B-2C71-0614A87F3AE8}"/>
-              </a:ext>
-            </a:extLst>
-          </p:cNvPr>
-          <p:cNvSpPr>
-            <a:spLocks noGrp="1"/>
-          </p:cNvSpPr>
-          <p:nvPr>
-            <p:ph type="title"/>
-          </p:nvPr>
-        </p:nvSpPr>
-        <p:spPr/>
-        <p:txBody>
-          <a:bodyPr/>
-          <a:lstStyle/>
-          <a:p>
-            <a:r>
-              <a:rPr lang="tr-TR" dirty="0"/>
-              <a:t>Kaynak</a:t>
-            </a:r>
-          </a:p>
-        </p:txBody>
-      </p:sp>
-      <p:sp>
-        <p:nvSpPr>
-          <p:cNvPr id="3" name="İçerik Yer Tutucusu 2">
-            <a:extLst>
-              <a:ext uri="{FF2B5EF4-FFF2-40B4-BE49-F238E27FC236}">
-                <a16:creationId xmlns:a16="http://schemas.microsoft.com/office/drawing/2014/main" id="{01520791-E872-84E0-509D-92C25B1916B4}"/>
-              </a:ext>
-            </a:extLst>
-          </p:cNvPr>
-          <p:cNvSpPr>
-            <a:spLocks noGrp="1"/>
-          </p:cNvSpPr>
-          <p:nvPr>
-            <p:ph idx="1"/>
-          </p:nvPr>
-        </p:nvSpPr>
-        <p:spPr/>
-        <p:txBody>
-          <a:bodyPr/>
-          <a:lstStyle/>
-          <a:p>
-            <a:r>
-              <a:rPr lang="tr-TR" dirty="0">
-                <a:hlinkClick r:id="rId2"/>
-              </a:rPr>
-              <a:t>https://aws.amazon.com/tr/what-is/neural-network/</a:t>
-            </a:r>
-            <a:endParaRPr lang="tr-TR" dirty="0"/>
-          </a:p>
-          <a:p>
-            <a:r>
-              <a:rPr lang="tr-TR" dirty="0">
-                <a:hlinkClick r:id="rId3"/>
-              </a:rPr>
-              <a:t>https://www.dataversity.net/artificial-neural-networks-overview/</a:t>
-            </a:r>
-            <a:endParaRPr lang="tr-TR" dirty="0"/>
-          </a:p>
-          <a:p>
-            <a:r>
-              <a:rPr lang="tr-TR" dirty="0">
-                <a:hlinkClick r:id="rId4"/>
-              </a:rPr>
-              <a:t>https://miuul.com/not-defteri/yapay-sinir-aglari</a:t>
-            </a:r>
-            <a:endParaRPr lang="tr-TR" dirty="0"/>
-          </a:p>
-          <a:p>
-            <a:r>
-              <a:rPr lang="tr-TR" dirty="0">
-                <a:hlinkClick r:id="rId5"/>
-              </a:rPr>
-              <a:t>https://www.veribilimiokulu.com/yapay-sinir-agiartificial-neural-network-nedir/</a:t>
-            </a:r>
-            <a:endParaRPr lang="tr-TR" dirty="0"/>
-          </a:p>
-          <a:p>
-            <a:r>
-              <a:rPr lang="tr-TR" dirty="0">
-                <a:hlinkClick r:id="rId6"/>
-              </a:rPr>
-              <a:t>https://www.linkedin.com/pulse/yapay-sinir-a%C4%9Flar%C4%B1-ve-tek-katmanl%C4%B1-a%C4%9Flarda-%C3%B6%C4%9Frenme-tanju-do%C4%9Fan/</a:t>
-            </a:r>
-            <a:endParaRPr lang="tr-TR" dirty="0"/>
-          </a:p>
-          <a:p>
-            <a:endParaRPr lang="tr-TR" dirty="0"/>
-          </a:p>
-        </p:txBody>
-      </p:sp>
-    </p:spTree>
-    <p:extLst>
-      <p:ext uri="{BB962C8B-B14F-4D97-AF65-F5344CB8AC3E}">
-        <p14:creationId xmlns:p14="http://schemas.microsoft.com/office/powerpoint/2010/main" val="3922698136"/>
       </p:ext>
     </p:extLst>
   </p:cSld>
@@ -6001,6 +6630,494 @@
     <p:extLst>
       <p:ext uri="{BB962C8B-B14F-4D97-AF65-F5344CB8AC3E}">
         <p14:creationId xmlns:p14="http://schemas.microsoft.com/office/powerpoint/2010/main" val="1892272754"/>
+      </p:ext>
+    </p:extLst>
+  </p:cSld>
+  <p:clrMapOvr>
+    <a:masterClrMapping/>
+  </p:clrMapOvr>
+</p:sld>
+</file>
+
+<file path=ppt/slides/slide20.xml><?xml version="1.0" encoding="utf-8"?>
+<p:sld xmlns:a="http://schemas.openxmlformats.org/drawingml/2006/main" xmlns:r="http://schemas.openxmlformats.org/officeDocument/2006/relationships" xmlns:p="http://schemas.openxmlformats.org/presentationml/2006/main">
+  <p:cSld>
+    <p:spTree>
+      <p:nvGrpSpPr>
+        <p:cNvPr id="1" name=""/>
+        <p:cNvGrpSpPr/>
+        <p:nvPr/>
+      </p:nvGrpSpPr>
+      <p:grpSpPr>
+        <a:xfrm>
+          <a:off x="0" y="0"/>
+          <a:ext cx="0" cy="0"/>
+          <a:chOff x="0" y="0"/>
+          <a:chExt cx="0" cy="0"/>
+        </a:xfrm>
+      </p:grpSpPr>
+      <p:sp>
+        <p:nvSpPr>
+          <p:cNvPr id="3" name="İçerik Yer Tutucusu 2">
+            <a:extLst>
+              <a:ext uri="{FF2B5EF4-FFF2-40B4-BE49-F238E27FC236}">
+                <a16:creationId xmlns:a16="http://schemas.microsoft.com/office/drawing/2014/main" id="{A7BA0E7F-A5A4-7B48-6088-E908BE0D78B9}"/>
+              </a:ext>
+            </a:extLst>
+          </p:cNvPr>
+          <p:cNvSpPr>
+            <a:spLocks noGrp="1"/>
+          </p:cNvSpPr>
+          <p:nvPr>
+            <p:ph idx="1"/>
+          </p:nvPr>
+        </p:nvSpPr>
+        <p:spPr>
+          <a:xfrm>
+            <a:off x="693964" y="302079"/>
+            <a:ext cx="10659836" cy="5874884"/>
+          </a:xfrm>
+        </p:spPr>
+        <p:txBody>
+          <a:bodyPr/>
+          <a:lstStyle/>
+          <a:p>
+            <a:pPr algn="l"/>
+            <a:r>
+              <a:rPr lang="tr-TR" sz="1800" b="0" i="0" u="none" strike="noStrike" baseline="0" dirty="0" err="1">
+                <a:solidFill>
+                  <a:srgbClr val="007F9B"/>
+                </a:solidFill>
+                <a:latin typeface="CIDFont+F1"/>
+              </a:rPr>
+              <a:t>Leaky</a:t>
+            </a:r>
+            <a:r>
+              <a:rPr lang="tr-TR" sz="1800" b="0" i="0" u="none" strike="noStrike" baseline="0" dirty="0">
+                <a:solidFill>
+                  <a:srgbClr val="007F9B"/>
+                </a:solidFill>
+                <a:latin typeface="CIDFont+F1"/>
+              </a:rPr>
+              <a:t> </a:t>
+            </a:r>
+            <a:r>
+              <a:rPr lang="tr-TR" sz="1800" b="0" i="0" u="none" strike="noStrike" baseline="0" dirty="0" err="1">
+                <a:solidFill>
+                  <a:srgbClr val="007F9B"/>
+                </a:solidFill>
+                <a:latin typeface="CIDFont+F1"/>
+              </a:rPr>
+              <a:t>ReLu</a:t>
+            </a:r>
+            <a:r>
+              <a:rPr lang="tr-TR" sz="1800" b="0" i="0" u="none" strike="noStrike" baseline="0" dirty="0">
+                <a:solidFill>
+                  <a:srgbClr val="007F9B"/>
+                </a:solidFill>
+                <a:latin typeface="CIDFont+F1"/>
+              </a:rPr>
+              <a:t> Fonksiyonu</a:t>
+            </a:r>
+          </a:p>
+          <a:p>
+            <a:pPr algn="l"/>
+            <a:r>
+              <a:rPr lang="tr-TR" sz="1800" b="0" i="0" u="none" strike="noStrike" baseline="0" dirty="0">
+                <a:solidFill>
+                  <a:srgbClr val="000000"/>
+                </a:solidFill>
+                <a:latin typeface="CIDFont+F1"/>
+              </a:rPr>
+              <a:t>YSA modellerinde </a:t>
+            </a:r>
+            <a:r>
+              <a:rPr lang="tr-TR" sz="1800" b="0" i="0" u="none" strike="noStrike" baseline="0" dirty="0" err="1">
+                <a:solidFill>
+                  <a:srgbClr val="000000"/>
+                </a:solidFill>
+                <a:latin typeface="CIDFont+F1"/>
+              </a:rPr>
+              <a:t>Leaky</a:t>
+            </a:r>
+            <a:r>
+              <a:rPr lang="tr-TR" sz="1800" b="0" i="0" u="none" strike="noStrike" baseline="0" dirty="0">
+                <a:solidFill>
+                  <a:srgbClr val="000000"/>
+                </a:solidFill>
+                <a:latin typeface="CIDFont+F1"/>
+              </a:rPr>
+              <a:t> </a:t>
+            </a:r>
+            <a:r>
+              <a:rPr lang="tr-TR" sz="1800" b="0" i="0" u="none" strike="noStrike" baseline="0" dirty="0" err="1">
+                <a:solidFill>
+                  <a:srgbClr val="000000"/>
+                </a:solidFill>
+                <a:latin typeface="CIDFont+F1"/>
+              </a:rPr>
+              <a:t>ReLU</a:t>
+            </a:r>
+            <a:r>
+              <a:rPr lang="tr-TR" sz="1800" b="0" i="0" u="none" strike="noStrike" baseline="0" dirty="0">
+                <a:solidFill>
+                  <a:srgbClr val="000000"/>
+                </a:solidFill>
+                <a:latin typeface="CIDFont+F1"/>
+              </a:rPr>
+              <a:t> aktivasyon fonksiyonu </a:t>
+            </a:r>
+            <a:r>
+              <a:rPr lang="tr-TR" sz="1800" b="0" i="0" u="none" strike="noStrike" baseline="0" dirty="0" err="1">
+                <a:solidFill>
+                  <a:srgbClr val="000000"/>
+                </a:solidFill>
+                <a:latin typeface="CIDFont+F1"/>
+              </a:rPr>
+              <a:t>ReLU</a:t>
+            </a:r>
+            <a:r>
+              <a:rPr lang="tr-TR" sz="1800" b="0" i="0" u="none" strike="noStrike" baseline="0" dirty="0">
+                <a:solidFill>
+                  <a:srgbClr val="000000"/>
+                </a:solidFill>
+                <a:latin typeface="CIDFont+F1"/>
+              </a:rPr>
+              <a:t> fonksiyonuna benzer biçimdedir. Ancak </a:t>
+            </a:r>
+            <a:r>
+              <a:rPr lang="tr-TR" sz="1800" b="0" i="0" u="none" strike="noStrike" baseline="0" dirty="0" err="1">
+                <a:solidFill>
+                  <a:srgbClr val="000000"/>
+                </a:solidFill>
+                <a:latin typeface="CIDFont+F1"/>
+              </a:rPr>
+              <a:t>Leaky</a:t>
+            </a:r>
+            <a:r>
+              <a:rPr lang="tr-TR" sz="1800" b="0" i="0" u="none" strike="noStrike" baseline="0" dirty="0">
+                <a:solidFill>
+                  <a:srgbClr val="000000"/>
+                </a:solidFill>
+                <a:latin typeface="CIDFont+F1"/>
+              </a:rPr>
+              <a:t> </a:t>
+            </a:r>
+            <a:r>
+              <a:rPr lang="tr-TR" sz="1800" b="0" i="0" u="none" strike="noStrike" baseline="0" dirty="0" err="1">
+                <a:solidFill>
+                  <a:srgbClr val="000000"/>
+                </a:solidFill>
+                <a:latin typeface="CIDFont+F1"/>
+              </a:rPr>
+              <a:t>ReLU</a:t>
+            </a:r>
+            <a:r>
+              <a:rPr lang="tr-TR" sz="1800" b="0" i="0" u="none" strike="noStrike" baseline="0" dirty="0">
+                <a:solidFill>
+                  <a:srgbClr val="000000"/>
+                </a:solidFill>
+                <a:latin typeface="CIDFont+F1"/>
+              </a:rPr>
+              <a:t> fonksiyonunda negatif değerler </a:t>
+            </a:r>
+            <a:r>
+              <a:rPr lang="tr-TR" sz="1800" b="0" i="0" u="none" strike="noStrike" baseline="0" dirty="0" err="1">
+                <a:solidFill>
+                  <a:srgbClr val="000000"/>
+                </a:solidFill>
+                <a:latin typeface="CIDFont+F1"/>
+              </a:rPr>
+              <a:t>ReLU</a:t>
+            </a:r>
+            <a:r>
+              <a:rPr lang="tr-TR" sz="1800" b="0" i="0" u="none" strike="noStrike" baseline="0" dirty="0">
+                <a:solidFill>
+                  <a:srgbClr val="000000"/>
+                </a:solidFill>
+                <a:latin typeface="CIDFont+F1"/>
+              </a:rPr>
+              <a:t> fonksiyonunda olduğu gibi tam sıfır yerine sıfıra yakın negatif bir değer alır. Böylece öğrenmenin çift yönlü yönü olarak da gerçekleşmesi sağlayan bir aktivasyon fonksiyonudur.</a:t>
+            </a:r>
+          </a:p>
+          <a:p>
+            <a:pPr algn="l"/>
+            <a:r>
+              <a:rPr lang="tr-TR" sz="1800" b="0" i="0" u="none" strike="noStrike" baseline="0" dirty="0" err="1">
+                <a:solidFill>
+                  <a:srgbClr val="007F9B"/>
+                </a:solidFill>
+                <a:latin typeface="CIDFont+F1"/>
+              </a:rPr>
+              <a:t>Maxout</a:t>
+            </a:r>
+            <a:r>
+              <a:rPr lang="tr-TR" sz="1800" b="0" i="0" u="none" strike="noStrike" baseline="0" dirty="0">
+                <a:solidFill>
+                  <a:srgbClr val="007F9B"/>
+                </a:solidFill>
+                <a:latin typeface="CIDFont+F1"/>
+              </a:rPr>
+              <a:t> Fonksiyonu</a:t>
+            </a:r>
+          </a:p>
+          <a:p>
+            <a:pPr algn="l"/>
+            <a:r>
+              <a:rPr lang="tr-TR" sz="1800" b="0" i="0" u="none" strike="noStrike" baseline="0" dirty="0" err="1">
+                <a:solidFill>
+                  <a:srgbClr val="000000"/>
+                </a:solidFill>
+                <a:latin typeface="CIDFont+F1"/>
+              </a:rPr>
+              <a:t>Maxout</a:t>
+            </a:r>
+            <a:r>
+              <a:rPr lang="tr-TR" sz="1800" b="0" i="0" u="none" strike="noStrike" baseline="0" dirty="0">
+                <a:solidFill>
+                  <a:srgbClr val="000000"/>
+                </a:solidFill>
+                <a:latin typeface="CIDFont+F1"/>
+              </a:rPr>
+              <a:t> fonksiyonu öğrenilebilen, hesaplamalı olarak ucuz ve yalnızca etken giriş parametresini dikkate alan YSA modellerinde kullanılan bir aktivasyon fonksiyonudur. Böylece en etkili giriş parametresi seçilerek elde edilen sonuçlar çıkışa gönderir.</a:t>
+            </a:r>
+          </a:p>
+          <a:p>
+            <a:pPr algn="l"/>
+            <a:r>
+              <a:rPr lang="tr-TR" sz="1800" b="0" i="0" u="none" strike="noStrike" baseline="0" dirty="0">
+                <a:solidFill>
+                  <a:srgbClr val="007F9B"/>
+                </a:solidFill>
+                <a:latin typeface="CIDFont+F1"/>
+              </a:rPr>
+              <a:t>Üst Lineer Birim (</a:t>
+            </a:r>
+            <a:r>
+              <a:rPr lang="tr-TR" sz="1800" b="0" i="0" u="none" strike="noStrike" baseline="0" dirty="0" err="1">
+                <a:solidFill>
+                  <a:srgbClr val="007F9B"/>
+                </a:solidFill>
+                <a:latin typeface="CIDFont+F1"/>
+              </a:rPr>
+              <a:t>Exponential</a:t>
+            </a:r>
+            <a:r>
+              <a:rPr lang="tr-TR" sz="1800" b="0" i="0" u="none" strike="noStrike" baseline="0" dirty="0">
+                <a:solidFill>
+                  <a:srgbClr val="007F9B"/>
+                </a:solidFill>
+                <a:latin typeface="CIDFont+F1"/>
+              </a:rPr>
+              <a:t> </a:t>
+            </a:r>
+            <a:r>
+              <a:rPr lang="tr-TR" sz="1800" b="0" i="0" u="none" strike="noStrike" baseline="0" dirty="0" err="1">
+                <a:solidFill>
+                  <a:srgbClr val="007F9B"/>
+                </a:solidFill>
+                <a:latin typeface="CIDFont+F1"/>
+              </a:rPr>
+              <a:t>Linear</a:t>
+            </a:r>
+            <a:r>
+              <a:rPr lang="tr-TR" sz="1800" b="0" i="0" u="none" strike="noStrike" baseline="0" dirty="0">
+                <a:solidFill>
+                  <a:srgbClr val="007F9B"/>
+                </a:solidFill>
+                <a:latin typeface="CIDFont+F1"/>
+              </a:rPr>
+              <a:t> </a:t>
+            </a:r>
+            <a:r>
+              <a:rPr lang="tr-TR" sz="1800" b="0" i="0" u="none" strike="noStrike" baseline="0" dirty="0" err="1">
+                <a:solidFill>
+                  <a:srgbClr val="007F9B"/>
+                </a:solidFill>
+                <a:latin typeface="CIDFont+F1"/>
+              </a:rPr>
+              <a:t>Unit</a:t>
+            </a:r>
+            <a:r>
+              <a:rPr lang="tr-TR" sz="1800" b="0" i="0" u="none" strike="noStrike" baseline="0" dirty="0">
+                <a:solidFill>
+                  <a:srgbClr val="007F9B"/>
+                </a:solidFill>
+                <a:latin typeface="CIDFont+F1"/>
+              </a:rPr>
+              <a:t>)-ELU Fonksiyonu</a:t>
+            </a:r>
+          </a:p>
+          <a:p>
+            <a:pPr algn="l"/>
+            <a:r>
+              <a:rPr lang="tr-TR" sz="1800" b="0" i="0" u="none" strike="noStrike" baseline="0" dirty="0">
+                <a:solidFill>
+                  <a:srgbClr val="000000"/>
+                </a:solidFill>
+                <a:latin typeface="CIDFont+F1"/>
+              </a:rPr>
+              <a:t>YSA modellerinde kullanılan ELU fonksiyonu negatif girdiler hariç </a:t>
+            </a:r>
+            <a:r>
+              <a:rPr lang="tr-TR" sz="1800" b="0" i="0" u="none" strike="noStrike" baseline="0" dirty="0" err="1">
+                <a:solidFill>
+                  <a:srgbClr val="000000"/>
+                </a:solidFill>
+                <a:latin typeface="CIDFont+F1"/>
+              </a:rPr>
+              <a:t>ReLU</a:t>
+            </a:r>
+            <a:r>
+              <a:rPr lang="tr-TR" sz="1800" b="0" i="0" u="none" strike="noStrike" baseline="0" dirty="0">
+                <a:solidFill>
+                  <a:srgbClr val="000000"/>
+                </a:solidFill>
+                <a:latin typeface="CIDFont+F1"/>
+              </a:rPr>
+              <a:t> fonksiyonuna oldukça benzerdir. ELU fonksiyonunda orta nokta “0” sıfırdır. Böylece ölü nöronların önüne geçerek modelin daha hızlı yakınsaması sağlanabilir.</a:t>
+            </a:r>
+            <a:endParaRPr lang="tr-TR" sz="1800" dirty="0">
+              <a:solidFill>
+                <a:srgbClr val="000000"/>
+              </a:solidFill>
+              <a:latin typeface="CIDFont+F1"/>
+            </a:endParaRPr>
+          </a:p>
+        </p:txBody>
+      </p:sp>
+    </p:spTree>
+    <p:extLst>
+      <p:ext uri="{BB962C8B-B14F-4D97-AF65-F5344CB8AC3E}">
+        <p14:creationId xmlns:p14="http://schemas.microsoft.com/office/powerpoint/2010/main" val="2167720643"/>
+      </p:ext>
+    </p:extLst>
+  </p:cSld>
+  <p:clrMapOvr>
+    <a:masterClrMapping/>
+  </p:clrMapOvr>
+</p:sld>
+</file>
+
+<file path=ppt/slides/slide21.xml><?xml version="1.0" encoding="utf-8"?>
+<p:sld xmlns:a="http://schemas.openxmlformats.org/drawingml/2006/main" xmlns:r="http://schemas.openxmlformats.org/officeDocument/2006/relationships" xmlns:p="http://schemas.openxmlformats.org/presentationml/2006/main">
+  <p:cSld>
+    <p:spTree>
+      <p:nvGrpSpPr>
+        <p:cNvPr id="1" name=""/>
+        <p:cNvGrpSpPr/>
+        <p:nvPr/>
+      </p:nvGrpSpPr>
+      <p:grpSpPr>
+        <a:xfrm>
+          <a:off x="0" y="0"/>
+          <a:ext cx="0" cy="0"/>
+          <a:chOff x="0" y="0"/>
+          <a:chExt cx="0" cy="0"/>
+        </a:xfrm>
+      </p:grpSpPr>
+      <p:sp>
+        <p:nvSpPr>
+          <p:cNvPr id="2" name="Başlık 1">
+            <a:extLst>
+              <a:ext uri="{FF2B5EF4-FFF2-40B4-BE49-F238E27FC236}">
+                <a16:creationId xmlns:a16="http://schemas.microsoft.com/office/drawing/2014/main" id="{91164BE0-04CF-889B-2C71-0614A87F3AE8}"/>
+              </a:ext>
+            </a:extLst>
+          </p:cNvPr>
+          <p:cNvSpPr>
+            <a:spLocks noGrp="1"/>
+          </p:cNvSpPr>
+          <p:nvPr>
+            <p:ph type="title"/>
+          </p:nvPr>
+        </p:nvSpPr>
+        <p:spPr/>
+        <p:txBody>
+          <a:bodyPr/>
+          <a:lstStyle/>
+          <a:p>
+            <a:r>
+              <a:rPr lang="tr-TR" dirty="0"/>
+              <a:t>Kaynak</a:t>
+            </a:r>
+          </a:p>
+        </p:txBody>
+      </p:sp>
+      <p:sp>
+        <p:nvSpPr>
+          <p:cNvPr id="3" name="İçerik Yer Tutucusu 2">
+            <a:extLst>
+              <a:ext uri="{FF2B5EF4-FFF2-40B4-BE49-F238E27FC236}">
+                <a16:creationId xmlns:a16="http://schemas.microsoft.com/office/drawing/2014/main" id="{01520791-E872-84E0-509D-92C25B1916B4}"/>
+              </a:ext>
+            </a:extLst>
+          </p:cNvPr>
+          <p:cNvSpPr>
+            <a:spLocks noGrp="1"/>
+          </p:cNvSpPr>
+          <p:nvPr>
+            <p:ph idx="1"/>
+          </p:nvPr>
+        </p:nvSpPr>
+        <p:spPr/>
+        <p:txBody>
+          <a:bodyPr/>
+          <a:lstStyle/>
+          <a:p>
+            <a:r>
+              <a:rPr lang="tr-TR" dirty="0">
+                <a:hlinkClick r:id="rId2"/>
+              </a:rPr>
+              <a:t>https://aws.amazon.com/tr/what-is/neural-network/</a:t>
+            </a:r>
+            <a:endParaRPr lang="tr-TR" dirty="0"/>
+          </a:p>
+          <a:p>
+            <a:r>
+              <a:rPr lang="tr-TR" dirty="0">
+                <a:hlinkClick r:id="rId3"/>
+              </a:rPr>
+              <a:t>https://www.dataversity.net/artificial-neural-networks-overview/</a:t>
+            </a:r>
+            <a:endParaRPr lang="tr-TR" dirty="0"/>
+          </a:p>
+          <a:p>
+            <a:r>
+              <a:rPr lang="tr-TR" dirty="0">
+                <a:hlinkClick r:id="rId4"/>
+              </a:rPr>
+              <a:t>https://miuul.com/not-defteri/yapay-sinir-aglari</a:t>
+            </a:r>
+            <a:endParaRPr lang="tr-TR" dirty="0"/>
+          </a:p>
+          <a:p>
+            <a:r>
+              <a:rPr lang="tr-TR" dirty="0">
+                <a:hlinkClick r:id="rId5"/>
+              </a:rPr>
+              <a:t>https://www.veribilimiokulu.com/yapay-sinir-agiartificial-neural-network-nedir/</a:t>
+            </a:r>
+            <a:endParaRPr lang="tr-TR" dirty="0"/>
+          </a:p>
+          <a:p>
+            <a:r>
+              <a:rPr lang="tr-TR" dirty="0">
+                <a:hlinkClick r:id="rId6"/>
+              </a:rPr>
+              <a:t>https://www.linkedin.com/pulse/yapay-sinir-a%C4%9Flar%C4%B1-ve-tek-katmanl%C4%B1-a%C4%9Flarda-%C3%B6%C4%9Frenme-tanju-do%C4%9Fan/</a:t>
+            </a:r>
+            <a:endParaRPr lang="tr-TR" dirty="0"/>
+          </a:p>
+          <a:p>
+            <a:endParaRPr lang="tr-TR" dirty="0"/>
+          </a:p>
+        </p:txBody>
+      </p:sp>
+    </p:spTree>
+    <p:extLst>
+      <p:ext uri="{BB962C8B-B14F-4D97-AF65-F5344CB8AC3E}">
+        <p14:creationId xmlns:p14="http://schemas.microsoft.com/office/powerpoint/2010/main" val="3922698136"/>
       </p:ext>
     </p:extLst>
   </p:cSld>
@@ -7465,10 +8582,10 @@
       </p:grpSpPr>
       <p:sp useBgFill="1">
         <p:nvSpPr>
-          <p:cNvPr id="12" name="Rectangle 11">
-            <a:extLst>
-              <a:ext uri="{FF2B5EF4-FFF2-40B4-BE49-F238E27FC236}">
-                <a16:creationId xmlns:a16="http://schemas.microsoft.com/office/drawing/2014/main" id="{0E91F5CA-B392-444C-88E3-BF5BAAEBDEB0}"/>
+          <p:cNvPr id="23" name="Slide Background">
+            <a:extLst>
+              <a:ext uri="{FF2B5EF4-FFF2-40B4-BE49-F238E27FC236}">
+                <a16:creationId xmlns:a16="http://schemas.microsoft.com/office/drawing/2014/main" id="{FE1EC756-41E9-4FD6-AD48-EF46A28137B7}"/>
               </a:ext>
               <a:ext uri="{C183D7F6-B498-43B3-948B-1728B52AA6E4}">
                 <adec:decorative xmlns:adec="http://schemas.microsoft.com/office/drawing/2017/decorative" val="1"/>
@@ -7486,33 +8603,17 @@
             </p:extLst>
           </p:nvPr>
         </p:nvSpPr>
-        <p:spPr>
+        <p:spPr bwMode="white">
           <a:xfrm>
-            <a:off x="0" y="0"/>
-            <a:ext cx="12192000" cy="6858000"/>
+            <a:off x="-1" y="0"/>
+            <a:ext cx="12191999" cy="6858000"/>
           </a:xfrm>
           <a:prstGeom prst="rect">
             <a:avLst/>
           </a:prstGeom>
-          <a:ln w="12700" cap="flat" cmpd="sng" algn="ctr">
+          <a:ln>
             <a:noFill/>
-            <a:prstDash val="solid"/>
-            <a:miter lim="800000"/>
           </a:ln>
-          <a:effectLst/>
-          <a:extLst>
-            <a:ext uri="{91240B29-F687-4F45-9708-019B960494DF}">
-              <a14:hiddenLine xmlns:a14="http://schemas.microsoft.com/office/drawing/2010/main" w="12700" cap="flat" cmpd="sng" algn="ctr">
-                <a:solidFill>
-                  <a:schemeClr val="accent1">
-                    <a:shade val="50000"/>
-                  </a:schemeClr>
-                </a:solidFill>
-                <a:prstDash val="solid"/>
-                <a:miter lim="800000"/>
-              </a14:hiddenLine>
-            </a:ext>
-          </a:extLst>
         </p:spPr>
         <p:style>
           <a:lnRef idx="2">
@@ -7532,19 +8633,113 @@
         </p:style>
         <p:txBody>
           <a:bodyPr rtlCol="0" anchor="ctr"/>
-          <a:lstStyle/>
+          <a:lstStyle>
+            <a:defPPr>
+              <a:defRPr lang="en-US"/>
+            </a:defPPr>
+            <a:lvl1pPr marL="0" algn="l" defTabSz="914400" rtl="0" eaLnBrk="1" latinLnBrk="0" hangingPunct="1">
+              <a:defRPr sz="1800" kern="1200">
+                <a:solidFill>
+                  <a:schemeClr val="lt1"/>
+                </a:solidFill>
+                <a:latin typeface="+mn-lt"/>
+                <a:ea typeface="+mn-ea"/>
+                <a:cs typeface="+mn-cs"/>
+              </a:defRPr>
+            </a:lvl1pPr>
+            <a:lvl2pPr marL="457200" algn="l" defTabSz="914400" rtl="0" eaLnBrk="1" latinLnBrk="0" hangingPunct="1">
+              <a:defRPr sz="1800" kern="1200">
+                <a:solidFill>
+                  <a:schemeClr val="lt1"/>
+                </a:solidFill>
+                <a:latin typeface="+mn-lt"/>
+                <a:ea typeface="+mn-ea"/>
+                <a:cs typeface="+mn-cs"/>
+              </a:defRPr>
+            </a:lvl2pPr>
+            <a:lvl3pPr marL="914400" algn="l" defTabSz="914400" rtl="0" eaLnBrk="1" latinLnBrk="0" hangingPunct="1">
+              <a:defRPr sz="1800" kern="1200">
+                <a:solidFill>
+                  <a:schemeClr val="lt1"/>
+                </a:solidFill>
+                <a:latin typeface="+mn-lt"/>
+                <a:ea typeface="+mn-ea"/>
+                <a:cs typeface="+mn-cs"/>
+              </a:defRPr>
+            </a:lvl3pPr>
+            <a:lvl4pPr marL="1371600" algn="l" defTabSz="914400" rtl="0" eaLnBrk="1" latinLnBrk="0" hangingPunct="1">
+              <a:defRPr sz="1800" kern="1200">
+                <a:solidFill>
+                  <a:schemeClr val="lt1"/>
+                </a:solidFill>
+                <a:latin typeface="+mn-lt"/>
+                <a:ea typeface="+mn-ea"/>
+                <a:cs typeface="+mn-cs"/>
+              </a:defRPr>
+            </a:lvl4pPr>
+            <a:lvl5pPr marL="1828800" algn="l" defTabSz="914400" rtl="0" eaLnBrk="1" latinLnBrk="0" hangingPunct="1">
+              <a:defRPr sz="1800" kern="1200">
+                <a:solidFill>
+                  <a:schemeClr val="lt1"/>
+                </a:solidFill>
+                <a:latin typeface="+mn-lt"/>
+                <a:ea typeface="+mn-ea"/>
+                <a:cs typeface="+mn-cs"/>
+              </a:defRPr>
+            </a:lvl5pPr>
+            <a:lvl6pPr marL="2286000" algn="l" defTabSz="914400" rtl="0" eaLnBrk="1" latinLnBrk="0" hangingPunct="1">
+              <a:defRPr sz="1800" kern="1200">
+                <a:solidFill>
+                  <a:schemeClr val="lt1"/>
+                </a:solidFill>
+                <a:latin typeface="+mn-lt"/>
+                <a:ea typeface="+mn-ea"/>
+                <a:cs typeface="+mn-cs"/>
+              </a:defRPr>
+            </a:lvl6pPr>
+            <a:lvl7pPr marL="2743200" algn="l" defTabSz="914400" rtl="0" eaLnBrk="1" latinLnBrk="0" hangingPunct="1">
+              <a:defRPr sz="1800" kern="1200">
+                <a:solidFill>
+                  <a:schemeClr val="lt1"/>
+                </a:solidFill>
+                <a:latin typeface="+mn-lt"/>
+                <a:ea typeface="+mn-ea"/>
+                <a:cs typeface="+mn-cs"/>
+              </a:defRPr>
+            </a:lvl7pPr>
+            <a:lvl8pPr marL="3200400" algn="l" defTabSz="914400" rtl="0" eaLnBrk="1" latinLnBrk="0" hangingPunct="1">
+              <a:defRPr sz="1800" kern="1200">
+                <a:solidFill>
+                  <a:schemeClr val="lt1"/>
+                </a:solidFill>
+                <a:latin typeface="+mn-lt"/>
+                <a:ea typeface="+mn-ea"/>
+                <a:cs typeface="+mn-cs"/>
+              </a:defRPr>
+            </a:lvl8pPr>
+            <a:lvl9pPr marL="3657600" algn="l" defTabSz="914400" rtl="0" eaLnBrk="1" latinLnBrk="0" hangingPunct="1">
+              <a:defRPr sz="1800" kern="1200">
+                <a:solidFill>
+                  <a:schemeClr val="lt1"/>
+                </a:solidFill>
+                <a:latin typeface="+mn-lt"/>
+                <a:ea typeface="+mn-ea"/>
+                <a:cs typeface="+mn-cs"/>
+              </a:defRPr>
+            </a:lvl9pPr>
+          </a:lstStyle>
           <a:p>
             <a:pPr algn="ctr"/>
             <a:endParaRPr lang="en-US"/>
           </a:p>
         </p:txBody>
       </p:sp>
-      <p:sp>
-        <p:nvSpPr>
-          <p:cNvPr id="14" name="Freeform: Shape 13">
-            <a:extLst>
-              <a:ext uri="{FF2B5EF4-FFF2-40B4-BE49-F238E27FC236}">
-                <a16:creationId xmlns:a16="http://schemas.microsoft.com/office/drawing/2014/main" id="{DFCA2118-59A2-4310-A4B2-F2CBA821E842}"/>
+      <p:sp useBgFill="1">
+        <p:nvSpPr>
+          <p:cNvPr id="24" name="Rectangle 20">
+            <a:extLst>
+              <a:ext uri="{FF2B5EF4-FFF2-40B4-BE49-F238E27FC236}">
+                <a16:creationId xmlns:a16="http://schemas.microsoft.com/office/drawing/2014/main" id="{E66F6371-9EA5-9354-29DC-1D07B921F79C}"/>
               </a:ext>
               <a:ext uri="{C183D7F6-B498-43B3-948B-1728B52AA6E4}">
                 <adec:decorative xmlns:adec="http://schemas.microsoft.com/office/drawing/2017/decorative" val="1"/>
@@ -7564,1726 +8759,22 @@
         </p:nvSpPr>
         <p:spPr>
           <a:xfrm>
-            <a:off x="0" y="4940492"/>
-            <a:ext cx="12192000" cy="1924333"/>
+            <a:off x="-1" y="-4290"/>
+            <a:ext cx="12192000" cy="1733407"/>
           </a:xfrm>
-          <a:custGeom>
+          <a:prstGeom prst="rect">
             <a:avLst/>
-            <a:gdLst>
-              <a:gd name="connsiteX0" fmla="*/ 6189199 w 12192000"/>
-              <a:gd name="connsiteY0" fmla="*/ 588 h 1924333"/>
-              <a:gd name="connsiteX1" fmla="*/ 6207079 w 12192000"/>
-              <a:gd name="connsiteY1" fmla="*/ 2850 h 1924333"/>
-              <a:gd name="connsiteX2" fmla="*/ 6285610 w 12192000"/>
-              <a:gd name="connsiteY2" fmla="*/ 18131 h 1924333"/>
-              <a:gd name="connsiteX3" fmla="*/ 6378008 w 12192000"/>
-              <a:gd name="connsiteY3" fmla="*/ 24625 h 1924333"/>
-              <a:gd name="connsiteX4" fmla="*/ 6466340 w 12192000"/>
-              <a:gd name="connsiteY4" fmla="*/ 21366 h 1924333"/>
-              <a:gd name="connsiteX5" fmla="*/ 6553334 w 12192000"/>
-              <a:gd name="connsiteY5" fmla="*/ 35307 h 1924333"/>
-              <a:gd name="connsiteX6" fmla="*/ 6626068 w 12192000"/>
-              <a:gd name="connsiteY6" fmla="*/ 58045 h 1924333"/>
-              <a:gd name="connsiteX7" fmla="*/ 6692303 w 12192000"/>
-              <a:gd name="connsiteY7" fmla="*/ 91487 h 1924333"/>
-              <a:gd name="connsiteX8" fmla="*/ 6733670 w 12192000"/>
-              <a:gd name="connsiteY8" fmla="*/ 118130 h 1924333"/>
-              <a:gd name="connsiteX9" fmla="*/ 6798016 w 12192000"/>
-              <a:gd name="connsiteY9" fmla="*/ 112271 h 1924333"/>
-              <a:gd name="connsiteX10" fmla="*/ 6801081 w 12192000"/>
-              <a:gd name="connsiteY10" fmla="*/ 114963 h 1924333"/>
-              <a:gd name="connsiteX11" fmla="*/ 6819351 w 12192000"/>
-              <a:gd name="connsiteY11" fmla="*/ 128825 h 1924333"/>
-              <a:gd name="connsiteX12" fmla="*/ 6852732 w 12192000"/>
-              <a:gd name="connsiteY12" fmla="*/ 123321 h 1924333"/>
-              <a:gd name="connsiteX13" fmla="*/ 6865247 w 12192000"/>
-              <a:gd name="connsiteY13" fmla="*/ 128836 h 1924333"/>
-              <a:gd name="connsiteX14" fmla="*/ 6905517 w 12192000"/>
-              <a:gd name="connsiteY14" fmla="*/ 129265 h 1924333"/>
-              <a:gd name="connsiteX15" fmla="*/ 6950286 w 12192000"/>
-              <a:gd name="connsiteY15" fmla="*/ 150104 h 1924333"/>
-              <a:gd name="connsiteX16" fmla="*/ 7003442 w 12192000"/>
-              <a:gd name="connsiteY16" fmla="*/ 136136 h 1924333"/>
-              <a:gd name="connsiteX17" fmla="*/ 7160047 w 12192000"/>
-              <a:gd name="connsiteY17" fmla="*/ 166721 h 1924333"/>
-              <a:gd name="connsiteX18" fmla="*/ 7325604 w 12192000"/>
-              <a:gd name="connsiteY18" fmla="*/ 215867 h 1924333"/>
-              <a:gd name="connsiteX19" fmla="*/ 7540522 w 12192000"/>
-              <a:gd name="connsiteY19" fmla="*/ 239374 h 1924333"/>
-              <a:gd name="connsiteX20" fmla="*/ 7612071 w 12192000"/>
-              <a:gd name="connsiteY20" fmla="*/ 229553 h 1924333"/>
-              <a:gd name="connsiteX21" fmla="*/ 7651995 w 12192000"/>
-              <a:gd name="connsiteY21" fmla="*/ 244567 h 1924333"/>
-              <a:gd name="connsiteX22" fmla="*/ 7725761 w 12192000"/>
-              <a:gd name="connsiteY22" fmla="*/ 258638 h 1924333"/>
-              <a:gd name="connsiteX23" fmla="*/ 7823038 w 12192000"/>
-              <a:gd name="connsiteY23" fmla="*/ 287078 h 1924333"/>
-              <a:gd name="connsiteX24" fmla="*/ 7866405 w 12192000"/>
-              <a:gd name="connsiteY24" fmla="*/ 287288 h 1924333"/>
-              <a:gd name="connsiteX25" fmla="*/ 7875021 w 12192000"/>
-              <a:gd name="connsiteY25" fmla="*/ 288224 h 1924333"/>
-              <a:gd name="connsiteX26" fmla="*/ 7875146 w 12192000"/>
-              <a:gd name="connsiteY26" fmla="*/ 288614 h 1924333"/>
-              <a:gd name="connsiteX27" fmla="*/ 7907443 w 12192000"/>
-              <a:gd name="connsiteY27" fmla="*/ 291752 h 1924333"/>
-              <a:gd name="connsiteX28" fmla="*/ 7912892 w 12192000"/>
-              <a:gd name="connsiteY28" fmla="*/ 294833 h 1924333"/>
-              <a:gd name="connsiteX29" fmla="*/ 7946345 w 12192000"/>
-              <a:gd name="connsiteY29" fmla="*/ 319359 h 1924333"/>
-              <a:gd name="connsiteX30" fmla="*/ 8021238 w 12192000"/>
-              <a:gd name="connsiteY30" fmla="*/ 315159 h 1924333"/>
-              <a:gd name="connsiteX31" fmla="*/ 8094697 w 12192000"/>
-              <a:gd name="connsiteY31" fmla="*/ 351819 h 1924333"/>
-              <a:gd name="connsiteX32" fmla="*/ 8155208 w 12192000"/>
-              <a:gd name="connsiteY32" fmla="*/ 371168 h 1924333"/>
-              <a:gd name="connsiteX33" fmla="*/ 8248472 w 12192000"/>
-              <a:gd name="connsiteY33" fmla="*/ 400489 h 1924333"/>
-              <a:gd name="connsiteX34" fmla="*/ 8300068 w 12192000"/>
-              <a:gd name="connsiteY34" fmla="*/ 405531 h 1924333"/>
-              <a:gd name="connsiteX35" fmla="*/ 8356293 w 12192000"/>
-              <a:gd name="connsiteY35" fmla="*/ 403328 h 1924333"/>
-              <a:gd name="connsiteX36" fmla="*/ 8475838 w 12192000"/>
-              <a:gd name="connsiteY36" fmla="*/ 435524 h 1924333"/>
-              <a:gd name="connsiteX37" fmla="*/ 8575216 w 12192000"/>
-              <a:gd name="connsiteY37" fmla="*/ 450198 h 1924333"/>
-              <a:gd name="connsiteX38" fmla="*/ 8588650 w 12192000"/>
-              <a:gd name="connsiteY38" fmla="*/ 447070 h 1924333"/>
-              <a:gd name="connsiteX39" fmla="*/ 8612184 w 12192000"/>
-              <a:gd name="connsiteY39" fmla="*/ 439577 h 1924333"/>
-              <a:gd name="connsiteX40" fmla="*/ 8630713 w 12192000"/>
-              <a:gd name="connsiteY40" fmla="*/ 433015 h 1924333"/>
-              <a:gd name="connsiteX41" fmla="*/ 8704240 w 12192000"/>
-              <a:gd name="connsiteY41" fmla="*/ 422865 h 1924333"/>
-              <a:gd name="connsiteX42" fmla="*/ 8829513 w 12192000"/>
-              <a:gd name="connsiteY42" fmla="*/ 429389 h 1924333"/>
-              <a:gd name="connsiteX43" fmla="*/ 9083651 w 12192000"/>
-              <a:gd name="connsiteY43" fmla="*/ 390744 h 1924333"/>
-              <a:gd name="connsiteX44" fmla="*/ 9371402 w 12192000"/>
-              <a:gd name="connsiteY44" fmla="*/ 371809 h 1924333"/>
-              <a:gd name="connsiteX45" fmla="*/ 9429586 w 12192000"/>
-              <a:gd name="connsiteY45" fmla="*/ 369213 h 1924333"/>
-              <a:gd name="connsiteX46" fmla="*/ 9489757 w 12192000"/>
-              <a:gd name="connsiteY46" fmla="*/ 377814 h 1924333"/>
-              <a:gd name="connsiteX47" fmla="*/ 9516954 w 12192000"/>
-              <a:gd name="connsiteY47" fmla="*/ 376991 h 1924333"/>
-              <a:gd name="connsiteX48" fmla="*/ 9645588 w 12192000"/>
-              <a:gd name="connsiteY48" fmla="*/ 363590 h 1924333"/>
-              <a:gd name="connsiteX49" fmla="*/ 9722896 w 12192000"/>
-              <a:gd name="connsiteY49" fmla="*/ 360983 h 1924333"/>
-              <a:gd name="connsiteX50" fmla="*/ 9752803 w 12192000"/>
-              <a:gd name="connsiteY50" fmla="*/ 368492 h 1924333"/>
-              <a:gd name="connsiteX51" fmla="*/ 9890305 w 12192000"/>
-              <a:gd name="connsiteY51" fmla="*/ 380736 h 1924333"/>
-              <a:gd name="connsiteX52" fmla="*/ 9939767 w 12192000"/>
-              <a:gd name="connsiteY52" fmla="*/ 377776 h 1924333"/>
-              <a:gd name="connsiteX53" fmla="*/ 9944355 w 12192000"/>
-              <a:gd name="connsiteY53" fmla="*/ 377352 h 1924333"/>
-              <a:gd name="connsiteX54" fmla="*/ 9953719 w 12192000"/>
-              <a:gd name="connsiteY54" fmla="*/ 375642 h 1924333"/>
-              <a:gd name="connsiteX55" fmla="*/ 9955809 w 12192000"/>
-              <a:gd name="connsiteY55" fmla="*/ 376294 h 1924333"/>
-              <a:gd name="connsiteX56" fmla="*/ 10032710 w 12192000"/>
-              <a:gd name="connsiteY56" fmla="*/ 394940 h 1924333"/>
-              <a:gd name="connsiteX57" fmla="*/ 10049925 w 12192000"/>
-              <a:gd name="connsiteY57" fmla="*/ 404971 h 1924333"/>
-              <a:gd name="connsiteX58" fmla="*/ 10112671 w 12192000"/>
-              <a:gd name="connsiteY58" fmla="*/ 414549 h 1924333"/>
-              <a:gd name="connsiteX59" fmla="*/ 10170853 w 12192000"/>
-              <a:gd name="connsiteY59" fmla="*/ 435168 h 1924333"/>
-              <a:gd name="connsiteX60" fmla="*/ 10290184 w 12192000"/>
-              <a:gd name="connsiteY60" fmla="*/ 448123 h 1924333"/>
-              <a:gd name="connsiteX61" fmla="*/ 10320158 w 12192000"/>
-              <a:gd name="connsiteY61" fmla="*/ 458352 h 1924333"/>
-              <a:gd name="connsiteX62" fmla="*/ 10321815 w 12192000"/>
-              <a:gd name="connsiteY62" fmla="*/ 463087 h 1924333"/>
-              <a:gd name="connsiteX63" fmla="*/ 10373742 w 12192000"/>
-              <a:gd name="connsiteY63" fmla="*/ 464538 h 1924333"/>
-              <a:gd name="connsiteX64" fmla="*/ 10428532 w 12192000"/>
-              <a:gd name="connsiteY64" fmla="*/ 492504 h 1924333"/>
-              <a:gd name="connsiteX65" fmla="*/ 10466490 w 12192000"/>
-              <a:gd name="connsiteY65" fmla="*/ 517759 h 1924333"/>
-              <a:gd name="connsiteX66" fmla="*/ 10466675 w 12192000"/>
-              <a:gd name="connsiteY66" fmla="*/ 522076 h 1924333"/>
-              <a:gd name="connsiteX67" fmla="*/ 10470309 w 12192000"/>
-              <a:gd name="connsiteY67" fmla="*/ 522792 h 1924333"/>
-              <a:gd name="connsiteX68" fmla="*/ 10474138 w 12192000"/>
-              <a:gd name="connsiteY68" fmla="*/ 519761 h 1924333"/>
-              <a:gd name="connsiteX69" fmla="*/ 10501100 w 12192000"/>
-              <a:gd name="connsiteY69" fmla="*/ 528263 h 1924333"/>
-              <a:gd name="connsiteX70" fmla="*/ 10502395 w 12192000"/>
-              <a:gd name="connsiteY70" fmla="*/ 536393 h 1924333"/>
-              <a:gd name="connsiteX71" fmla="*/ 10689496 w 12192000"/>
-              <a:gd name="connsiteY71" fmla="*/ 560233 h 1924333"/>
-              <a:gd name="connsiteX72" fmla="*/ 10788736 w 12192000"/>
-              <a:gd name="connsiteY72" fmla="*/ 613188 h 1924333"/>
-              <a:gd name="connsiteX73" fmla="*/ 10819747 w 12192000"/>
-              <a:gd name="connsiteY73" fmla="*/ 621351 h 1924333"/>
-              <a:gd name="connsiteX74" fmla="*/ 10864632 w 12192000"/>
-              <a:gd name="connsiteY74" fmla="*/ 644858 h 1924333"/>
-              <a:gd name="connsiteX75" fmla="*/ 10929407 w 12192000"/>
-              <a:gd name="connsiteY75" fmla="*/ 652945 h 1924333"/>
-              <a:gd name="connsiteX76" fmla="*/ 10979412 w 12192000"/>
-              <a:gd name="connsiteY76" fmla="*/ 654217 h 1924333"/>
-              <a:gd name="connsiteX77" fmla="*/ 11006959 w 12192000"/>
-              <a:gd name="connsiteY77" fmla="*/ 657017 h 1924333"/>
-              <a:gd name="connsiteX78" fmla="*/ 11077038 w 12192000"/>
-              <a:gd name="connsiteY78" fmla="*/ 668487 h 1924333"/>
-              <a:gd name="connsiteX79" fmla="*/ 11157850 w 12192000"/>
-              <a:gd name="connsiteY79" fmla="*/ 693164 h 1924333"/>
-              <a:gd name="connsiteX80" fmla="*/ 11175276 w 12192000"/>
-              <a:gd name="connsiteY80" fmla="*/ 697243 h 1924333"/>
-              <a:gd name="connsiteX81" fmla="*/ 11191131 w 12192000"/>
-              <a:gd name="connsiteY81" fmla="*/ 696085 h 1924333"/>
-              <a:gd name="connsiteX82" fmla="*/ 11195573 w 12192000"/>
-              <a:gd name="connsiteY82" fmla="*/ 691751 h 1924333"/>
-              <a:gd name="connsiteX83" fmla="*/ 11205299 w 12192000"/>
-              <a:gd name="connsiteY83" fmla="*/ 693247 h 1924333"/>
-              <a:gd name="connsiteX84" fmla="*/ 11223770 w 12192000"/>
-              <a:gd name="connsiteY84" fmla="*/ 690335 h 1924333"/>
-              <a:gd name="connsiteX85" fmla="*/ 11292119 w 12192000"/>
-              <a:gd name="connsiteY85" fmla="*/ 713311 h 1924333"/>
-              <a:gd name="connsiteX86" fmla="*/ 11435379 w 12192000"/>
-              <a:gd name="connsiteY86" fmla="*/ 758519 h 1924333"/>
-              <a:gd name="connsiteX87" fmla="*/ 11604406 w 12192000"/>
-              <a:gd name="connsiteY87" fmla="*/ 810476 h 1924333"/>
-              <a:gd name="connsiteX88" fmla="*/ 11652155 w 12192000"/>
-              <a:gd name="connsiteY88" fmla="*/ 825109 h 1924333"/>
-              <a:gd name="connsiteX89" fmla="*/ 11654192 w 12192000"/>
-              <a:gd name="connsiteY89" fmla="*/ 827301 h 1924333"/>
-              <a:gd name="connsiteX90" fmla="*/ 11676599 w 12192000"/>
-              <a:gd name="connsiteY90" fmla="*/ 846628 h 1924333"/>
-              <a:gd name="connsiteX91" fmla="*/ 11775168 w 12192000"/>
-              <a:gd name="connsiteY91" fmla="*/ 890664 h 1924333"/>
-              <a:gd name="connsiteX92" fmla="*/ 11826341 w 12192000"/>
-              <a:gd name="connsiteY92" fmla="*/ 877558 h 1924333"/>
-              <a:gd name="connsiteX93" fmla="*/ 11879068 w 12192000"/>
-              <a:gd name="connsiteY93" fmla="*/ 874038 h 1924333"/>
-              <a:gd name="connsiteX94" fmla="*/ 11889563 w 12192000"/>
-              <a:gd name="connsiteY94" fmla="*/ 878619 h 1924333"/>
-              <a:gd name="connsiteX95" fmla="*/ 12016613 w 12192000"/>
-              <a:gd name="connsiteY95" fmla="*/ 886111 h 1924333"/>
-              <a:gd name="connsiteX96" fmla="*/ 12108292 w 12192000"/>
-              <a:gd name="connsiteY96" fmla="*/ 868500 h 1924333"/>
-              <a:gd name="connsiteX97" fmla="*/ 12182910 w 12192000"/>
-              <a:gd name="connsiteY97" fmla="*/ 882003 h 1924333"/>
-              <a:gd name="connsiteX98" fmla="*/ 12192000 w 12192000"/>
-              <a:gd name="connsiteY98" fmla="*/ 884778 h 1924333"/>
-              <a:gd name="connsiteX99" fmla="*/ 12192000 w 12192000"/>
-              <a:gd name="connsiteY99" fmla="*/ 1610315 h 1924333"/>
-              <a:gd name="connsiteX100" fmla="*/ 12191998 w 12192000"/>
-              <a:gd name="connsiteY100" fmla="*/ 1610315 h 1924333"/>
-              <a:gd name="connsiteX101" fmla="*/ 12191998 w 12192000"/>
-              <a:gd name="connsiteY101" fmla="*/ 1924333 h 1924333"/>
-              <a:gd name="connsiteX102" fmla="*/ 0 w 12192000"/>
-              <a:gd name="connsiteY102" fmla="*/ 1924333 h 1924333"/>
-              <a:gd name="connsiteX103" fmla="*/ 0 w 12192000"/>
-              <a:gd name="connsiteY103" fmla="*/ 505159 h 1924333"/>
-              <a:gd name="connsiteX104" fmla="*/ 5722 w 12192000"/>
-              <a:gd name="connsiteY104" fmla="*/ 508889 h 1924333"/>
-              <a:gd name="connsiteX105" fmla="*/ 38476 w 12192000"/>
-              <a:gd name="connsiteY105" fmla="*/ 524137 h 1924333"/>
-              <a:gd name="connsiteX106" fmla="*/ 192883 w 12192000"/>
-              <a:gd name="connsiteY106" fmla="*/ 545272 h 1924333"/>
-              <a:gd name="connsiteX107" fmla="*/ 343710 w 12192000"/>
-              <a:gd name="connsiteY107" fmla="*/ 565029 h 1924333"/>
-              <a:gd name="connsiteX108" fmla="*/ 471066 w 12192000"/>
-              <a:gd name="connsiteY108" fmla="*/ 549837 h 1924333"/>
-              <a:gd name="connsiteX109" fmla="*/ 617333 w 12192000"/>
-              <a:gd name="connsiteY109" fmla="*/ 526428 h 1924333"/>
-              <a:gd name="connsiteX110" fmla="*/ 725203 w 12192000"/>
-              <a:gd name="connsiteY110" fmla="*/ 523793 h 1924333"/>
-              <a:gd name="connsiteX111" fmla="*/ 788494 w 12192000"/>
-              <a:gd name="connsiteY111" fmla="*/ 505799 h 1924333"/>
-              <a:gd name="connsiteX112" fmla="*/ 885977 w 12192000"/>
-              <a:gd name="connsiteY112" fmla="*/ 526585 h 1924333"/>
-              <a:gd name="connsiteX113" fmla="*/ 932142 w 12192000"/>
-              <a:gd name="connsiteY113" fmla="*/ 528005 h 1924333"/>
-              <a:gd name="connsiteX114" fmla="*/ 1090404 w 12192000"/>
-              <a:gd name="connsiteY114" fmla="*/ 498299 h 1924333"/>
-              <a:gd name="connsiteX115" fmla="*/ 1188628 w 12192000"/>
-              <a:gd name="connsiteY115" fmla="*/ 483151 h 1924333"/>
-              <a:gd name="connsiteX116" fmla="*/ 1316247 w 12192000"/>
-              <a:gd name="connsiteY116" fmla="*/ 425979 h 1924333"/>
-              <a:gd name="connsiteX117" fmla="*/ 1357712 w 12192000"/>
-              <a:gd name="connsiteY117" fmla="*/ 416549 h 1924333"/>
-              <a:gd name="connsiteX118" fmla="*/ 1425921 w 12192000"/>
-              <a:gd name="connsiteY118" fmla="*/ 413953 h 1924333"/>
-              <a:gd name="connsiteX119" fmla="*/ 1503817 w 12192000"/>
-              <a:gd name="connsiteY119" fmla="*/ 380457 h 1924333"/>
-              <a:gd name="connsiteX120" fmla="*/ 1639196 w 12192000"/>
-              <a:gd name="connsiteY120" fmla="*/ 372785 h 1924333"/>
-              <a:gd name="connsiteX121" fmla="*/ 1705606 w 12192000"/>
-              <a:gd name="connsiteY121" fmla="*/ 359023 h 1924333"/>
-              <a:gd name="connsiteX122" fmla="*/ 1813011 w 12192000"/>
-              <a:gd name="connsiteY122" fmla="*/ 331023 h 1924333"/>
-              <a:gd name="connsiteX123" fmla="*/ 1831380 w 12192000"/>
-              <a:gd name="connsiteY123" fmla="*/ 341307 h 1924333"/>
-              <a:gd name="connsiteX124" fmla="*/ 1858612 w 12192000"/>
-              <a:gd name="connsiteY124" fmla="*/ 326777 h 1924333"/>
-              <a:gd name="connsiteX125" fmla="*/ 1880661 w 12192000"/>
-              <a:gd name="connsiteY125" fmla="*/ 335987 h 1924333"/>
-              <a:gd name="connsiteX126" fmla="*/ 1941495 w 12192000"/>
-              <a:gd name="connsiteY126" fmla="*/ 310792 h 1924333"/>
-              <a:gd name="connsiteX127" fmla="*/ 1995402 w 12192000"/>
-              <a:gd name="connsiteY127" fmla="*/ 305480 h 1924333"/>
-              <a:gd name="connsiteX128" fmla="*/ 2223864 w 12192000"/>
-              <a:gd name="connsiteY128" fmla="*/ 266118 h 1924333"/>
-              <a:gd name="connsiteX129" fmla="*/ 2418043 w 12192000"/>
-              <a:gd name="connsiteY129" fmla="*/ 215314 h 1924333"/>
-              <a:gd name="connsiteX130" fmla="*/ 2558461 w 12192000"/>
-              <a:gd name="connsiteY130" fmla="*/ 168193 h 1924333"/>
-              <a:gd name="connsiteX131" fmla="*/ 2595535 w 12192000"/>
-              <a:gd name="connsiteY131" fmla="*/ 158548 h 1924333"/>
-              <a:gd name="connsiteX132" fmla="*/ 2626942 w 12192000"/>
-              <a:gd name="connsiteY132" fmla="*/ 130400 h 1924333"/>
-              <a:gd name="connsiteX133" fmla="*/ 2632225 w 12192000"/>
-              <a:gd name="connsiteY133" fmla="*/ 130446 h 1924333"/>
-              <a:gd name="connsiteX134" fmla="*/ 2696856 w 12192000"/>
-              <a:gd name="connsiteY134" fmla="*/ 128498 h 1924333"/>
-              <a:gd name="connsiteX135" fmla="*/ 2759767 w 12192000"/>
-              <a:gd name="connsiteY135" fmla="*/ 127784 h 1924333"/>
-              <a:gd name="connsiteX136" fmla="*/ 2792685 w 12192000"/>
-              <a:gd name="connsiteY136" fmla="*/ 115710 h 1924333"/>
-              <a:gd name="connsiteX137" fmla="*/ 2799767 w 12192000"/>
-              <a:gd name="connsiteY137" fmla="*/ 113754 h 1924333"/>
-              <a:gd name="connsiteX138" fmla="*/ 2829799 w 12192000"/>
-              <a:gd name="connsiteY138" fmla="*/ 120042 h 1924333"/>
-              <a:gd name="connsiteX139" fmla="*/ 2890704 w 12192000"/>
-              <a:gd name="connsiteY139" fmla="*/ 121493 h 1924333"/>
-              <a:gd name="connsiteX140" fmla="*/ 3042646 w 12192000"/>
-              <a:gd name="connsiteY140" fmla="*/ 112273 h 1924333"/>
-              <a:gd name="connsiteX141" fmla="*/ 3146630 w 12192000"/>
-              <a:gd name="connsiteY141" fmla="*/ 100898 h 1924333"/>
-              <a:gd name="connsiteX142" fmla="*/ 3233163 w 12192000"/>
-              <a:gd name="connsiteY142" fmla="*/ 120200 h 1924333"/>
-              <a:gd name="connsiteX143" fmla="*/ 3372699 w 12192000"/>
-              <a:gd name="connsiteY143" fmla="*/ 129394 h 1924333"/>
-              <a:gd name="connsiteX144" fmla="*/ 3394352 w 12192000"/>
-              <a:gd name="connsiteY144" fmla="*/ 131671 h 1924333"/>
-              <a:gd name="connsiteX145" fmla="*/ 3448218 w 12192000"/>
-              <a:gd name="connsiteY145" fmla="*/ 118229 h 1924333"/>
-              <a:gd name="connsiteX146" fmla="*/ 3505047 w 12192000"/>
-              <a:gd name="connsiteY146" fmla="*/ 115412 h 1924333"/>
-              <a:gd name="connsiteX147" fmla="*/ 3521767 w 12192000"/>
-              <a:gd name="connsiteY147" fmla="*/ 111071 h 1924333"/>
-              <a:gd name="connsiteX148" fmla="*/ 3585137 w 12192000"/>
-              <a:gd name="connsiteY148" fmla="*/ 114371 h 1924333"/>
-              <a:gd name="connsiteX149" fmla="*/ 3690293 w 12192000"/>
-              <a:gd name="connsiteY149" fmla="*/ 98301 h 1924333"/>
-              <a:gd name="connsiteX150" fmla="*/ 3867818 w 12192000"/>
-              <a:gd name="connsiteY150" fmla="*/ 88985 h 1924333"/>
-              <a:gd name="connsiteX151" fmla="*/ 4091337 w 12192000"/>
-              <a:gd name="connsiteY151" fmla="*/ 70813 h 1924333"/>
-              <a:gd name="connsiteX152" fmla="*/ 4246332 w 12192000"/>
-              <a:gd name="connsiteY152" fmla="*/ 41697 h 1924333"/>
-              <a:gd name="connsiteX153" fmla="*/ 4266975 w 12192000"/>
-              <a:gd name="connsiteY153" fmla="*/ 46592 h 1924333"/>
-              <a:gd name="connsiteX154" fmla="*/ 4270566 w 12192000"/>
-              <a:gd name="connsiteY154" fmla="*/ 47620 h 1924333"/>
-              <a:gd name="connsiteX155" fmla="*/ 4288964 w 12192000"/>
-              <a:gd name="connsiteY155" fmla="*/ 52766 h 1924333"/>
-              <a:gd name="connsiteX156" fmla="*/ 4365137 w 12192000"/>
-              <a:gd name="connsiteY156" fmla="*/ 51783 h 1924333"/>
-              <a:gd name="connsiteX157" fmla="*/ 4430546 w 12192000"/>
-              <a:gd name="connsiteY157" fmla="*/ 44555 h 1924333"/>
-              <a:gd name="connsiteX158" fmla="*/ 4444136 w 12192000"/>
-              <a:gd name="connsiteY158" fmla="*/ 39567 h 1924333"/>
-              <a:gd name="connsiteX159" fmla="*/ 4534039 w 12192000"/>
-              <a:gd name="connsiteY159" fmla="*/ 31604 h 1924333"/>
-              <a:gd name="connsiteX160" fmla="*/ 4560448 w 12192000"/>
-              <a:gd name="connsiteY160" fmla="*/ 25231 h 1924333"/>
-              <a:gd name="connsiteX161" fmla="*/ 4568006 w 12192000"/>
-              <a:gd name="connsiteY161" fmla="*/ 25970 h 1924333"/>
-              <a:gd name="connsiteX162" fmla="*/ 4595497 w 12192000"/>
-              <a:gd name="connsiteY162" fmla="*/ 22958 h 1924333"/>
-              <a:gd name="connsiteX163" fmla="*/ 4608623 w 12192000"/>
-              <a:gd name="connsiteY163" fmla="*/ 18108 h 1924333"/>
-              <a:gd name="connsiteX164" fmla="*/ 4623942 w 12192000"/>
-              <a:gd name="connsiteY164" fmla="*/ 22251 h 1924333"/>
-              <a:gd name="connsiteX165" fmla="*/ 4664336 w 12192000"/>
-              <a:gd name="connsiteY165" fmla="*/ 23306 h 1924333"/>
-              <a:gd name="connsiteX166" fmla="*/ 4677385 w 12192000"/>
-              <a:gd name="connsiteY166" fmla="*/ 18246 h 1924333"/>
-              <a:gd name="connsiteX167" fmla="*/ 4698143 w 12192000"/>
-              <a:gd name="connsiteY167" fmla="*/ 18036 h 1924333"/>
-              <a:gd name="connsiteX168" fmla="*/ 4750609 w 12192000"/>
-              <a:gd name="connsiteY168" fmla="*/ 23611 h 1924333"/>
-              <a:gd name="connsiteX169" fmla="*/ 4784658 w 12192000"/>
-              <a:gd name="connsiteY169" fmla="*/ 25057 h 1924333"/>
-              <a:gd name="connsiteX170" fmla="*/ 4847558 w 12192000"/>
-              <a:gd name="connsiteY170" fmla="*/ 38726 h 1924333"/>
-              <a:gd name="connsiteX171" fmla="*/ 4909134 w 12192000"/>
-              <a:gd name="connsiteY171" fmla="*/ 50659 h 1924333"/>
-              <a:gd name="connsiteX172" fmla="*/ 5099219 w 12192000"/>
-              <a:gd name="connsiteY172" fmla="*/ 55050 h 1924333"/>
-              <a:gd name="connsiteX173" fmla="*/ 5184992 w 12192000"/>
-              <a:gd name="connsiteY173" fmla="*/ 67596 h 1924333"/>
-              <a:gd name="connsiteX174" fmla="*/ 5229637 w 12192000"/>
-              <a:gd name="connsiteY174" fmla="*/ 67789 h 1924333"/>
-              <a:gd name="connsiteX175" fmla="*/ 5389346 w 12192000"/>
-              <a:gd name="connsiteY175" fmla="*/ 80211 h 1924333"/>
-              <a:gd name="connsiteX176" fmla="*/ 5494414 w 12192000"/>
-              <a:gd name="connsiteY176" fmla="*/ 75926 h 1924333"/>
-              <a:gd name="connsiteX177" fmla="*/ 5528443 w 12192000"/>
-              <a:gd name="connsiteY177" fmla="*/ 77206 h 1924333"/>
-              <a:gd name="connsiteX178" fmla="*/ 5684939 w 12192000"/>
-              <a:gd name="connsiteY178" fmla="*/ 50269 h 1924333"/>
-              <a:gd name="connsiteX179" fmla="*/ 5765146 w 12192000"/>
-              <a:gd name="connsiteY179" fmla="*/ 50414 h 1924333"/>
-              <a:gd name="connsiteX180" fmla="*/ 5848655 w 12192000"/>
-              <a:gd name="connsiteY180" fmla="*/ 35257 h 1924333"/>
-              <a:gd name="connsiteX181" fmla="*/ 5930656 w 12192000"/>
-              <a:gd name="connsiteY181" fmla="*/ 30131 h 1924333"/>
-              <a:gd name="connsiteX182" fmla="*/ 6124150 w 12192000"/>
-              <a:gd name="connsiteY182" fmla="*/ 31679 h 1924333"/>
-              <a:gd name="connsiteX183" fmla="*/ 6189199 w 12192000"/>
-              <a:gd name="connsiteY183" fmla="*/ 588 h 1924333"/>
-            </a:gdLst>
-            <a:ahLst/>
-            <a:cxnLst>
-              <a:cxn ang="0">
-                <a:pos x="connsiteX0" y="connsiteY0"/>
-              </a:cxn>
-              <a:cxn ang="0">
-                <a:pos x="connsiteX1" y="connsiteY1"/>
-              </a:cxn>
-              <a:cxn ang="0">
-                <a:pos x="connsiteX2" y="connsiteY2"/>
-              </a:cxn>
-              <a:cxn ang="0">
-                <a:pos x="connsiteX3" y="connsiteY3"/>
-              </a:cxn>
-              <a:cxn ang="0">
-                <a:pos x="connsiteX4" y="connsiteY4"/>
-              </a:cxn>
-              <a:cxn ang="0">
-                <a:pos x="connsiteX5" y="connsiteY5"/>
-              </a:cxn>
-              <a:cxn ang="0">
-                <a:pos x="connsiteX6" y="connsiteY6"/>
-              </a:cxn>
-              <a:cxn ang="0">
-                <a:pos x="connsiteX7" y="connsiteY7"/>
-              </a:cxn>
-              <a:cxn ang="0">
-                <a:pos x="connsiteX8" y="connsiteY8"/>
-              </a:cxn>
-              <a:cxn ang="0">
-                <a:pos x="connsiteX9" y="connsiteY9"/>
-              </a:cxn>
-              <a:cxn ang="0">
-                <a:pos x="connsiteX10" y="connsiteY10"/>
-              </a:cxn>
-              <a:cxn ang="0">
-                <a:pos x="connsiteX11" y="connsiteY11"/>
-              </a:cxn>
-              <a:cxn ang="0">
-                <a:pos x="connsiteX12" y="connsiteY12"/>
-              </a:cxn>
-              <a:cxn ang="0">
-                <a:pos x="connsiteX13" y="connsiteY13"/>
-              </a:cxn>
-              <a:cxn ang="0">
-                <a:pos x="connsiteX14" y="connsiteY14"/>
-              </a:cxn>
-              <a:cxn ang="0">
-                <a:pos x="connsiteX15" y="connsiteY15"/>
-              </a:cxn>
-              <a:cxn ang="0">
-                <a:pos x="connsiteX16" y="connsiteY16"/>
-              </a:cxn>
-              <a:cxn ang="0">
-                <a:pos x="connsiteX17" y="connsiteY17"/>
-              </a:cxn>
-              <a:cxn ang="0">
-                <a:pos x="connsiteX18" y="connsiteY18"/>
-              </a:cxn>
-              <a:cxn ang="0">
-                <a:pos x="connsiteX19" y="connsiteY19"/>
-              </a:cxn>
-              <a:cxn ang="0">
-                <a:pos x="connsiteX20" y="connsiteY20"/>
-              </a:cxn>
-              <a:cxn ang="0">
-                <a:pos x="connsiteX21" y="connsiteY21"/>
-              </a:cxn>
-              <a:cxn ang="0">
-                <a:pos x="connsiteX22" y="connsiteY22"/>
-              </a:cxn>
-              <a:cxn ang="0">
-                <a:pos x="connsiteX23" y="connsiteY23"/>
-              </a:cxn>
-              <a:cxn ang="0">
-                <a:pos x="connsiteX24" y="connsiteY24"/>
-              </a:cxn>
-              <a:cxn ang="0">
-                <a:pos x="connsiteX25" y="connsiteY25"/>
-              </a:cxn>
-              <a:cxn ang="0">
-                <a:pos x="connsiteX26" y="connsiteY26"/>
-              </a:cxn>
-              <a:cxn ang="0">
-                <a:pos x="connsiteX27" y="connsiteY27"/>
-              </a:cxn>
-              <a:cxn ang="0">
-                <a:pos x="connsiteX28" y="connsiteY28"/>
-              </a:cxn>
-              <a:cxn ang="0">
-                <a:pos x="connsiteX29" y="connsiteY29"/>
-              </a:cxn>
-              <a:cxn ang="0">
-                <a:pos x="connsiteX30" y="connsiteY30"/>
-              </a:cxn>
-              <a:cxn ang="0">
-                <a:pos x="connsiteX31" y="connsiteY31"/>
-              </a:cxn>
-              <a:cxn ang="0">
-                <a:pos x="connsiteX32" y="connsiteY32"/>
-              </a:cxn>
-              <a:cxn ang="0">
-                <a:pos x="connsiteX33" y="connsiteY33"/>
-              </a:cxn>
-              <a:cxn ang="0">
-                <a:pos x="connsiteX34" y="connsiteY34"/>
-              </a:cxn>
-              <a:cxn ang="0">
-                <a:pos x="connsiteX35" y="connsiteY35"/>
-              </a:cxn>
-              <a:cxn ang="0">
-                <a:pos x="connsiteX36" y="connsiteY36"/>
-              </a:cxn>
-              <a:cxn ang="0">
-                <a:pos x="connsiteX37" y="connsiteY37"/>
-              </a:cxn>
-              <a:cxn ang="0">
-                <a:pos x="connsiteX38" y="connsiteY38"/>
-              </a:cxn>
-              <a:cxn ang="0">
-                <a:pos x="connsiteX39" y="connsiteY39"/>
-              </a:cxn>
-              <a:cxn ang="0">
-                <a:pos x="connsiteX40" y="connsiteY40"/>
-              </a:cxn>
-              <a:cxn ang="0">
-                <a:pos x="connsiteX41" y="connsiteY41"/>
-              </a:cxn>
-              <a:cxn ang="0">
-                <a:pos x="connsiteX42" y="connsiteY42"/>
-              </a:cxn>
-              <a:cxn ang="0">
-                <a:pos x="connsiteX43" y="connsiteY43"/>
-              </a:cxn>
-              <a:cxn ang="0">
-                <a:pos x="connsiteX44" y="connsiteY44"/>
-              </a:cxn>
-              <a:cxn ang="0">
-                <a:pos x="connsiteX45" y="connsiteY45"/>
-              </a:cxn>
-              <a:cxn ang="0">
-                <a:pos x="connsiteX46" y="connsiteY46"/>
-              </a:cxn>
-              <a:cxn ang="0">
-                <a:pos x="connsiteX47" y="connsiteY47"/>
-              </a:cxn>
-              <a:cxn ang="0">
-                <a:pos x="connsiteX48" y="connsiteY48"/>
-              </a:cxn>
-              <a:cxn ang="0">
-                <a:pos x="connsiteX49" y="connsiteY49"/>
-              </a:cxn>
-              <a:cxn ang="0">
-                <a:pos x="connsiteX50" y="connsiteY50"/>
-              </a:cxn>
-              <a:cxn ang="0">
-                <a:pos x="connsiteX51" y="connsiteY51"/>
-              </a:cxn>
-              <a:cxn ang="0">
-                <a:pos x="connsiteX52" y="connsiteY52"/>
-              </a:cxn>
-              <a:cxn ang="0">
-                <a:pos x="connsiteX53" y="connsiteY53"/>
-              </a:cxn>
-              <a:cxn ang="0">
-                <a:pos x="connsiteX54" y="connsiteY54"/>
-              </a:cxn>
-              <a:cxn ang="0">
-                <a:pos x="connsiteX55" y="connsiteY55"/>
-              </a:cxn>
-              <a:cxn ang="0">
-                <a:pos x="connsiteX56" y="connsiteY56"/>
-              </a:cxn>
-              <a:cxn ang="0">
-                <a:pos x="connsiteX57" y="connsiteY57"/>
-              </a:cxn>
-              <a:cxn ang="0">
-                <a:pos x="connsiteX58" y="connsiteY58"/>
-              </a:cxn>
-              <a:cxn ang="0">
-                <a:pos x="connsiteX59" y="connsiteY59"/>
-              </a:cxn>
-              <a:cxn ang="0">
-                <a:pos x="connsiteX60" y="connsiteY60"/>
-              </a:cxn>
-              <a:cxn ang="0">
-                <a:pos x="connsiteX61" y="connsiteY61"/>
-              </a:cxn>
-              <a:cxn ang="0">
-                <a:pos x="connsiteX62" y="connsiteY62"/>
-              </a:cxn>
-              <a:cxn ang="0">
-                <a:pos x="connsiteX63" y="connsiteY63"/>
-              </a:cxn>
-              <a:cxn ang="0">
-                <a:pos x="connsiteX64" y="connsiteY64"/>
-              </a:cxn>
-              <a:cxn ang="0">
-                <a:pos x="connsiteX65" y="connsiteY65"/>
-              </a:cxn>
-              <a:cxn ang="0">
-                <a:pos x="connsiteX66" y="connsiteY66"/>
-              </a:cxn>
-              <a:cxn ang="0">
-                <a:pos x="connsiteX67" y="connsiteY67"/>
-              </a:cxn>
-              <a:cxn ang="0">
-                <a:pos x="connsiteX68" y="connsiteY68"/>
-              </a:cxn>
-              <a:cxn ang="0">
-                <a:pos x="connsiteX69" y="connsiteY69"/>
-              </a:cxn>
-              <a:cxn ang="0">
-                <a:pos x="connsiteX70" y="connsiteY70"/>
-              </a:cxn>
-              <a:cxn ang="0">
-                <a:pos x="connsiteX71" y="connsiteY71"/>
-              </a:cxn>
-              <a:cxn ang="0">
-                <a:pos x="connsiteX72" y="connsiteY72"/>
-              </a:cxn>
-              <a:cxn ang="0">
-                <a:pos x="connsiteX73" y="connsiteY73"/>
-              </a:cxn>
-              <a:cxn ang="0">
-                <a:pos x="connsiteX74" y="connsiteY74"/>
-              </a:cxn>
-              <a:cxn ang="0">
-                <a:pos x="connsiteX75" y="connsiteY75"/>
-              </a:cxn>
-              <a:cxn ang="0">
-                <a:pos x="connsiteX76" y="connsiteY76"/>
-              </a:cxn>
-              <a:cxn ang="0">
-                <a:pos x="connsiteX77" y="connsiteY77"/>
-              </a:cxn>
-              <a:cxn ang="0">
-                <a:pos x="connsiteX78" y="connsiteY78"/>
-              </a:cxn>
-              <a:cxn ang="0">
-                <a:pos x="connsiteX79" y="connsiteY79"/>
-              </a:cxn>
-              <a:cxn ang="0">
-                <a:pos x="connsiteX80" y="connsiteY80"/>
-              </a:cxn>
-              <a:cxn ang="0">
-                <a:pos x="connsiteX81" y="connsiteY81"/>
-              </a:cxn>
-              <a:cxn ang="0">
-                <a:pos x="connsiteX82" y="connsiteY82"/>
-              </a:cxn>
-              <a:cxn ang="0">
-                <a:pos x="connsiteX83" y="connsiteY83"/>
-              </a:cxn>
-              <a:cxn ang="0">
-                <a:pos x="connsiteX84" y="connsiteY84"/>
-              </a:cxn>
-              <a:cxn ang="0">
-                <a:pos x="connsiteX85" y="connsiteY85"/>
-              </a:cxn>
-              <a:cxn ang="0">
-                <a:pos x="connsiteX86" y="connsiteY86"/>
-              </a:cxn>
-              <a:cxn ang="0">
-                <a:pos x="connsiteX87" y="connsiteY87"/>
-              </a:cxn>
-              <a:cxn ang="0">
-                <a:pos x="connsiteX88" y="connsiteY88"/>
-              </a:cxn>
-              <a:cxn ang="0">
-                <a:pos x="connsiteX89" y="connsiteY89"/>
-              </a:cxn>
-              <a:cxn ang="0">
-                <a:pos x="connsiteX90" y="connsiteY90"/>
-              </a:cxn>
-              <a:cxn ang="0">
-                <a:pos x="connsiteX91" y="connsiteY91"/>
-              </a:cxn>
-              <a:cxn ang="0">
-                <a:pos x="connsiteX92" y="connsiteY92"/>
-              </a:cxn>
-              <a:cxn ang="0">
-                <a:pos x="connsiteX93" y="connsiteY93"/>
-              </a:cxn>
-              <a:cxn ang="0">
-                <a:pos x="connsiteX94" y="connsiteY94"/>
-              </a:cxn>
-              <a:cxn ang="0">
-                <a:pos x="connsiteX95" y="connsiteY95"/>
-              </a:cxn>
-              <a:cxn ang="0">
-                <a:pos x="connsiteX96" y="connsiteY96"/>
-              </a:cxn>
-              <a:cxn ang="0">
-                <a:pos x="connsiteX97" y="connsiteY97"/>
-              </a:cxn>
-              <a:cxn ang="0">
-                <a:pos x="connsiteX98" y="connsiteY98"/>
-              </a:cxn>
-              <a:cxn ang="0">
-                <a:pos x="connsiteX99" y="connsiteY99"/>
-              </a:cxn>
-              <a:cxn ang="0">
-                <a:pos x="connsiteX100" y="connsiteY100"/>
-              </a:cxn>
-              <a:cxn ang="0">
-                <a:pos x="connsiteX101" y="connsiteY101"/>
-              </a:cxn>
-              <a:cxn ang="0">
-                <a:pos x="connsiteX102" y="connsiteY102"/>
-              </a:cxn>
-              <a:cxn ang="0">
-                <a:pos x="connsiteX103" y="connsiteY103"/>
-              </a:cxn>
-              <a:cxn ang="0">
-                <a:pos x="connsiteX104" y="connsiteY104"/>
-              </a:cxn>
-              <a:cxn ang="0">
-                <a:pos x="connsiteX105" y="connsiteY105"/>
-              </a:cxn>
-              <a:cxn ang="0">
-                <a:pos x="connsiteX106" y="connsiteY106"/>
-              </a:cxn>
-              <a:cxn ang="0">
-                <a:pos x="connsiteX107" y="connsiteY107"/>
-              </a:cxn>
-              <a:cxn ang="0">
-                <a:pos x="connsiteX108" y="connsiteY108"/>
-              </a:cxn>
-              <a:cxn ang="0">
-                <a:pos x="connsiteX109" y="connsiteY109"/>
-              </a:cxn>
-              <a:cxn ang="0">
-                <a:pos x="connsiteX110" y="connsiteY110"/>
-              </a:cxn>
-              <a:cxn ang="0">
-                <a:pos x="connsiteX111" y="connsiteY111"/>
-              </a:cxn>
-              <a:cxn ang="0">
-                <a:pos x="connsiteX112" y="connsiteY112"/>
-              </a:cxn>
-              <a:cxn ang="0">
-                <a:pos x="connsiteX113" y="connsiteY113"/>
-              </a:cxn>
-              <a:cxn ang="0">
-                <a:pos x="connsiteX114" y="connsiteY114"/>
-              </a:cxn>
-              <a:cxn ang="0">
-                <a:pos x="connsiteX115" y="connsiteY115"/>
-              </a:cxn>
-              <a:cxn ang="0">
-                <a:pos x="connsiteX116" y="connsiteY116"/>
-              </a:cxn>
-              <a:cxn ang="0">
-                <a:pos x="connsiteX117" y="connsiteY117"/>
-              </a:cxn>
-              <a:cxn ang="0">
-                <a:pos x="connsiteX118" y="connsiteY118"/>
-              </a:cxn>
-              <a:cxn ang="0">
-                <a:pos x="connsiteX119" y="connsiteY119"/>
-              </a:cxn>
-              <a:cxn ang="0">
-                <a:pos x="connsiteX120" y="connsiteY120"/>
-              </a:cxn>
-              <a:cxn ang="0">
-                <a:pos x="connsiteX121" y="connsiteY121"/>
-              </a:cxn>
-              <a:cxn ang="0">
-                <a:pos x="connsiteX122" y="connsiteY122"/>
-              </a:cxn>
-              <a:cxn ang="0">
-                <a:pos x="connsiteX123" y="connsiteY123"/>
-              </a:cxn>
-              <a:cxn ang="0">
-                <a:pos x="connsiteX124" y="connsiteY124"/>
-              </a:cxn>
-              <a:cxn ang="0">
-                <a:pos x="connsiteX125" y="connsiteY125"/>
-              </a:cxn>
-              <a:cxn ang="0">
-                <a:pos x="connsiteX126" y="connsiteY126"/>
-              </a:cxn>
-              <a:cxn ang="0">
-                <a:pos x="connsiteX127" y="connsiteY127"/>
-              </a:cxn>
-              <a:cxn ang="0">
-                <a:pos x="connsiteX128" y="connsiteY128"/>
-              </a:cxn>
-              <a:cxn ang="0">
-                <a:pos x="connsiteX129" y="connsiteY129"/>
-              </a:cxn>
-              <a:cxn ang="0">
-                <a:pos x="connsiteX130" y="connsiteY130"/>
-              </a:cxn>
-              <a:cxn ang="0">
-                <a:pos x="connsiteX131" y="connsiteY131"/>
-              </a:cxn>
-              <a:cxn ang="0">
-                <a:pos x="connsiteX132" y="connsiteY132"/>
-              </a:cxn>
-              <a:cxn ang="0">
-                <a:pos x="connsiteX133" y="connsiteY133"/>
-              </a:cxn>
-              <a:cxn ang="0">
-                <a:pos x="connsiteX134" y="connsiteY134"/>
-              </a:cxn>
-              <a:cxn ang="0">
-                <a:pos x="connsiteX135" y="connsiteY135"/>
-              </a:cxn>
-              <a:cxn ang="0">
-                <a:pos x="connsiteX136" y="connsiteY136"/>
-              </a:cxn>
-              <a:cxn ang="0">
-                <a:pos x="connsiteX137" y="connsiteY137"/>
-              </a:cxn>
-              <a:cxn ang="0">
-                <a:pos x="connsiteX138" y="connsiteY138"/>
-              </a:cxn>
-              <a:cxn ang="0">
-                <a:pos x="connsiteX139" y="connsiteY139"/>
-              </a:cxn>
-              <a:cxn ang="0">
-                <a:pos x="connsiteX140" y="connsiteY140"/>
-              </a:cxn>
-              <a:cxn ang="0">
-                <a:pos x="connsiteX141" y="connsiteY141"/>
-              </a:cxn>
-              <a:cxn ang="0">
-                <a:pos x="connsiteX142" y="connsiteY142"/>
-              </a:cxn>
-              <a:cxn ang="0">
-                <a:pos x="connsiteX143" y="connsiteY143"/>
-              </a:cxn>
-              <a:cxn ang="0">
-                <a:pos x="connsiteX144" y="connsiteY144"/>
-              </a:cxn>
-              <a:cxn ang="0">
-                <a:pos x="connsiteX145" y="connsiteY145"/>
-              </a:cxn>
-              <a:cxn ang="0">
-                <a:pos x="connsiteX146" y="connsiteY146"/>
-              </a:cxn>
-              <a:cxn ang="0">
-                <a:pos x="connsiteX147" y="connsiteY147"/>
-              </a:cxn>
-              <a:cxn ang="0">
-                <a:pos x="connsiteX148" y="connsiteY148"/>
-              </a:cxn>
-              <a:cxn ang="0">
-                <a:pos x="connsiteX149" y="connsiteY149"/>
-              </a:cxn>
-              <a:cxn ang="0">
-                <a:pos x="connsiteX150" y="connsiteY150"/>
-              </a:cxn>
-              <a:cxn ang="0">
-                <a:pos x="connsiteX151" y="connsiteY151"/>
-              </a:cxn>
-              <a:cxn ang="0">
-                <a:pos x="connsiteX152" y="connsiteY152"/>
-              </a:cxn>
-              <a:cxn ang="0">
-                <a:pos x="connsiteX153" y="connsiteY153"/>
-              </a:cxn>
-              <a:cxn ang="0">
-                <a:pos x="connsiteX154" y="connsiteY154"/>
-              </a:cxn>
-              <a:cxn ang="0">
-                <a:pos x="connsiteX155" y="connsiteY155"/>
-              </a:cxn>
-              <a:cxn ang="0">
-                <a:pos x="connsiteX156" y="connsiteY156"/>
-              </a:cxn>
-              <a:cxn ang="0">
-                <a:pos x="connsiteX157" y="connsiteY157"/>
-              </a:cxn>
-              <a:cxn ang="0">
-                <a:pos x="connsiteX158" y="connsiteY158"/>
-              </a:cxn>
-              <a:cxn ang="0">
-                <a:pos x="connsiteX159" y="connsiteY159"/>
-              </a:cxn>
-              <a:cxn ang="0">
-                <a:pos x="connsiteX160" y="connsiteY160"/>
-              </a:cxn>
-              <a:cxn ang="0">
-                <a:pos x="connsiteX161" y="connsiteY161"/>
-              </a:cxn>
-              <a:cxn ang="0">
-                <a:pos x="connsiteX162" y="connsiteY162"/>
-              </a:cxn>
-              <a:cxn ang="0">
-                <a:pos x="connsiteX163" y="connsiteY163"/>
-              </a:cxn>
-              <a:cxn ang="0">
-                <a:pos x="connsiteX164" y="connsiteY164"/>
-              </a:cxn>
-              <a:cxn ang="0">
-                <a:pos x="connsiteX165" y="connsiteY165"/>
-              </a:cxn>
-              <a:cxn ang="0">
-                <a:pos x="connsiteX166" y="connsiteY166"/>
-              </a:cxn>
-              <a:cxn ang="0">
-                <a:pos x="connsiteX167" y="connsiteY167"/>
-              </a:cxn>
-              <a:cxn ang="0">
-                <a:pos x="connsiteX168" y="connsiteY168"/>
-              </a:cxn>
-              <a:cxn ang="0">
-                <a:pos x="connsiteX169" y="connsiteY169"/>
-              </a:cxn>
-              <a:cxn ang="0">
-                <a:pos x="connsiteX170" y="connsiteY170"/>
-              </a:cxn>
-              <a:cxn ang="0">
-                <a:pos x="connsiteX171" y="connsiteY171"/>
-              </a:cxn>
-              <a:cxn ang="0">
-                <a:pos x="connsiteX172" y="connsiteY172"/>
-              </a:cxn>
-              <a:cxn ang="0">
-                <a:pos x="connsiteX173" y="connsiteY173"/>
-              </a:cxn>
-              <a:cxn ang="0">
-                <a:pos x="connsiteX174" y="connsiteY174"/>
-              </a:cxn>
-              <a:cxn ang="0">
-                <a:pos x="connsiteX175" y="connsiteY175"/>
-              </a:cxn>
-              <a:cxn ang="0">
-                <a:pos x="connsiteX176" y="connsiteY176"/>
-              </a:cxn>
-              <a:cxn ang="0">
-                <a:pos x="connsiteX177" y="connsiteY177"/>
-              </a:cxn>
-              <a:cxn ang="0">
-                <a:pos x="connsiteX178" y="connsiteY178"/>
-              </a:cxn>
-              <a:cxn ang="0">
-                <a:pos x="connsiteX179" y="connsiteY179"/>
-              </a:cxn>
-              <a:cxn ang="0">
-                <a:pos x="connsiteX180" y="connsiteY180"/>
-              </a:cxn>
-              <a:cxn ang="0">
-                <a:pos x="connsiteX181" y="connsiteY181"/>
-              </a:cxn>
-              <a:cxn ang="0">
-                <a:pos x="connsiteX182" y="connsiteY182"/>
-              </a:cxn>
-              <a:cxn ang="0">
-                <a:pos x="connsiteX183" y="connsiteY183"/>
-              </a:cxn>
-            </a:cxnLst>
-            <a:rect l="l" t="t" r="r" b="b"/>
-            <a:pathLst>
-              <a:path w="12192000" h="1924333">
-                <a:moveTo>
-                  <a:pt x="6189199" y="588"/>
-                </a:moveTo>
-                <a:cubicBezTo>
-                  <a:pt x="6196356" y="-574"/>
-                  <a:pt x="6202609" y="-108"/>
-                  <a:pt x="6207079" y="2850"/>
-                </a:cubicBezTo>
-                <a:cubicBezTo>
-                  <a:pt x="6222026" y="2749"/>
-                  <a:pt x="6273489" y="3767"/>
-                  <a:pt x="6285610" y="18131"/>
-                </a:cubicBezTo>
-                <a:cubicBezTo>
-                  <a:pt x="6307255" y="18685"/>
-                  <a:pt x="6357141" y="23793"/>
-                  <a:pt x="6378008" y="24625"/>
-                </a:cubicBezTo>
-                <a:cubicBezTo>
-                  <a:pt x="6409946" y="30645"/>
-                  <a:pt x="6438307" y="10375"/>
-                  <a:pt x="6466340" y="21366"/>
-                </a:cubicBezTo>
-                <a:cubicBezTo>
-                  <a:pt x="6488276" y="31229"/>
-                  <a:pt x="6529854" y="28110"/>
-                  <a:pt x="6553334" y="35307"/>
-                </a:cubicBezTo>
-                <a:cubicBezTo>
-                  <a:pt x="6561737" y="48059"/>
-                  <a:pt x="6609188" y="62087"/>
-                  <a:pt x="6626068" y="58045"/>
-                </a:cubicBezTo>
-                <a:cubicBezTo>
-                  <a:pt x="6660952" y="66570"/>
-                  <a:pt x="6666277" y="84716"/>
-                  <a:pt x="6692303" y="91487"/>
-                </a:cubicBezTo>
-                <a:lnTo>
-                  <a:pt x="6733670" y="118130"/>
-                </a:lnTo>
-                <a:lnTo>
-                  <a:pt x="6798016" y="112271"/>
-                </a:lnTo>
-                <a:lnTo>
-                  <a:pt x="6801081" y="114963"/>
-                </a:lnTo>
-                <a:cubicBezTo>
-                  <a:pt x="6806919" y="120140"/>
-                  <a:pt x="6812832" y="125016"/>
-                  <a:pt x="6819351" y="128825"/>
-                </a:cubicBezTo>
-                <a:cubicBezTo>
-                  <a:pt x="6825742" y="109997"/>
-                  <a:pt x="6840132" y="116541"/>
-                  <a:pt x="6852732" y="123321"/>
-                </a:cubicBezTo>
-                <a:lnTo>
-                  <a:pt x="6865247" y="128836"/>
-                </a:lnTo>
-                <a:lnTo>
-                  <a:pt x="6905517" y="129265"/>
-                </a:lnTo>
-                <a:cubicBezTo>
-                  <a:pt x="6934052" y="140042"/>
-                  <a:pt x="6939773" y="141556"/>
-                  <a:pt x="6950286" y="150104"/>
-                </a:cubicBezTo>
-                <a:lnTo>
-                  <a:pt x="7003442" y="136136"/>
-                </a:lnTo>
-                <a:lnTo>
-                  <a:pt x="7160047" y="166721"/>
-                </a:lnTo>
-                <a:cubicBezTo>
-                  <a:pt x="7207281" y="179911"/>
-                  <a:pt x="7280644" y="210197"/>
-                  <a:pt x="7325604" y="215867"/>
-                </a:cubicBezTo>
-                <a:cubicBezTo>
-                  <a:pt x="7460113" y="233904"/>
-                  <a:pt x="7393081" y="242880"/>
-                  <a:pt x="7540522" y="239374"/>
-                </a:cubicBezTo>
-                <a:cubicBezTo>
-                  <a:pt x="7545714" y="234872"/>
-                  <a:pt x="7605972" y="231727"/>
-                  <a:pt x="7612071" y="229553"/>
-                </a:cubicBezTo>
-                <a:lnTo>
-                  <a:pt x="7651995" y="244567"/>
-                </a:lnTo>
-                <a:lnTo>
-                  <a:pt x="7725761" y="258638"/>
-                </a:lnTo>
-                <a:lnTo>
-                  <a:pt x="7823038" y="287078"/>
-                </a:lnTo>
-                <a:cubicBezTo>
-                  <a:pt x="7837080" y="286482"/>
-                  <a:pt x="7851647" y="286498"/>
-                  <a:pt x="7866405" y="287288"/>
-                </a:cubicBezTo>
-                <a:lnTo>
-                  <a:pt x="7875021" y="288224"/>
-                </a:lnTo>
-                <a:cubicBezTo>
-                  <a:pt x="7875062" y="288354"/>
-                  <a:pt x="7875105" y="288483"/>
-                  <a:pt x="7875146" y="288614"/>
-                </a:cubicBezTo>
-                <a:cubicBezTo>
-                  <a:pt x="7880550" y="289202"/>
-                  <a:pt x="7901153" y="290716"/>
-                  <a:pt x="7907443" y="291752"/>
-                </a:cubicBezTo>
-                <a:lnTo>
-                  <a:pt x="7912892" y="294833"/>
-                </a:lnTo>
-                <a:lnTo>
-                  <a:pt x="7946345" y="319359"/>
-                </a:lnTo>
-                <a:cubicBezTo>
-                  <a:pt x="7958657" y="312776"/>
-                  <a:pt x="7996513" y="309749"/>
-                  <a:pt x="8021238" y="315159"/>
-                </a:cubicBezTo>
-                <a:cubicBezTo>
-                  <a:pt x="8045964" y="320570"/>
-                  <a:pt x="8058169" y="340462"/>
-                  <a:pt x="8094697" y="351819"/>
-                </a:cubicBezTo>
-                <a:cubicBezTo>
-                  <a:pt x="8129587" y="361154"/>
-                  <a:pt x="8116181" y="360544"/>
-                  <a:pt x="8155208" y="371168"/>
-                </a:cubicBezTo>
-                <a:cubicBezTo>
-                  <a:pt x="8196217" y="383300"/>
-                  <a:pt x="8205468" y="391801"/>
-                  <a:pt x="8248472" y="400489"/>
-                </a:cubicBezTo>
-                <a:cubicBezTo>
-                  <a:pt x="8283932" y="419791"/>
-                  <a:pt x="8278617" y="392031"/>
-                  <a:pt x="8300068" y="405531"/>
-                </a:cubicBezTo>
-                <a:lnTo>
-                  <a:pt x="8356293" y="403328"/>
-                </a:lnTo>
-                <a:cubicBezTo>
-                  <a:pt x="8377247" y="404463"/>
-                  <a:pt x="8438442" y="433194"/>
-                  <a:pt x="8475838" y="435524"/>
-                </a:cubicBezTo>
-                <a:cubicBezTo>
-                  <a:pt x="8510241" y="438037"/>
-                  <a:pt x="8545511" y="449840"/>
-                  <a:pt x="8575216" y="450198"/>
-                </a:cubicBezTo>
-                <a:lnTo>
-                  <a:pt x="8588650" y="447070"/>
-                </a:lnTo>
-                <a:lnTo>
-                  <a:pt x="8612184" y="439577"/>
-                </a:lnTo>
-                <a:lnTo>
-                  <a:pt x="8630713" y="433015"/>
-                </a:lnTo>
-                <a:cubicBezTo>
-                  <a:pt x="8635870" y="429519"/>
-                  <a:pt x="8700685" y="428411"/>
-                  <a:pt x="8704240" y="422865"/>
-                </a:cubicBezTo>
-                <a:cubicBezTo>
-                  <a:pt x="8761777" y="429549"/>
-                  <a:pt x="8768302" y="427178"/>
-                  <a:pt x="8829513" y="429389"/>
-                </a:cubicBezTo>
-                <a:cubicBezTo>
-                  <a:pt x="8922895" y="444672"/>
-                  <a:pt x="8924579" y="401507"/>
-                  <a:pt x="9083651" y="390744"/>
-                </a:cubicBezTo>
-                <a:cubicBezTo>
-                  <a:pt x="9138403" y="388032"/>
-                  <a:pt x="9315003" y="378647"/>
-                  <a:pt x="9371402" y="371809"/>
-                </a:cubicBezTo>
-                <a:cubicBezTo>
-                  <a:pt x="9358632" y="337502"/>
-                  <a:pt x="9402842" y="379364"/>
-                  <a:pt x="9429586" y="369213"/>
-                </a:cubicBezTo>
-                <a:cubicBezTo>
-                  <a:pt x="9449312" y="370213"/>
-                  <a:pt x="9473938" y="373270"/>
-                  <a:pt x="9489757" y="377814"/>
-                </a:cubicBezTo>
-                <a:cubicBezTo>
-                  <a:pt x="9498164" y="379256"/>
-                  <a:pt x="9507139" y="379272"/>
-                  <a:pt x="9516954" y="376991"/>
-                </a:cubicBezTo>
-                <a:cubicBezTo>
-                  <a:pt x="9548430" y="354766"/>
-                  <a:pt x="9591874" y="370315"/>
-                  <a:pt x="9645588" y="363590"/>
-                </a:cubicBezTo>
-                <a:cubicBezTo>
-                  <a:pt x="9660487" y="368814"/>
-                  <a:pt x="9710817" y="350550"/>
-                  <a:pt x="9722896" y="360983"/>
-                </a:cubicBezTo>
-                <a:cubicBezTo>
-                  <a:pt x="9733918" y="362239"/>
-                  <a:pt x="9745201" y="356679"/>
-                  <a:pt x="9752803" y="368492"/>
-                </a:cubicBezTo>
-                <a:cubicBezTo>
-                  <a:pt x="9793268" y="374490"/>
-                  <a:pt x="9843313" y="380978"/>
-                  <a:pt x="9890305" y="380736"/>
-                </a:cubicBezTo>
-                <a:cubicBezTo>
-                  <a:pt x="9912701" y="380083"/>
-                  <a:pt x="9926523" y="379037"/>
-                  <a:pt x="9939767" y="377776"/>
-                </a:cubicBezTo>
-                <a:lnTo>
-                  <a:pt x="9944355" y="377352"/>
-                </a:lnTo>
-                <a:lnTo>
-                  <a:pt x="9953719" y="375642"/>
-                </a:lnTo>
-                <a:lnTo>
-                  <a:pt x="9955809" y="376294"/>
-                </a:lnTo>
-                <a:lnTo>
-                  <a:pt x="10032710" y="394940"/>
-                </a:lnTo>
-                <a:lnTo>
-                  <a:pt x="10049925" y="404971"/>
-                </a:lnTo>
-                <a:lnTo>
-                  <a:pt x="10112671" y="414549"/>
-                </a:lnTo>
-                <a:cubicBezTo>
-                  <a:pt x="10169643" y="412125"/>
-                  <a:pt x="10132220" y="425358"/>
-                  <a:pt x="10170853" y="435168"/>
-                </a:cubicBezTo>
-                <a:cubicBezTo>
-                  <a:pt x="10206088" y="442020"/>
-                  <a:pt x="10240809" y="454081"/>
-                  <a:pt x="10290184" y="448123"/>
-                </a:cubicBezTo>
-                <a:cubicBezTo>
-                  <a:pt x="10301813" y="444919"/>
-                  <a:pt x="10315233" y="449499"/>
-                  <a:pt x="10320158" y="458352"/>
-                </a:cubicBezTo>
-                <a:cubicBezTo>
-                  <a:pt x="10321006" y="459876"/>
-                  <a:pt x="10321565" y="461470"/>
-                  <a:pt x="10321815" y="463087"/>
-                </a:cubicBezTo>
-                <a:cubicBezTo>
-                  <a:pt x="10354058" y="457158"/>
-                  <a:pt x="10355176" y="470634"/>
-                  <a:pt x="10373742" y="464538"/>
-                </a:cubicBezTo>
-                <a:cubicBezTo>
-                  <a:pt x="10403060" y="475292"/>
-                  <a:pt x="10411841" y="497597"/>
-                  <a:pt x="10428532" y="492504"/>
-                </a:cubicBezTo>
-                <a:cubicBezTo>
-                  <a:pt x="10440561" y="500742"/>
-                  <a:pt x="10446267" y="521930"/>
-                  <a:pt x="10466490" y="517759"/>
-                </a:cubicBezTo>
-                <a:cubicBezTo>
-                  <a:pt x="10464622" y="519986"/>
-                  <a:pt x="10465013" y="521261"/>
-                  <a:pt x="10466675" y="522076"/>
-                </a:cubicBezTo>
-                <a:lnTo>
-                  <a:pt x="10470309" y="522792"/>
-                </a:lnTo>
-                <a:lnTo>
-                  <a:pt x="10474138" y="519761"/>
-                </a:lnTo>
-                <a:cubicBezTo>
-                  <a:pt x="10488888" y="509612"/>
-                  <a:pt x="10484914" y="524734"/>
-                  <a:pt x="10501100" y="528263"/>
-                </a:cubicBezTo>
-                <a:cubicBezTo>
-                  <a:pt x="10508412" y="530705"/>
-                  <a:pt x="10505426" y="533743"/>
-                  <a:pt x="10502395" y="536393"/>
-                </a:cubicBezTo>
-                <a:lnTo>
-                  <a:pt x="10689496" y="560233"/>
-                </a:lnTo>
-                <a:cubicBezTo>
-                  <a:pt x="10721441" y="573640"/>
-                  <a:pt x="10757547" y="582937"/>
-                  <a:pt x="10788736" y="613188"/>
-                </a:cubicBezTo>
-                <a:cubicBezTo>
-                  <a:pt x="10794510" y="621641"/>
-                  <a:pt x="10807098" y="616073"/>
-                  <a:pt x="10819747" y="621351"/>
-                </a:cubicBezTo>
-                <a:cubicBezTo>
-                  <a:pt x="10832398" y="626630"/>
-                  <a:pt x="10846356" y="639592"/>
-                  <a:pt x="10864632" y="644858"/>
-                </a:cubicBezTo>
-                <a:cubicBezTo>
-                  <a:pt x="10895617" y="652290"/>
-                  <a:pt x="10921550" y="640451"/>
-                  <a:pt x="10929407" y="652945"/>
-                </a:cubicBezTo>
-                <a:cubicBezTo>
-                  <a:pt x="10945460" y="653176"/>
-                  <a:pt x="10968148" y="640553"/>
-                  <a:pt x="10979412" y="654217"/>
-                </a:cubicBezTo>
-                <a:cubicBezTo>
-                  <a:pt x="10981679" y="643737"/>
-                  <a:pt x="10997287" y="663414"/>
-                  <a:pt x="11006959" y="657017"/>
-                </a:cubicBezTo>
-                <a:cubicBezTo>
-                  <a:pt x="11023230" y="659396"/>
-                  <a:pt x="11051890" y="662462"/>
-                  <a:pt x="11077038" y="668487"/>
-                </a:cubicBezTo>
-                <a:cubicBezTo>
-                  <a:pt x="11097000" y="690299"/>
-                  <a:pt x="11141286" y="676399"/>
-                  <a:pt x="11157850" y="693164"/>
-                </a:cubicBezTo>
-                <a:cubicBezTo>
-                  <a:pt x="11163800" y="695757"/>
-                  <a:pt x="11169599" y="696942"/>
-                  <a:pt x="11175276" y="697243"/>
-                </a:cubicBezTo>
-                <a:lnTo>
-                  <a:pt x="11191131" y="696085"/>
-                </a:lnTo>
-                <a:lnTo>
-                  <a:pt x="11195573" y="691751"/>
-                </a:lnTo>
-                <a:lnTo>
-                  <a:pt x="11205299" y="693247"/>
-                </a:lnTo>
-                <a:lnTo>
-                  <a:pt x="11223770" y="690335"/>
-                </a:lnTo>
-                <a:cubicBezTo>
-                  <a:pt x="11237778" y="693777"/>
-                  <a:pt x="11256852" y="701947"/>
-                  <a:pt x="11292119" y="713311"/>
-                </a:cubicBezTo>
-                <a:cubicBezTo>
-                  <a:pt x="11334878" y="733451"/>
-                  <a:pt x="11401662" y="729175"/>
-                  <a:pt x="11435379" y="758519"/>
-                </a:cubicBezTo>
-                <a:lnTo>
-                  <a:pt x="11604406" y="810476"/>
-                </a:lnTo>
-                <a:lnTo>
-                  <a:pt x="11652155" y="825109"/>
-                </a:lnTo>
-                <a:lnTo>
-                  <a:pt x="11654192" y="827301"/>
-                </a:lnTo>
-                <a:cubicBezTo>
-                  <a:pt x="11661650" y="834729"/>
-                  <a:pt x="11669215" y="841480"/>
-                  <a:pt x="11676599" y="846628"/>
-                </a:cubicBezTo>
-                <a:cubicBezTo>
-                  <a:pt x="11688258" y="861760"/>
-                  <a:pt x="11752266" y="896888"/>
-                  <a:pt x="11775168" y="890664"/>
-                </a:cubicBezTo>
-                <a:cubicBezTo>
-                  <a:pt x="11790977" y="883819"/>
-                  <a:pt x="11808364" y="879901"/>
-                  <a:pt x="11826341" y="877558"/>
-                </a:cubicBezTo>
-                <a:lnTo>
-                  <a:pt x="11879068" y="874038"/>
-                </a:lnTo>
-                <a:lnTo>
-                  <a:pt x="11889563" y="878619"/>
-                </a:lnTo>
-                <a:lnTo>
-                  <a:pt x="12016613" y="886111"/>
-                </a:lnTo>
-                <a:lnTo>
-                  <a:pt x="12108292" y="868500"/>
-                </a:lnTo>
-                <a:cubicBezTo>
-                  <a:pt x="12129725" y="867311"/>
-                  <a:pt x="12157891" y="874537"/>
-                  <a:pt x="12182910" y="882003"/>
-                </a:cubicBezTo>
-                <a:lnTo>
-                  <a:pt x="12192000" y="884778"/>
-                </a:lnTo>
-                <a:lnTo>
-                  <a:pt x="12192000" y="1610315"/>
-                </a:lnTo>
-                <a:lnTo>
-                  <a:pt x="12191998" y="1610315"/>
-                </a:lnTo>
-                <a:lnTo>
-                  <a:pt x="12191998" y="1924333"/>
-                </a:lnTo>
-                <a:lnTo>
-                  <a:pt x="0" y="1924333"/>
-                </a:lnTo>
-                <a:lnTo>
-                  <a:pt x="0" y="505159"/>
-                </a:lnTo>
-                <a:lnTo>
-                  <a:pt x="5722" y="508889"/>
-                </a:lnTo>
-                <a:cubicBezTo>
-                  <a:pt x="21614" y="518548"/>
-                  <a:pt x="33814" y="524781"/>
-                  <a:pt x="38476" y="524137"/>
-                </a:cubicBezTo>
-                <a:cubicBezTo>
-                  <a:pt x="99229" y="544180"/>
-                  <a:pt x="142010" y="538457"/>
-                  <a:pt x="192883" y="545272"/>
-                </a:cubicBezTo>
-                <a:cubicBezTo>
-                  <a:pt x="277629" y="525210"/>
-                  <a:pt x="293434" y="558443"/>
-                  <a:pt x="343710" y="565029"/>
-                </a:cubicBezTo>
-                <a:cubicBezTo>
-                  <a:pt x="383094" y="555729"/>
-                  <a:pt x="425462" y="556271"/>
-                  <a:pt x="471066" y="549837"/>
-                </a:cubicBezTo>
-                <a:cubicBezTo>
-                  <a:pt x="513583" y="544428"/>
-                  <a:pt x="569194" y="531004"/>
-                  <a:pt x="617333" y="526428"/>
-                </a:cubicBezTo>
-                <a:cubicBezTo>
-                  <a:pt x="660031" y="520760"/>
-                  <a:pt x="696675" y="523882"/>
-                  <a:pt x="725203" y="523793"/>
-                </a:cubicBezTo>
-                <a:cubicBezTo>
-                  <a:pt x="736650" y="521695"/>
-                  <a:pt x="780513" y="502146"/>
-                  <a:pt x="788494" y="505799"/>
-                </a:cubicBezTo>
-                <a:lnTo>
-                  <a:pt x="885977" y="526585"/>
-                </a:lnTo>
-                <a:cubicBezTo>
-                  <a:pt x="906140" y="522837"/>
-                  <a:pt x="917203" y="532232"/>
-                  <a:pt x="932142" y="528005"/>
-                </a:cubicBezTo>
-                <a:cubicBezTo>
-                  <a:pt x="963701" y="524128"/>
-                  <a:pt x="1061555" y="499582"/>
-                  <a:pt x="1090404" y="498299"/>
-                </a:cubicBezTo>
-                <a:cubicBezTo>
-                  <a:pt x="1132840" y="494057"/>
-                  <a:pt x="1148476" y="496041"/>
-                  <a:pt x="1188628" y="483151"/>
-                </a:cubicBezTo>
-                <a:cubicBezTo>
-                  <a:pt x="1230397" y="468408"/>
-                  <a:pt x="1278711" y="457638"/>
-                  <a:pt x="1316247" y="425979"/>
-                </a:cubicBezTo>
-                <a:cubicBezTo>
-                  <a:pt x="1322662" y="417251"/>
-                  <a:pt x="1339433" y="418553"/>
-                  <a:pt x="1357712" y="416549"/>
-                </a:cubicBezTo>
-                <a:cubicBezTo>
-                  <a:pt x="1375991" y="414544"/>
-                  <a:pt x="1423507" y="412949"/>
-                  <a:pt x="1425921" y="413953"/>
-                </a:cubicBezTo>
-                <a:cubicBezTo>
-                  <a:pt x="1450272" y="407937"/>
-                  <a:pt x="1458223" y="388156"/>
-                  <a:pt x="1503817" y="380457"/>
-                </a:cubicBezTo>
-                <a:cubicBezTo>
-                  <a:pt x="1541095" y="377398"/>
-                  <a:pt x="1605565" y="376357"/>
-                  <a:pt x="1639196" y="372785"/>
-                </a:cubicBezTo>
-                <a:cubicBezTo>
-                  <a:pt x="1653280" y="376736"/>
-                  <a:pt x="1695289" y="365766"/>
-                  <a:pt x="1705606" y="359023"/>
-                </a:cubicBezTo>
-                <a:cubicBezTo>
-                  <a:pt x="1729169" y="336295"/>
-                  <a:pt x="1793207" y="348537"/>
-                  <a:pt x="1813011" y="331023"/>
-                </a:cubicBezTo>
-                <a:cubicBezTo>
-                  <a:pt x="1820772" y="328179"/>
-                  <a:pt x="1823566" y="341833"/>
-                  <a:pt x="1831380" y="341307"/>
-                </a:cubicBezTo>
-                <a:lnTo>
-                  <a:pt x="1858612" y="326777"/>
-                </a:lnTo>
-                <a:lnTo>
-                  <a:pt x="1880661" y="335987"/>
-                </a:lnTo>
-                <a:lnTo>
-                  <a:pt x="1941495" y="310792"/>
-                </a:lnTo>
-                <a:cubicBezTo>
-                  <a:pt x="1978970" y="307223"/>
-                  <a:pt x="1947391" y="291714"/>
-                  <a:pt x="1995402" y="305480"/>
-                </a:cubicBezTo>
-                <a:cubicBezTo>
-                  <a:pt x="2042464" y="298034"/>
-                  <a:pt x="2153424" y="281146"/>
-                  <a:pt x="2223864" y="266118"/>
-                </a:cubicBezTo>
-                <a:cubicBezTo>
-                  <a:pt x="2261296" y="256300"/>
-                  <a:pt x="2360518" y="238323"/>
-                  <a:pt x="2418043" y="215314"/>
-                </a:cubicBezTo>
-                <a:cubicBezTo>
-                  <a:pt x="2472088" y="206823"/>
-                  <a:pt x="2499422" y="162612"/>
-                  <a:pt x="2558461" y="168193"/>
-                </a:cubicBezTo>
-                <a:cubicBezTo>
-                  <a:pt x="2559660" y="164506"/>
-                  <a:pt x="2592244" y="161337"/>
-                  <a:pt x="2595535" y="158548"/>
-                </a:cubicBezTo>
-                <a:lnTo>
-                  <a:pt x="2626942" y="130400"/>
-                </a:lnTo>
-                <a:lnTo>
-                  <a:pt x="2632225" y="130446"/>
-                </a:lnTo>
-                <a:lnTo>
-                  <a:pt x="2696856" y="128498"/>
-                </a:lnTo>
-                <a:lnTo>
-                  <a:pt x="2759767" y="127784"/>
-                </a:lnTo>
-                <a:cubicBezTo>
-                  <a:pt x="2770024" y="123546"/>
-                  <a:pt x="2781047" y="119463"/>
-                  <a:pt x="2792685" y="115710"/>
-                </a:cubicBezTo>
-                <a:lnTo>
-                  <a:pt x="2799767" y="113754"/>
-                </a:lnTo>
-                <a:lnTo>
-                  <a:pt x="2829799" y="120042"/>
-                </a:lnTo>
-                <a:lnTo>
-                  <a:pt x="2890704" y="121493"/>
-                </a:lnTo>
-                <a:cubicBezTo>
-                  <a:pt x="2935390" y="121035"/>
-                  <a:pt x="2990780" y="113193"/>
-                  <a:pt x="3042646" y="112273"/>
-                </a:cubicBezTo>
-                <a:cubicBezTo>
-                  <a:pt x="3077119" y="111474"/>
-                  <a:pt x="3124089" y="100414"/>
-                  <a:pt x="3146630" y="100898"/>
-                </a:cubicBezTo>
-                <a:cubicBezTo>
-                  <a:pt x="3169381" y="117699"/>
-                  <a:pt x="3224695" y="125864"/>
-                  <a:pt x="3233163" y="120200"/>
-                </a:cubicBezTo>
-                <a:lnTo>
-                  <a:pt x="3372699" y="129394"/>
-                </a:lnTo>
-                <a:cubicBezTo>
-                  <a:pt x="3389020" y="126586"/>
-                  <a:pt x="3397563" y="116804"/>
-                  <a:pt x="3394352" y="131671"/>
-                </a:cubicBezTo>
-                <a:cubicBezTo>
-                  <a:pt x="3406102" y="131485"/>
-                  <a:pt x="3429770" y="120938"/>
-                  <a:pt x="3448218" y="118229"/>
-                </a:cubicBezTo>
-                <a:lnTo>
-                  <a:pt x="3505047" y="115412"/>
-                </a:lnTo>
-                <a:lnTo>
-                  <a:pt x="3521767" y="111071"/>
-                </a:lnTo>
-                <a:cubicBezTo>
-                  <a:pt x="3526335" y="108877"/>
-                  <a:pt x="3582156" y="117732"/>
-                  <a:pt x="3585137" y="114371"/>
-                </a:cubicBezTo>
-                <a:cubicBezTo>
-                  <a:pt x="3638265" y="102098"/>
-                  <a:pt x="3633789" y="98565"/>
-                  <a:pt x="3690293" y="98301"/>
-                </a:cubicBezTo>
-                <a:cubicBezTo>
-                  <a:pt x="3782197" y="112746"/>
-                  <a:pt x="3826738" y="92943"/>
-                  <a:pt x="3867818" y="88985"/>
-                </a:cubicBezTo>
-                <a:cubicBezTo>
-                  <a:pt x="3943777" y="81477"/>
-                  <a:pt x="3990501" y="75194"/>
-                  <a:pt x="4091337" y="70813"/>
-                </a:cubicBezTo>
-                <a:cubicBezTo>
-                  <a:pt x="4154422" y="62932"/>
-                  <a:pt x="4217060" y="45734"/>
-                  <a:pt x="4246332" y="41697"/>
-                </a:cubicBezTo>
-                <a:cubicBezTo>
-                  <a:pt x="4253308" y="42804"/>
-                  <a:pt x="4260125" y="44606"/>
-                  <a:pt x="4266975" y="46592"/>
-                </a:cubicBezTo>
-                <a:lnTo>
-                  <a:pt x="4270566" y="47620"/>
-                </a:lnTo>
-                <a:lnTo>
-                  <a:pt x="4288964" y="52766"/>
-                </a:lnTo>
-                <a:lnTo>
-                  <a:pt x="4365137" y="51783"/>
-                </a:lnTo>
-                <a:lnTo>
-                  <a:pt x="4430546" y="44555"/>
-                </a:lnTo>
-                <a:lnTo>
-                  <a:pt x="4444136" y="39567"/>
-                </a:lnTo>
-                <a:lnTo>
-                  <a:pt x="4534039" y="31604"/>
-                </a:lnTo>
-                <a:lnTo>
-                  <a:pt x="4560448" y="25231"/>
-                </a:lnTo>
-                <a:lnTo>
-                  <a:pt x="4568006" y="25970"/>
-                </a:lnTo>
-                <a:cubicBezTo>
-                  <a:pt x="4580278" y="23866"/>
-                  <a:pt x="4594878" y="14904"/>
-                  <a:pt x="4595497" y="22958"/>
-                </a:cubicBezTo>
-                <a:lnTo>
-                  <a:pt x="4608623" y="18108"/>
-                </a:lnTo>
-                <a:lnTo>
-                  <a:pt x="4623942" y="22251"/>
-                </a:lnTo>
-                <a:cubicBezTo>
-                  <a:pt x="4633227" y="23117"/>
-                  <a:pt x="4655429" y="23973"/>
-                  <a:pt x="4664336" y="23306"/>
-                </a:cubicBezTo>
-                <a:lnTo>
-                  <a:pt x="4677385" y="18246"/>
-                </a:lnTo>
-                <a:lnTo>
-                  <a:pt x="4698143" y="18036"/>
-                </a:lnTo>
-                <a:cubicBezTo>
-                  <a:pt x="4710347" y="18931"/>
-                  <a:pt x="4736189" y="22441"/>
-                  <a:pt x="4750609" y="23611"/>
-                </a:cubicBezTo>
-                <a:cubicBezTo>
-                  <a:pt x="4764270" y="27424"/>
-                  <a:pt x="4774858" y="29782"/>
-                  <a:pt x="4784658" y="25057"/>
-                </a:cubicBezTo>
-                <a:cubicBezTo>
-                  <a:pt x="4804708" y="29613"/>
-                  <a:pt x="4822811" y="48263"/>
-                  <a:pt x="4847558" y="38726"/>
-                </a:cubicBezTo>
-                <a:cubicBezTo>
-                  <a:pt x="4868304" y="42993"/>
-                  <a:pt x="4867190" y="47939"/>
-                  <a:pt x="4909134" y="50659"/>
-                </a:cubicBezTo>
-                <a:cubicBezTo>
-                  <a:pt x="4945026" y="52455"/>
-                  <a:pt x="5063406" y="54096"/>
-                  <a:pt x="5099219" y="55050"/>
-                </a:cubicBezTo>
-                <a:cubicBezTo>
-                  <a:pt x="5145195" y="57873"/>
-                  <a:pt x="5163254" y="65473"/>
-                  <a:pt x="5184992" y="67596"/>
-                </a:cubicBezTo>
-                <a:cubicBezTo>
-                  <a:pt x="5206728" y="69720"/>
-                  <a:pt x="5195578" y="65687"/>
-                  <a:pt x="5229637" y="67789"/>
-                </a:cubicBezTo>
-                <a:cubicBezTo>
-                  <a:pt x="5263695" y="69892"/>
-                  <a:pt x="5345217" y="78854"/>
-                  <a:pt x="5389346" y="80211"/>
-                </a:cubicBezTo>
-                <a:cubicBezTo>
-                  <a:pt x="5425889" y="83191"/>
-                  <a:pt x="5461943" y="84751"/>
-                  <a:pt x="5494414" y="75926"/>
-                </a:cubicBezTo>
-                <a:lnTo>
-                  <a:pt x="5528443" y="77206"/>
-                </a:lnTo>
-                <a:cubicBezTo>
-                  <a:pt x="5582723" y="71370"/>
-                  <a:pt x="5638917" y="68385"/>
-                  <a:pt x="5684939" y="50269"/>
-                </a:cubicBezTo>
-                <a:cubicBezTo>
-                  <a:pt x="5724389" y="45804"/>
-                  <a:pt x="5737860" y="52916"/>
-                  <a:pt x="5765146" y="50414"/>
-                </a:cubicBezTo>
-                <a:cubicBezTo>
-                  <a:pt x="5792695" y="43060"/>
-                  <a:pt x="5827352" y="38097"/>
-                  <a:pt x="5848655" y="35257"/>
-                </a:cubicBezTo>
-                <a:lnTo>
-                  <a:pt x="5930656" y="30131"/>
-                </a:lnTo>
-                <a:lnTo>
-                  <a:pt x="6124150" y="31679"/>
-                </a:lnTo>
-                <a:cubicBezTo>
-                  <a:pt x="6138131" y="22216"/>
-                  <a:pt x="6167730" y="4075"/>
-                  <a:pt x="6189199" y="588"/>
-                </a:cubicBezTo>
-                <a:close/>
-              </a:path>
-            </a:pathLst>
-          </a:custGeom>
-          <a:solidFill>
-            <a:srgbClr val="82766A">
-              <a:alpha val="15000"/>
-            </a:srgbClr>
-          </a:solidFill>
-          <a:ln w="12700" cap="flat" cmpd="sng" algn="ctr">
+          </a:prstGeom>
+          <a:ln>
             <a:noFill/>
-            <a:prstDash val="solid"/>
-            <a:miter lim="800000"/>
           </a:ln>
-          <a:effectLst/>
+          <a:effectLst>
+            <a:outerShdw blurRad="254000" dist="38100" dir="5460000" sx="94000" sy="94000" algn="t" rotWithShape="0">
+              <a:srgbClr val="000000">
+                <a:alpha val="30000"/>
+              </a:srgbClr>
+            </a:outerShdw>
+          </a:effectLst>
         </p:spPr>
         <p:style>
           <a:lnRef idx="2">
@@ -9324,20 +8815,20 @@
         </p:nvSpPr>
         <p:spPr>
           <a:xfrm>
-            <a:off x="1255060" y="5279511"/>
-            <a:ext cx="9681882" cy="739880"/>
+            <a:off x="761995" y="307447"/>
+            <a:ext cx="10693884" cy="1109932"/>
           </a:xfrm>
           <a:prstGeom prst="rect">
             <a:avLst/>
           </a:prstGeom>
         </p:spPr>
         <p:txBody>
-          <a:bodyPr vert="horz" lIns="91440" tIns="45720" rIns="91440" bIns="45720" rtlCol="0" anchor="b">
+          <a:bodyPr vert="horz" lIns="91440" tIns="45720" rIns="91440" bIns="45720" rtlCol="0" anchor="ctr">
             <a:normAutofit/>
           </a:bodyPr>
           <a:lstStyle/>
           <a:p>
-            <a:pPr algn="ctr">
+            <a:pPr>
               <a:lnSpc>
                 <a:spcPct val="90000"/>
               </a:lnSpc>
@@ -9349,12 +8840,9 @@
               </a:spcAft>
             </a:pPr>
             <a:r>
-              <a:rPr lang="en-US" sz="3600" b="0" i="0" kern="1200">
-                <a:solidFill>
-                  <a:schemeClr val="tx1">
-                    <a:lumMod val="85000"/>
-                    <a:lumOff val="15000"/>
-                  </a:schemeClr>
+              <a:rPr lang="en-US" sz="4000" b="0" i="0" kern="1200">
+                <a:solidFill>
+                  <a:schemeClr val="tx1"/>
                 </a:solidFill>
                 <a:effectLst/>
                 <a:latin typeface="+mj-lt"/>
@@ -9363,12 +8851,9 @@
               </a:rPr>
               <a:t>Bir Sinir Hücresinin Matematiksel Modeli</a:t>
             </a:r>
-            <a:endParaRPr lang="en-US" sz="3600" kern="1200">
+            <a:endParaRPr lang="en-US" sz="4000" kern="1200">
               <a:solidFill>
-                <a:schemeClr val="tx1">
-                  <a:lumMod val="85000"/>
-                  <a:lumOff val="15000"/>
-                </a:schemeClr>
+                <a:schemeClr val="tx1"/>
               </a:solidFill>
               <a:latin typeface="+mj-lt"/>
               <a:ea typeface="+mj-ea"/>
@@ -9401,14 +8886,415 @@
         </p:blipFill>
         <p:spPr>
           <a:xfrm>
-            <a:off x="2166239" y="579473"/>
-            <a:ext cx="7859521" cy="4224493"/>
+            <a:off x="736122" y="2685553"/>
+            <a:ext cx="5804955" cy="3120163"/>
           </a:xfrm>
           <a:prstGeom prst="rect">
             <a:avLst/>
           </a:prstGeom>
         </p:spPr>
       </p:pic>
+      <p:sp>
+        <p:nvSpPr>
+          <p:cNvPr id="3" name="Metin kutusu 2">
+            <a:extLst>
+              <a:ext uri="{FF2B5EF4-FFF2-40B4-BE49-F238E27FC236}">
+                <a16:creationId xmlns:a16="http://schemas.microsoft.com/office/drawing/2014/main" id="{026A9D3F-5351-C518-A33F-62B11AF7C14E}"/>
+              </a:ext>
+            </a:extLst>
+          </p:cNvPr>
+          <p:cNvSpPr txBox="1"/>
+          <p:nvPr/>
+        </p:nvSpPr>
+        <p:spPr>
+          <a:xfrm>
+            <a:off x="7190509" y="2357888"/>
+            <a:ext cx="4265370" cy="3902635"/>
+          </a:xfrm>
+          <a:prstGeom prst="rect">
+            <a:avLst/>
+          </a:prstGeom>
+        </p:spPr>
+        <p:txBody>
+          <a:bodyPr vert="horz" lIns="91440" tIns="45720" rIns="91440" bIns="45720" rtlCol="0" anchor="ctr">
+            <a:normAutofit/>
+          </a:bodyPr>
+          <a:lstStyle/>
+          <a:p>
+            <a:pPr indent="-228600">
+              <a:lnSpc>
+                <a:spcPct val="90000"/>
+              </a:lnSpc>
+              <a:spcAft>
+                <a:spcPts val="600"/>
+              </a:spcAft>
+              <a:buFont typeface="Arial" panose="020B0604020202020204" pitchFamily="34" charset="0"/>
+              <a:buChar char="•"/>
+            </a:pPr>
+            <a:r>
+              <a:rPr lang="en-US" sz="2000" b="0" i="0" u="none" strike="noStrike" baseline="0" dirty="0" err="1"/>
+              <a:t>Temel</a:t>
+            </a:r>
+            <a:r>
+              <a:rPr lang="en-US" sz="2000" b="0" i="0" u="none" strike="noStrike" baseline="0" dirty="0"/>
+              <a:t> </a:t>
+            </a:r>
+            <a:r>
+              <a:rPr lang="en-US" sz="2000" b="0" i="0" u="none" strike="noStrike" baseline="0" dirty="0" err="1"/>
+              <a:t>bir</a:t>
+            </a:r>
+            <a:r>
+              <a:rPr lang="en-US" sz="2000" b="0" i="0" u="none" strike="noStrike" baseline="0" dirty="0"/>
+              <a:t> </a:t>
+            </a:r>
+            <a:r>
+              <a:rPr lang="en-US" sz="2000" b="0" i="0" u="none" strike="noStrike" baseline="0" dirty="0" err="1"/>
+              <a:t>yapay</a:t>
+            </a:r>
+            <a:r>
+              <a:rPr lang="en-US" sz="2000" b="0" i="0" u="none" strike="noStrike" baseline="0" dirty="0"/>
+              <a:t> </a:t>
+            </a:r>
+            <a:r>
+              <a:rPr lang="en-US" sz="2000" b="0" i="0" u="none" strike="noStrike" baseline="0" dirty="0" err="1"/>
+              <a:t>sinir</a:t>
+            </a:r>
+            <a:r>
+              <a:rPr lang="en-US" sz="2000" b="0" i="0" u="none" strike="noStrike" baseline="0" dirty="0"/>
+              <a:t> </a:t>
+            </a:r>
+            <a:r>
+              <a:rPr lang="en-US" sz="2000" b="0" i="0" u="none" strike="noStrike" baseline="0" dirty="0" err="1"/>
+              <a:t>ağı</a:t>
+            </a:r>
+            <a:r>
+              <a:rPr lang="en-US" sz="2000" b="0" i="0" u="none" strike="noStrike" baseline="0" dirty="0"/>
+              <a:t> </a:t>
+            </a:r>
+            <a:r>
+              <a:rPr lang="en-US" sz="2000" b="0" i="0" u="none" strike="noStrike" baseline="0" dirty="0" err="1"/>
+              <a:t>modelinin</a:t>
+            </a:r>
+            <a:r>
+              <a:rPr lang="en-US" sz="2000" b="0" i="0" u="none" strike="noStrike" baseline="0" dirty="0"/>
+              <a:t> </a:t>
+            </a:r>
+            <a:r>
+              <a:rPr lang="en-US" sz="2000" b="0" i="0" u="none" strike="noStrike" baseline="0" dirty="0" err="1"/>
+              <a:t>matematiksel</a:t>
+            </a:r>
+            <a:r>
+              <a:rPr lang="en-US" sz="2000" b="0" i="0" u="none" strike="noStrike" baseline="0" dirty="0"/>
+              <a:t> </a:t>
+            </a:r>
+            <a:r>
+              <a:rPr lang="en-US" sz="2000" b="0" i="0" u="none" strike="noStrike" baseline="0" dirty="0" err="1"/>
+              <a:t>denklemi</a:t>
+            </a:r>
+            <a:r>
+              <a:rPr lang="en-US" sz="2000" b="0" i="0" u="none" strike="noStrike" baseline="0" dirty="0"/>
+              <a:t> </a:t>
+            </a:r>
+            <a:r>
+              <a:rPr lang="en-US" sz="2000" b="0" i="0" u="none" strike="noStrike" baseline="0" dirty="0" err="1"/>
+              <a:t>Şekil</a:t>
+            </a:r>
+            <a:r>
+              <a:rPr lang="tr-TR" sz="2000" dirty="0"/>
+              <a:t>de </a:t>
+            </a:r>
+            <a:r>
+              <a:rPr lang="en-US" sz="2000" b="0" i="0" u="none" strike="noStrike" baseline="0" dirty="0" err="1"/>
+              <a:t>verilmiştir</a:t>
+            </a:r>
+            <a:r>
+              <a:rPr lang="en-US" sz="2000" b="0" i="0" u="none" strike="noStrike" baseline="0" dirty="0"/>
+              <a:t>. </a:t>
+            </a:r>
+            <a:r>
+              <a:rPr lang="en-US" sz="2000" b="0" i="0" u="none" strike="noStrike" baseline="0" dirty="0" err="1"/>
+              <a:t>Burada</a:t>
+            </a:r>
+            <a:r>
+              <a:rPr lang="en-US" sz="2000" b="0" i="0" u="none" strike="noStrike" baseline="0" dirty="0"/>
+              <a:t>;</a:t>
+            </a:r>
+          </a:p>
+          <a:p>
+            <a:pPr indent="-228600">
+              <a:lnSpc>
+                <a:spcPct val="90000"/>
+              </a:lnSpc>
+              <a:spcAft>
+                <a:spcPts val="600"/>
+              </a:spcAft>
+              <a:buFont typeface="Arial" panose="020B0604020202020204" pitchFamily="34" charset="0"/>
+              <a:buChar char="•"/>
+            </a:pPr>
+            <a:r>
+              <a:rPr lang="en-US" sz="2000" b="0" i="0" u="none" strike="noStrike" baseline="0" dirty="0"/>
+              <a:t> y: </a:t>
+            </a:r>
+            <a:r>
+              <a:rPr lang="en-US" sz="2000" b="0" i="0" u="none" strike="noStrike" baseline="0" dirty="0" err="1"/>
+              <a:t>x’e</a:t>
+            </a:r>
+            <a:r>
+              <a:rPr lang="en-US" sz="2000" b="0" i="0" u="none" strike="noStrike" baseline="0" dirty="0"/>
+              <a:t> </a:t>
+            </a:r>
+            <a:r>
+              <a:rPr lang="en-US" sz="2000" b="0" i="0" u="none" strike="noStrike" baseline="0" dirty="0" err="1"/>
+              <a:t>bağlı</a:t>
+            </a:r>
+            <a:r>
+              <a:rPr lang="en-US" sz="2000" b="0" i="0" u="none" strike="noStrike" baseline="0" dirty="0"/>
+              <a:t> </a:t>
+            </a:r>
+            <a:r>
+              <a:rPr lang="en-US" sz="2000" b="0" i="0" u="none" strike="noStrike" baseline="0" dirty="0" err="1"/>
+              <a:t>bağımlı</a:t>
+            </a:r>
+            <a:r>
+              <a:rPr lang="en-US" sz="2000" b="0" i="0" u="none" strike="noStrike" baseline="0" dirty="0"/>
+              <a:t> </a:t>
+            </a:r>
+            <a:r>
+              <a:rPr lang="en-US" sz="2000" b="0" i="0" u="none" strike="noStrike" baseline="0" dirty="0" err="1"/>
+              <a:t>değişken</a:t>
+            </a:r>
+            <a:r>
+              <a:rPr lang="en-US" sz="2000" b="0" i="0" u="none" strike="noStrike" baseline="0" dirty="0"/>
+              <a:t> </a:t>
+            </a:r>
+            <a:r>
+              <a:rPr lang="en-US" sz="2000" b="0" i="0" u="none" strike="noStrike" baseline="0" dirty="0" err="1"/>
+              <a:t>olup</a:t>
+            </a:r>
+            <a:r>
+              <a:rPr lang="en-US" sz="2000" b="0" i="0" u="none" strike="noStrike" baseline="0" dirty="0"/>
+              <a:t>, </a:t>
+            </a:r>
+            <a:r>
+              <a:rPr lang="en-US" sz="2000" b="0" i="0" u="none" strike="noStrike" baseline="0" dirty="0" err="1"/>
+              <a:t>giriş</a:t>
+            </a:r>
+            <a:r>
+              <a:rPr lang="en-US" sz="2000" b="0" i="0" u="none" strike="noStrike" baseline="0" dirty="0"/>
+              <a:t> </a:t>
+            </a:r>
+            <a:r>
+              <a:rPr lang="en-US" sz="2000" b="0" i="0" u="none" strike="noStrike" baseline="0" dirty="0" err="1"/>
+              <a:t>parametrelerine</a:t>
+            </a:r>
+            <a:r>
+              <a:rPr lang="en-US" sz="2000" b="0" i="0" u="none" strike="noStrike" baseline="0" dirty="0"/>
+              <a:t> </a:t>
+            </a:r>
+            <a:r>
+              <a:rPr lang="en-US" sz="2000" b="0" i="0" u="none" strike="noStrike" baseline="0" dirty="0" err="1"/>
+              <a:t>göre</a:t>
+            </a:r>
+            <a:r>
+              <a:rPr lang="en-US" sz="2000" b="0" i="0" u="none" strike="noStrike" baseline="0" dirty="0"/>
+              <a:t> </a:t>
+            </a:r>
+            <a:r>
+              <a:rPr lang="en-US" sz="2000" b="0" i="0" u="none" strike="noStrike" baseline="0" dirty="0" err="1"/>
+              <a:t>modelden</a:t>
+            </a:r>
+            <a:r>
+              <a:rPr lang="en-US" sz="2000" b="0" i="0" u="none" strike="noStrike" baseline="0" dirty="0"/>
+              <a:t> </a:t>
+            </a:r>
+            <a:r>
+              <a:rPr lang="en-US" sz="2000" b="0" i="0" u="none" strike="noStrike" baseline="0" dirty="0" err="1"/>
+              <a:t>elde</a:t>
+            </a:r>
+            <a:r>
+              <a:rPr lang="en-US" sz="2000" b="0" i="0" u="none" strike="noStrike" baseline="0" dirty="0"/>
+              <a:t> </a:t>
+            </a:r>
+            <a:r>
+              <a:rPr lang="en-US" sz="2000" b="0" i="0" u="none" strike="noStrike" baseline="0" dirty="0" err="1"/>
+              <a:t>edilen</a:t>
+            </a:r>
+            <a:r>
+              <a:rPr lang="tr-TR" sz="2000" dirty="0"/>
+              <a:t> </a:t>
+            </a:r>
+            <a:r>
+              <a:rPr lang="en-US" sz="2000" b="0" i="0" u="none" strike="noStrike" baseline="0" dirty="0" err="1"/>
+              <a:t>doğruluk</a:t>
+            </a:r>
+            <a:r>
+              <a:rPr lang="en-US" sz="2000" b="0" i="0" u="none" strike="noStrike" baseline="0" dirty="0"/>
+              <a:t> </a:t>
+            </a:r>
+            <a:r>
+              <a:rPr lang="en-US" sz="2000" b="0" i="0" u="none" strike="noStrike" baseline="0" dirty="0" err="1"/>
+              <a:t>sonucunu</a:t>
+            </a:r>
+            <a:r>
+              <a:rPr lang="en-US" sz="2000" b="0" i="0" u="none" strike="noStrike" baseline="0" dirty="0"/>
+              <a:t> </a:t>
+            </a:r>
+            <a:r>
+              <a:rPr lang="en-US" sz="2000" b="0" i="0" u="none" strike="noStrike" baseline="0" dirty="0" err="1"/>
+              <a:t>verir</a:t>
+            </a:r>
+            <a:r>
+              <a:rPr lang="en-US" sz="2000" b="0" i="0" u="none" strike="noStrike" baseline="0" dirty="0"/>
+              <a:t>.</a:t>
+            </a:r>
+          </a:p>
+          <a:p>
+            <a:pPr indent="-228600">
+              <a:lnSpc>
+                <a:spcPct val="90000"/>
+              </a:lnSpc>
+              <a:spcAft>
+                <a:spcPts val="600"/>
+              </a:spcAft>
+              <a:buFont typeface="Arial" panose="020B0604020202020204" pitchFamily="34" charset="0"/>
+              <a:buChar char="•"/>
+            </a:pPr>
+            <a:r>
+              <a:rPr lang="en-US" sz="2000" b="0" i="0" u="none" strike="noStrike" baseline="0" dirty="0"/>
+              <a:t> x: </a:t>
+            </a:r>
+            <a:r>
+              <a:rPr lang="en-US" sz="2000" b="0" i="0" u="none" strike="noStrike" baseline="0" dirty="0" err="1"/>
+              <a:t>Bağımsız</a:t>
+            </a:r>
+            <a:r>
+              <a:rPr lang="en-US" sz="2000" b="0" i="0" u="none" strike="noStrike" baseline="0" dirty="0"/>
+              <a:t> </a:t>
+            </a:r>
+            <a:r>
+              <a:rPr lang="en-US" sz="2000" b="0" i="0" u="none" strike="noStrike" baseline="0" dirty="0" err="1"/>
+              <a:t>giriş</a:t>
+            </a:r>
+            <a:r>
+              <a:rPr lang="en-US" sz="2000" b="0" i="0" u="none" strike="noStrike" baseline="0" dirty="0"/>
+              <a:t> </a:t>
+            </a:r>
+            <a:r>
+              <a:rPr lang="en-US" sz="2000" b="0" i="0" u="none" strike="noStrike" baseline="0" dirty="0" err="1"/>
+              <a:t>parametresidir</a:t>
+            </a:r>
+            <a:r>
+              <a:rPr lang="en-US" sz="2000" b="0" i="0" u="none" strike="noStrike" baseline="0" dirty="0"/>
+              <a:t>.</a:t>
+            </a:r>
+          </a:p>
+          <a:p>
+            <a:pPr indent="-228600">
+              <a:lnSpc>
+                <a:spcPct val="90000"/>
+              </a:lnSpc>
+              <a:spcAft>
+                <a:spcPts val="600"/>
+              </a:spcAft>
+              <a:buFont typeface="Arial" panose="020B0604020202020204" pitchFamily="34" charset="0"/>
+              <a:buChar char="•"/>
+            </a:pPr>
+            <a:r>
+              <a:rPr lang="en-US" sz="2000" b="0" i="0" u="none" strike="noStrike" baseline="0" dirty="0"/>
+              <a:t> w: Her </a:t>
+            </a:r>
+            <a:r>
+              <a:rPr lang="en-US" sz="2000" b="0" i="0" u="none" strike="noStrike" baseline="0" dirty="0" err="1"/>
+              <a:t>bir</a:t>
+            </a:r>
+            <a:r>
+              <a:rPr lang="en-US" sz="2000" b="0" i="0" u="none" strike="noStrike" baseline="0" dirty="0"/>
+              <a:t> </a:t>
+            </a:r>
+            <a:r>
+              <a:rPr lang="en-US" sz="2000" b="0" i="0" u="none" strike="noStrike" baseline="0" dirty="0" err="1"/>
+              <a:t>giriş</a:t>
+            </a:r>
+            <a:r>
+              <a:rPr lang="en-US" sz="2000" b="0" i="0" u="none" strike="noStrike" baseline="0" dirty="0"/>
+              <a:t> </a:t>
+            </a:r>
+            <a:r>
+              <a:rPr lang="en-US" sz="2000" b="0" i="0" u="none" strike="noStrike" baseline="0" dirty="0" err="1"/>
+              <a:t>parametresinin</a:t>
+            </a:r>
+            <a:r>
+              <a:rPr lang="en-US" sz="2000" b="0" i="0" u="none" strike="noStrike" baseline="0" dirty="0"/>
+              <a:t> </a:t>
+            </a:r>
+            <a:r>
+              <a:rPr lang="en-US" sz="2000" b="0" i="0" u="none" strike="noStrike" baseline="0" dirty="0" err="1"/>
+              <a:t>ağırlık</a:t>
+            </a:r>
+            <a:r>
+              <a:rPr lang="en-US" sz="2000" b="0" i="0" u="none" strike="noStrike" baseline="0" dirty="0"/>
+              <a:t> </a:t>
+            </a:r>
+            <a:r>
+              <a:rPr lang="en-US" sz="2000" b="0" i="0" u="none" strike="noStrike" baseline="0" dirty="0" err="1"/>
+              <a:t>değeridir</a:t>
+            </a:r>
+            <a:r>
+              <a:rPr lang="en-US" sz="2000" b="0" i="0" u="none" strike="noStrike" baseline="0" dirty="0"/>
+              <a:t>.</a:t>
+            </a:r>
+          </a:p>
+          <a:p>
+            <a:pPr indent="-228600">
+              <a:lnSpc>
+                <a:spcPct val="90000"/>
+              </a:lnSpc>
+              <a:spcAft>
+                <a:spcPts val="600"/>
+              </a:spcAft>
+              <a:buFont typeface="Arial" panose="020B0604020202020204" pitchFamily="34" charset="0"/>
+              <a:buChar char="•"/>
+            </a:pPr>
+            <a:r>
+              <a:rPr lang="en-US" sz="2000" b="0" i="0" u="none" strike="noStrike" baseline="0" dirty="0"/>
+              <a:t> b: </a:t>
+            </a:r>
+            <a:r>
+              <a:rPr lang="en-US" sz="2000" b="0" i="0" u="none" strike="noStrike" baseline="0" dirty="0" err="1"/>
+              <a:t>Sabit</a:t>
+            </a:r>
+            <a:r>
+              <a:rPr lang="en-US" sz="2000" b="0" i="0" u="none" strike="noStrike" baseline="0" dirty="0"/>
+              <a:t> </a:t>
+            </a:r>
+            <a:r>
+              <a:rPr lang="en-US" sz="2000" b="0" i="0" u="none" strike="noStrike" baseline="0" dirty="0" err="1"/>
+              <a:t>bir</a:t>
+            </a:r>
+            <a:r>
+              <a:rPr lang="en-US" sz="2000" b="0" i="0" u="none" strike="noStrike" baseline="0" dirty="0"/>
+              <a:t> bias</a:t>
+            </a:r>
+            <a:r>
+              <a:rPr lang="tr-TR" sz="2000" b="0" i="0" u="none" strike="noStrike" baseline="0" dirty="0"/>
+              <a:t>(sapma)</a:t>
+            </a:r>
+            <a:r>
+              <a:rPr lang="en-US" sz="2000" b="0" i="0" u="none" strike="noStrike" baseline="0" dirty="0"/>
+              <a:t> </a:t>
+            </a:r>
+            <a:r>
+              <a:rPr lang="en-US" sz="2000" b="0" i="0" u="none" strike="noStrike" baseline="0" dirty="0" err="1"/>
+              <a:t>değeridir</a:t>
+            </a:r>
+            <a:r>
+              <a:rPr lang="en-US" sz="2000" b="0" i="0" u="none" strike="noStrike" baseline="0" dirty="0"/>
+              <a:t>.</a:t>
+            </a:r>
+            <a:endParaRPr lang="en-US" sz="2000" dirty="0"/>
+          </a:p>
+        </p:txBody>
+      </p:sp>
     </p:spTree>
     <p:extLst>
       <p:ext uri="{BB962C8B-B14F-4D97-AF65-F5344CB8AC3E}">
@@ -9425,6 +9311,14 @@
 <file path=ppt/slides/slide7.xml><?xml version="1.0" encoding="utf-8"?>
 <p:sld xmlns:a="http://schemas.openxmlformats.org/drawingml/2006/main" xmlns:r="http://schemas.openxmlformats.org/officeDocument/2006/relationships" xmlns:p="http://schemas.openxmlformats.org/presentationml/2006/main">
   <p:cSld>
+    <p:bg>
+      <p:bgPr>
+        <a:solidFill>
+          <a:schemeClr val="bg1"/>
+        </a:solidFill>
+        <a:effectLst/>
+      </p:bgPr>
+    </p:bg>
     <p:spTree>
       <p:nvGrpSpPr>
         <p:cNvPr id="1" name=""/>
@@ -9439,12 +9333,334 @@
           <a:chExt cx="0" cy="0"/>
         </a:xfrm>
       </p:grpSpPr>
+      <p:sp useBgFill="1">
+        <p:nvSpPr>
+          <p:cNvPr id="21" name="Rectangle 16">
+            <a:extLst>
+              <a:ext uri="{FF2B5EF4-FFF2-40B4-BE49-F238E27FC236}">
+                <a16:creationId xmlns:a16="http://schemas.microsoft.com/office/drawing/2014/main" id="{66E48AFA-8884-4F68-A44F-D2C1E8609C5A}"/>
+              </a:ext>
+              <a:ext uri="{C183D7F6-B498-43B3-948B-1728B52AA6E4}">
+                <adec:decorative xmlns:adec="http://schemas.microsoft.com/office/drawing/2017/decorative" val="1"/>
+              </a:ext>
+            </a:extLst>
+          </p:cNvPr>
+          <p:cNvSpPr>
+            <a:spLocks noGrp="1" noRot="1" noChangeAspect="1" noMove="1" noResize="1" noEditPoints="1" noAdjustHandles="1" noChangeArrowheads="1" noChangeShapeType="1" noTextEdit="1"/>
+          </p:cNvSpPr>
+          <p:nvPr>
+            <p:extLst>
+              <p:ext uri="{386F3935-93C4-4BCD-93E2-E3B085C9AB24}">
+                <p16:designElem xmlns:p16="http://schemas.microsoft.com/office/powerpoint/2015/main" val="1"/>
+              </p:ext>
+            </p:extLst>
+          </p:nvPr>
+        </p:nvSpPr>
+        <p:spPr bwMode="white">
+          <a:xfrm>
+            <a:off x="0" y="0"/>
+            <a:ext cx="12192000" cy="6858000"/>
+          </a:xfrm>
+          <a:prstGeom prst="rect">
+            <a:avLst/>
+          </a:prstGeom>
+          <a:ln>
+            <a:noFill/>
+          </a:ln>
+        </p:spPr>
+        <p:style>
+          <a:lnRef idx="2">
+            <a:schemeClr val="accent1">
+              <a:shade val="50000"/>
+            </a:schemeClr>
+          </a:lnRef>
+          <a:fillRef idx="1">
+            <a:schemeClr val="accent1"/>
+          </a:fillRef>
+          <a:effectRef idx="0">
+            <a:schemeClr val="accent1"/>
+          </a:effectRef>
+          <a:fontRef idx="minor">
+            <a:schemeClr val="lt1"/>
+          </a:fontRef>
+        </p:style>
+        <p:txBody>
+          <a:bodyPr rtlCol="0" anchor="ctr"/>
+          <a:lstStyle>
+            <a:defPPr>
+              <a:defRPr lang="en-US"/>
+            </a:defPPr>
+            <a:lvl1pPr marL="0" algn="l" defTabSz="914400" rtl="0" eaLnBrk="1" latinLnBrk="0" hangingPunct="1">
+              <a:defRPr sz="1800" kern="1200">
+                <a:solidFill>
+                  <a:schemeClr val="lt1"/>
+                </a:solidFill>
+                <a:latin typeface="+mn-lt"/>
+                <a:ea typeface="+mn-ea"/>
+                <a:cs typeface="+mn-cs"/>
+              </a:defRPr>
+            </a:lvl1pPr>
+            <a:lvl2pPr marL="457200" algn="l" defTabSz="914400" rtl="0" eaLnBrk="1" latinLnBrk="0" hangingPunct="1">
+              <a:defRPr sz="1800" kern="1200">
+                <a:solidFill>
+                  <a:schemeClr val="lt1"/>
+                </a:solidFill>
+                <a:latin typeface="+mn-lt"/>
+                <a:ea typeface="+mn-ea"/>
+                <a:cs typeface="+mn-cs"/>
+              </a:defRPr>
+            </a:lvl2pPr>
+            <a:lvl3pPr marL="914400" algn="l" defTabSz="914400" rtl="0" eaLnBrk="1" latinLnBrk="0" hangingPunct="1">
+              <a:defRPr sz="1800" kern="1200">
+                <a:solidFill>
+                  <a:schemeClr val="lt1"/>
+                </a:solidFill>
+                <a:latin typeface="+mn-lt"/>
+                <a:ea typeface="+mn-ea"/>
+                <a:cs typeface="+mn-cs"/>
+              </a:defRPr>
+            </a:lvl3pPr>
+            <a:lvl4pPr marL="1371600" algn="l" defTabSz="914400" rtl="0" eaLnBrk="1" latinLnBrk="0" hangingPunct="1">
+              <a:defRPr sz="1800" kern="1200">
+                <a:solidFill>
+                  <a:schemeClr val="lt1"/>
+                </a:solidFill>
+                <a:latin typeface="+mn-lt"/>
+                <a:ea typeface="+mn-ea"/>
+                <a:cs typeface="+mn-cs"/>
+              </a:defRPr>
+            </a:lvl4pPr>
+            <a:lvl5pPr marL="1828800" algn="l" defTabSz="914400" rtl="0" eaLnBrk="1" latinLnBrk="0" hangingPunct="1">
+              <a:defRPr sz="1800" kern="1200">
+                <a:solidFill>
+                  <a:schemeClr val="lt1"/>
+                </a:solidFill>
+                <a:latin typeface="+mn-lt"/>
+                <a:ea typeface="+mn-ea"/>
+                <a:cs typeface="+mn-cs"/>
+              </a:defRPr>
+            </a:lvl5pPr>
+            <a:lvl6pPr marL="2286000" algn="l" defTabSz="914400" rtl="0" eaLnBrk="1" latinLnBrk="0" hangingPunct="1">
+              <a:defRPr sz="1800" kern="1200">
+                <a:solidFill>
+                  <a:schemeClr val="lt1"/>
+                </a:solidFill>
+                <a:latin typeface="+mn-lt"/>
+                <a:ea typeface="+mn-ea"/>
+                <a:cs typeface="+mn-cs"/>
+              </a:defRPr>
+            </a:lvl6pPr>
+            <a:lvl7pPr marL="2743200" algn="l" defTabSz="914400" rtl="0" eaLnBrk="1" latinLnBrk="0" hangingPunct="1">
+              <a:defRPr sz="1800" kern="1200">
+                <a:solidFill>
+                  <a:schemeClr val="lt1"/>
+                </a:solidFill>
+                <a:latin typeface="+mn-lt"/>
+                <a:ea typeface="+mn-ea"/>
+                <a:cs typeface="+mn-cs"/>
+              </a:defRPr>
+            </a:lvl7pPr>
+            <a:lvl8pPr marL="3200400" algn="l" defTabSz="914400" rtl="0" eaLnBrk="1" latinLnBrk="0" hangingPunct="1">
+              <a:defRPr sz="1800" kern="1200">
+                <a:solidFill>
+                  <a:schemeClr val="lt1"/>
+                </a:solidFill>
+                <a:latin typeface="+mn-lt"/>
+                <a:ea typeface="+mn-ea"/>
+                <a:cs typeface="+mn-cs"/>
+              </a:defRPr>
+            </a:lvl8pPr>
+            <a:lvl9pPr marL="3657600" algn="l" defTabSz="914400" rtl="0" eaLnBrk="1" latinLnBrk="0" hangingPunct="1">
+              <a:defRPr sz="1800" kern="1200">
+                <a:solidFill>
+                  <a:schemeClr val="lt1"/>
+                </a:solidFill>
+                <a:latin typeface="+mn-lt"/>
+                <a:ea typeface="+mn-ea"/>
+                <a:cs typeface="+mn-cs"/>
+              </a:defRPr>
+            </a:lvl9pPr>
+          </a:lstStyle>
+          <a:p>
+            <a:pPr algn="ctr"/>
+            <a:endParaRPr lang="en-US"/>
+          </a:p>
+        </p:txBody>
+      </p:sp>
       <p:sp>
         <p:nvSpPr>
+          <p:cNvPr id="22" name="Arc 18">
+            <a:extLst>
+              <a:ext uri="{FF2B5EF4-FFF2-40B4-BE49-F238E27FC236}">
+                <a16:creationId xmlns:a16="http://schemas.microsoft.com/office/drawing/2014/main" id="{969D19A6-08CB-498C-93EC-3FFB021FC68A}"/>
+              </a:ext>
+              <a:ext uri="{C183D7F6-B498-43B3-948B-1728B52AA6E4}">
+                <adec:decorative xmlns:adec="http://schemas.microsoft.com/office/drawing/2017/decorative" val="1"/>
+              </a:ext>
+            </a:extLst>
+          </p:cNvPr>
+          <p:cNvSpPr>
+            <a:spLocks noGrp="1" noRot="1" noChangeAspect="1" noMove="1" noResize="1" noEditPoints="1" noAdjustHandles="1" noChangeArrowheads="1" noChangeShapeType="1" noTextEdit="1"/>
+          </p:cNvSpPr>
+          <p:nvPr>
+            <p:extLst>
+              <p:ext uri="{386F3935-93C4-4BCD-93E2-E3B085C9AB24}">
+                <p16:designElem xmlns:p16="http://schemas.microsoft.com/office/powerpoint/2015/main" val="1"/>
+              </p:ext>
+            </p:extLst>
+          </p:nvPr>
+        </p:nvSpPr>
+        <p:spPr>
+          <a:xfrm rot="6269068">
+            <a:off x="8717845" y="3339275"/>
+            <a:ext cx="2987899" cy="2987899"/>
+          </a:xfrm>
+          <a:prstGeom prst="arc">
+            <a:avLst>
+              <a:gd name="adj1" fmla="val 14441841"/>
+              <a:gd name="adj2" fmla="val 0"/>
+            </a:avLst>
+          </a:prstGeom>
+          <a:ln w="127000" cap="rnd">
+            <a:solidFill>
+              <a:schemeClr val="accent4"/>
+            </a:solidFill>
+            <a:prstDash val="dash"/>
+            <a:miter lim="800000"/>
+          </a:ln>
+        </p:spPr>
+        <p:style>
+          <a:lnRef idx="1">
+            <a:schemeClr val="accent1"/>
+          </a:lnRef>
+          <a:fillRef idx="0">
+            <a:schemeClr val="accent1"/>
+          </a:fillRef>
+          <a:effectRef idx="0">
+            <a:schemeClr val="accent1"/>
+          </a:effectRef>
+          <a:fontRef idx="minor">
+            <a:schemeClr val="tx1"/>
+          </a:fontRef>
+        </p:style>
+        <p:txBody>
+          <a:bodyPr rtlCol="0" anchor="ctr"/>
+          <a:lstStyle/>
+          <a:p>
+            <a:pPr marL="0" marR="0" lvl="0" indent="0" algn="ctr" defTabSz="914400" rtl="0" eaLnBrk="1" fontAlgn="auto" latinLnBrk="0" hangingPunct="1">
+              <a:lnSpc>
+                <a:spcPct val="100000"/>
+              </a:lnSpc>
+              <a:spcBef>
+                <a:spcPts val="0"/>
+              </a:spcBef>
+              <a:spcAft>
+                <a:spcPts val="0"/>
+              </a:spcAft>
+              <a:buClrTx/>
+              <a:buSzTx/>
+              <a:buFontTx/>
+              <a:buNone/>
+              <a:tabLst/>
+              <a:defRPr/>
+            </a:pPr>
+            <a:endParaRPr kumimoji="0" lang="en-US" sz="1800" b="0" i="0" u="none" strike="noStrike" kern="1200" cap="none" spc="0" normalizeH="0" baseline="0" noProof="0">
+              <a:ln>
+                <a:noFill/>
+              </a:ln>
+              <a:solidFill>
+                <a:srgbClr val="000000"/>
+              </a:solidFill>
+              <a:effectLst/>
+              <a:uLnTx/>
+              <a:uFillTx/>
+              <a:latin typeface="Calibri" panose="020F0502020204030204"/>
+              <a:ea typeface="+mn-ea"/>
+              <a:cs typeface="+mn-cs"/>
+            </a:endParaRPr>
+          </a:p>
+        </p:txBody>
+      </p:sp>
+      <p:pic>
+        <p:nvPicPr>
+          <p:cNvPr id="5" name="Resim 4">
+            <a:extLst>
+              <a:ext uri="{FF2B5EF4-FFF2-40B4-BE49-F238E27FC236}">
+                <a16:creationId xmlns:a16="http://schemas.microsoft.com/office/drawing/2014/main" id="{03E31AD9-6119-6D57-12BE-863AF9FB572C}"/>
+              </a:ext>
+            </a:extLst>
+          </p:cNvPr>
+          <p:cNvPicPr>
+            <a:picLocks noChangeAspect="1"/>
+          </p:cNvPicPr>
+          <p:nvPr/>
+        </p:nvPicPr>
+        <p:blipFill>
+          <a:blip r:embed="rId2"/>
+          <a:stretch>
+            <a:fillRect/>
+          </a:stretch>
+        </p:blipFill>
+        <p:spPr>
+          <a:xfrm>
+            <a:off x="1083336" y="704504"/>
+            <a:ext cx="10025328" cy="2957472"/>
+          </a:xfrm>
+          <a:custGeom>
+            <a:avLst/>
+            <a:gdLst/>
+            <a:ahLst/>
+            <a:cxnLst/>
+            <a:rect l="l" t="t" r="r" b="b"/>
+            <a:pathLst>
+              <a:path w="10580201" h="2957472">
+                <a:moveTo>
+                  <a:pt x="88961" y="0"/>
+                </a:moveTo>
+                <a:lnTo>
+                  <a:pt x="10491240" y="0"/>
+                </a:lnTo>
+                <a:cubicBezTo>
+                  <a:pt x="10540372" y="0"/>
+                  <a:pt x="10580201" y="39829"/>
+                  <a:pt x="10580201" y="88961"/>
+                </a:cubicBezTo>
+                <a:lnTo>
+                  <a:pt x="10580201" y="2868511"/>
+                </a:lnTo>
+                <a:cubicBezTo>
+                  <a:pt x="10580201" y="2917643"/>
+                  <a:pt x="10540372" y="2957472"/>
+                  <a:pt x="10491240" y="2957472"/>
+                </a:cubicBezTo>
+                <a:lnTo>
+                  <a:pt x="88961" y="2957472"/>
+                </a:lnTo>
+                <a:cubicBezTo>
+                  <a:pt x="39829" y="2957472"/>
+                  <a:pt x="0" y="2917643"/>
+                  <a:pt x="0" y="2868511"/>
+                </a:cubicBezTo>
+                <a:lnTo>
+                  <a:pt x="0" y="88961"/>
+                </a:lnTo>
+                <a:cubicBezTo>
+                  <a:pt x="0" y="39829"/>
+                  <a:pt x="39829" y="0"/>
+                  <a:pt x="88961" y="0"/>
+                </a:cubicBezTo>
+                <a:close/>
+              </a:path>
+            </a:pathLst>
+          </a:custGeom>
+        </p:spPr>
+      </p:pic>
+      <p:sp>
+        <p:nvSpPr>
           <p:cNvPr id="3" name="İçerik Yer Tutucusu 2">
             <a:extLst>
               <a:ext uri="{FF2B5EF4-FFF2-40B4-BE49-F238E27FC236}">
-                <a16:creationId xmlns:a16="http://schemas.microsoft.com/office/drawing/2014/main" id="{DCB7A3B2-5B38-9C6C-9B43-AF0AE4750EC7}"/>
+                <a16:creationId xmlns:a16="http://schemas.microsoft.com/office/drawing/2014/main" id="{7CB11B27-E3F4-E35D-660F-46F8A98F531A}"/>
               </a:ext>
             </a:extLst>
           </p:cNvPr>
@@ -9457,46 +9673,22 @@
         </p:nvSpPr>
         <p:spPr>
           <a:xfrm>
-            <a:off x="767443" y="416379"/>
-            <a:ext cx="10586357" cy="5760584"/>
+            <a:off x="4970835" y="3998019"/>
+            <a:ext cx="6382966" cy="2216512"/>
           </a:xfrm>
         </p:spPr>
         <p:txBody>
-          <a:bodyPr/>
+          <a:bodyPr>
+            <a:normAutofit/>
+          </a:bodyPr>
           <a:lstStyle/>
           <a:p>
             <a:r>
-              <a:rPr lang="tr-TR" dirty="0"/>
-              <a:t>Yapay Sinir Ağlarında yapılan temel işlem; modelin en iyi skoru vereceği w(ağırlık parametresi) ve b(</a:t>
-            </a:r>
-            <a:r>
-              <a:rPr lang="tr-TR" dirty="0" err="1"/>
-              <a:t>bias</a:t>
-            </a:r>
-            <a:r>
-              <a:rPr lang="tr-TR" dirty="0"/>
-              <a:t> değeri) parametrelerinin hesabını yapmaktır. </a:t>
-            </a:r>
-          </a:p>
-          <a:p>
-            <a:endParaRPr lang="tr-TR" dirty="0"/>
-          </a:p>
-          <a:p>
-            <a:r>
-              <a:rPr lang="tr-TR" dirty="0"/>
-              <a:t>Her bir sinir hücresi aynı şekilde hesaplanır ve bunlar birbirine seri ya da paralel şekilde bağlanır.</a:t>
-            </a:r>
-          </a:p>
-          <a:p>
-            <a:endParaRPr lang="tr-TR" dirty="0"/>
-          </a:p>
-          <a:p>
-            <a:r>
-              <a:rPr lang="tr-TR" dirty="0"/>
-              <a:t>Her nöron, girdileri ağırlıklarla çarparak bir aktivasyon fonksiyonuna sokar ve çıktı üretir. Bu çıktılar, bir sonraki katmana iletilir ve işlem tekrarlanır. Bu şekilde, yapay sinir ağı, verileri işleyerek sonuç üretir.</a:t>
-            </a:r>
-          </a:p>
-          <a:p>
+              <a:rPr lang="tr-TR" b="0" i="0" u="none" strike="noStrike" baseline="0" dirty="0">
+                <a:latin typeface="CIDFont+F1"/>
+              </a:rPr>
+              <a:t>Yapay sinir ağı modellerinde w ve b parametreleri değiştirilerek en iyi doğruluk sonucu elde edilinceye kadar model eğitilir.</a:t>
+            </a:r>
             <a:endParaRPr lang="tr-TR" dirty="0"/>
           </a:p>
         </p:txBody>
@@ -9504,7 +9696,7 @@
     </p:spTree>
     <p:extLst>
       <p:ext uri="{BB962C8B-B14F-4D97-AF65-F5344CB8AC3E}">
-        <p14:creationId xmlns:p14="http://schemas.microsoft.com/office/powerpoint/2010/main" val="4277638363"/>
+        <p14:creationId xmlns:p14="http://schemas.microsoft.com/office/powerpoint/2010/main" val="2035712583"/>
       </p:ext>
     </p:extLst>
   </p:cSld>
@@ -9536,7 +9728,7 @@
           <p:cNvPr id="3" name="İçerik Yer Tutucusu 2">
             <a:extLst>
               <a:ext uri="{FF2B5EF4-FFF2-40B4-BE49-F238E27FC236}">
-                <a16:creationId xmlns:a16="http://schemas.microsoft.com/office/drawing/2014/main" id="{F5134376-5CA2-8C2E-D214-BDD208BC427E}"/>
+                <a16:creationId xmlns:a16="http://schemas.microsoft.com/office/drawing/2014/main" id="{DCB7A3B2-5B38-9C6C-9B43-AF0AE4750EC7}"/>
               </a:ext>
             </a:extLst>
           </p:cNvPr>
@@ -9549,76 +9741,43 @@
         </p:nvSpPr>
         <p:spPr>
           <a:xfrm>
-            <a:off x="838200" y="1474561"/>
-            <a:ext cx="10515600" cy="4351338"/>
+            <a:off x="767443" y="416379"/>
+            <a:ext cx="10586357" cy="5760584"/>
           </a:xfrm>
         </p:spPr>
         <p:txBody>
-          <a:bodyPr>
-            <a:normAutofit fontScale="92500"/>
-          </a:bodyPr>
+          <a:bodyPr/>
           <a:lstStyle/>
           <a:p>
             <a:r>
               <a:rPr lang="tr-TR" dirty="0"/>
-              <a:t>Yapay sinir ağlarının mimarisi, problem alanına ve veri setine bağlı olarak farklı şekillerde tasarlanabilir. Örneğin, tam bağlantılı (</a:t>
+              <a:t>Yapay Sinir Ağlarında yapılan temel işlem; modelin en iyi skoru vereceği w(ağırlık parametresi) ve b(</a:t>
             </a:r>
             <a:r>
               <a:rPr lang="tr-TR" dirty="0" err="1"/>
-              <a:t>fully</a:t>
+              <a:t>bias</a:t>
             </a:r>
             <a:r>
               <a:rPr lang="tr-TR" dirty="0"/>
-              <a:t> </a:t>
-            </a:r>
-            <a:r>
-              <a:rPr lang="tr-TR" dirty="0" err="1"/>
-              <a:t>connected</a:t>
-            </a:r>
+              <a:t> değeri) parametrelerinin hesabını yapmaktır. </a:t>
+            </a:r>
+          </a:p>
+          <a:p>
+            <a:endParaRPr lang="tr-TR" dirty="0"/>
+          </a:p>
+          <a:p>
             <a:r>
               <a:rPr lang="tr-TR" dirty="0"/>
-              <a:t>) ağlar, her nöronun bir önceki katmandaki tüm nöronlarla bağlantılı olduğu bir yapıya sahiptir. Diğer bir örnek ise </a:t>
-            </a:r>
-            <a:r>
-              <a:rPr lang="tr-TR" dirty="0" err="1"/>
-              <a:t>evrişimli</a:t>
-            </a:r>
+              <a:t>Her bir sinir hücresi aynı şekilde hesaplanır ve bunlar birbirine seri ya da paralel şekilde bağlanır.</a:t>
+            </a:r>
+          </a:p>
+          <a:p>
+            <a:endParaRPr lang="tr-TR" dirty="0"/>
+          </a:p>
+          <a:p>
             <a:r>
               <a:rPr lang="tr-TR" dirty="0"/>
-              <a:t> sinir ağlarıdır (</a:t>
-            </a:r>
-            <a:r>
-              <a:rPr lang="tr-TR" dirty="0" err="1"/>
-              <a:t>convolutional</a:t>
-            </a:r>
-            <a:r>
-              <a:rPr lang="tr-TR" dirty="0"/>
-              <a:t> </a:t>
-            </a:r>
-            <a:r>
-              <a:rPr lang="tr-TR" dirty="0" err="1"/>
-              <a:t>neural</a:t>
-            </a:r>
-            <a:r>
-              <a:rPr lang="tr-TR" dirty="0"/>
-              <a:t> </a:t>
-            </a:r>
-            <a:r>
-              <a:rPr lang="tr-TR" dirty="0" err="1"/>
-              <a:t>networks</a:t>
-            </a:r>
-            <a:r>
-              <a:rPr lang="tr-TR" dirty="0"/>
-              <a:t>), görüntü işleme gibi alanlarda kullanılan özel bir yapıya sahiptir.</a:t>
-            </a:r>
-          </a:p>
-          <a:p>
-            <a:endParaRPr lang="tr-TR" dirty="0"/>
-          </a:p>
-          <a:p>
-            <a:r>
-              <a:rPr lang="tr-TR" dirty="0"/>
-              <a:t>Yapay sinir ağlarının mimarisi, modelin performansını etkileyen önemli bir faktördür. Doğru katman sayısı, nöron sayısı ve bağlantılar, ağın öğrenme yeteneğini ve genelleyebilme kabiliyetini belirler. Bu nedenle, mimari tasarımı dikkatli bir şekilde yapmak önemlidir.</a:t>
+              <a:t>Her nöron, girdileri ağırlıklarla çarparak bir aktivasyon fonksiyonuna sokar ve çıktı üretir. Bu çıktılar, bir sonraki katmana iletilir ve işlem tekrarlanır. Bu şekilde, yapay sinir ağı, verileri işleyerek sonuç üretir.</a:t>
             </a:r>
           </a:p>
           <a:p>
@@ -9629,7 +9788,7 @@
     </p:spTree>
     <p:extLst>
       <p:ext uri="{BB962C8B-B14F-4D97-AF65-F5344CB8AC3E}">
-        <p14:creationId xmlns:p14="http://schemas.microsoft.com/office/powerpoint/2010/main" val="4193861140"/>
+        <p14:creationId xmlns:p14="http://schemas.microsoft.com/office/powerpoint/2010/main" val="4277638363"/>
       </p:ext>
     </p:extLst>
   </p:cSld>
@@ -9661,7 +9820,7 @@
           <p:cNvPr id="3" name="İçerik Yer Tutucusu 2">
             <a:extLst>
               <a:ext uri="{FF2B5EF4-FFF2-40B4-BE49-F238E27FC236}">
-                <a16:creationId xmlns:a16="http://schemas.microsoft.com/office/drawing/2014/main" id="{EC91AEEA-82D0-A883-284C-69D1EE8E4F22}"/>
+                <a16:creationId xmlns:a16="http://schemas.microsoft.com/office/drawing/2014/main" id="{F5134376-5CA2-8C2E-D214-BDD208BC427E}"/>
               </a:ext>
             </a:extLst>
           </p:cNvPr>
@@ -9674,272 +9833,87 @@
         </p:nvSpPr>
         <p:spPr>
           <a:xfrm>
-            <a:off x="922564" y="465364"/>
-            <a:ext cx="10431236" cy="5711599"/>
+            <a:off x="838200" y="1474561"/>
+            <a:ext cx="10515600" cy="4351338"/>
           </a:xfrm>
         </p:spPr>
         <p:txBody>
-          <a:bodyPr/>
-          <a:lstStyle/>
-          <a:p>
-            <a:r>
-              <a:rPr lang="tr-TR" dirty="0"/>
-              <a:t>Bir yapay sinir hücresi beş bölümden oluşmaktadır;</a:t>
-            </a:r>
-          </a:p>
-          <a:p>
-            <a:endParaRPr lang="tr-TR" dirty="0"/>
-          </a:p>
-        </p:txBody>
-      </p:sp>
-      <p:sp>
-        <p:nvSpPr>
-          <p:cNvPr id="9" name="Metin kutusu 8">
-            <a:extLst>
-              <a:ext uri="{FF2B5EF4-FFF2-40B4-BE49-F238E27FC236}">
-                <a16:creationId xmlns:a16="http://schemas.microsoft.com/office/drawing/2014/main" id="{A0075A5D-60E3-C56B-851D-A8D50EC8619B}"/>
-              </a:ext>
-            </a:extLst>
-          </p:cNvPr>
-          <p:cNvSpPr txBox="1"/>
-          <p:nvPr/>
-        </p:nvSpPr>
-        <p:spPr>
-          <a:xfrm>
-            <a:off x="457200" y="1028343"/>
-            <a:ext cx="10812236" cy="4524315"/>
-          </a:xfrm>
-          <a:prstGeom prst="rect">
-            <a:avLst/>
-          </a:prstGeom>
-          <a:noFill/>
-        </p:spPr>
-        <p:txBody>
-          <a:bodyPr wrap="square">
-            <a:spAutoFit/>
+          <a:bodyPr>
+            <a:normAutofit fontScale="92500"/>
           </a:bodyPr>
           <a:lstStyle/>
           <a:p>
-            <a:pPr algn="l"/>
-            <a:r>
-              <a:rPr lang="tr-TR" b="1" i="0" dirty="0">
-                <a:solidFill>
-                  <a:srgbClr val="000000"/>
-                </a:solidFill>
-                <a:effectLst/>
-                <a:latin typeface="Roboto" panose="02000000000000000000" pitchFamily="2" charset="0"/>
-              </a:rPr>
-              <a:t>1.Girdiler:</a:t>
-            </a:r>
-            <a:r>
-              <a:rPr lang="tr-TR" b="0" i="0" dirty="0">
-                <a:solidFill>
-                  <a:srgbClr val="000000"/>
-                </a:solidFill>
-                <a:effectLst/>
-                <a:latin typeface="Roboto" panose="02000000000000000000" pitchFamily="2" charset="0"/>
-              </a:rPr>
-              <a:t> Girdiler nöronlara gelen verilerdir. Bu girdilerden gelen veriler biyolojik sinir hücrelerinde olduğu gibi toplanmak üzere nöron çekirdeğine gönderilir.</a:t>
-            </a:r>
-          </a:p>
-          <a:p>
-            <a:pPr algn="l"/>
-            <a:endParaRPr lang="tr-TR" b="0" i="0" dirty="0">
-              <a:solidFill>
-                <a:srgbClr val="000000"/>
-              </a:solidFill>
-              <a:effectLst/>
-              <a:latin typeface="Roboto" panose="02000000000000000000" pitchFamily="2" charset="0"/>
-            </a:endParaRPr>
-          </a:p>
-          <a:p>
-            <a:pPr algn="l"/>
-            <a:r>
-              <a:rPr lang="tr-TR" b="1" i="0" dirty="0">
-                <a:solidFill>
-                  <a:srgbClr val="000000"/>
-                </a:solidFill>
-                <a:effectLst/>
-                <a:latin typeface="Roboto" panose="02000000000000000000" pitchFamily="2" charset="0"/>
-              </a:rPr>
-              <a:t>2. Ağırlıklar:</a:t>
-            </a:r>
-            <a:r>
-              <a:rPr lang="tr-TR" b="0" i="0" dirty="0">
-                <a:solidFill>
-                  <a:srgbClr val="000000"/>
-                </a:solidFill>
-                <a:effectLst/>
-                <a:latin typeface="Roboto" panose="02000000000000000000" pitchFamily="2" charset="0"/>
-              </a:rPr>
-              <a:t> Yapay sinir hücresine gelen bilgiler girdiler üzerinden çekirdeğe ulaşmadan önce geldikleri bağlantıların ağırlığıyla çarpılarak çekirdeğe iletilir. Bu sayede girdilerin üretilecek çıktı üzerindeki etkisi </a:t>
-            </a:r>
-            <a:r>
-              <a:rPr lang="tr-TR" b="0" i="0" dirty="0" err="1">
-                <a:solidFill>
-                  <a:srgbClr val="000000"/>
-                </a:solidFill>
-                <a:effectLst/>
-                <a:latin typeface="Roboto" panose="02000000000000000000" pitchFamily="2" charset="0"/>
-              </a:rPr>
-              <a:t>ayarlanabilinmektedir</a:t>
-            </a:r>
-            <a:r>
-              <a:rPr lang="tr-TR" b="0" i="0" dirty="0">
-                <a:solidFill>
-                  <a:srgbClr val="000000"/>
-                </a:solidFill>
-                <a:effectLst/>
-                <a:latin typeface="Roboto" panose="02000000000000000000" pitchFamily="2" charset="0"/>
-              </a:rPr>
-              <a:t>.</a:t>
-            </a:r>
-          </a:p>
-          <a:p>
-            <a:pPr algn="l"/>
-            <a:endParaRPr lang="tr-TR" b="0" i="0" dirty="0">
-              <a:solidFill>
-                <a:srgbClr val="000000"/>
-              </a:solidFill>
-              <a:effectLst/>
-              <a:latin typeface="Roboto" panose="02000000000000000000" pitchFamily="2" charset="0"/>
-            </a:endParaRPr>
-          </a:p>
-          <a:p>
-            <a:pPr algn="l"/>
-            <a:r>
-              <a:rPr lang="tr-TR" b="1" i="0" dirty="0">
-                <a:solidFill>
-                  <a:srgbClr val="000000"/>
-                </a:solidFill>
-                <a:effectLst/>
-                <a:latin typeface="Roboto" panose="02000000000000000000" pitchFamily="2" charset="0"/>
-              </a:rPr>
-              <a:t>3.Toplama Fonksiyonu (Birleştirme Fonksiyonu): </a:t>
-            </a:r>
-            <a:r>
-              <a:rPr lang="tr-TR" b="0" i="0" dirty="0">
-                <a:solidFill>
-                  <a:srgbClr val="000000"/>
-                </a:solidFill>
-                <a:effectLst/>
-                <a:latin typeface="Roboto" panose="02000000000000000000" pitchFamily="2" charset="0"/>
-              </a:rPr>
-              <a:t>Toplama fonksiyonu bir yapay sinir hücresine ağırlıklarla çarpılarak gelen girdileri toplayarak o hücrenin net girdisini hesaplayan bir fonksiyondur</a:t>
-            </a:r>
-          </a:p>
-          <a:p>
-            <a:pPr algn="l"/>
-            <a:endParaRPr lang="tr-TR" b="0" i="0" dirty="0">
-              <a:solidFill>
-                <a:srgbClr val="000000"/>
-              </a:solidFill>
-              <a:effectLst/>
-              <a:latin typeface="Roboto" panose="02000000000000000000" pitchFamily="2" charset="0"/>
-            </a:endParaRPr>
-          </a:p>
-          <a:p>
-            <a:pPr algn="l"/>
-            <a:r>
-              <a:rPr lang="tr-TR" b="1" i="0" dirty="0">
-                <a:solidFill>
-                  <a:srgbClr val="000000"/>
-                </a:solidFill>
-                <a:effectLst/>
-                <a:latin typeface="Roboto" panose="02000000000000000000" pitchFamily="2" charset="0"/>
-              </a:rPr>
-              <a:t>4</a:t>
-            </a:r>
-            <a:r>
-              <a:rPr lang="tr-TR" b="0" i="0" dirty="0">
-                <a:solidFill>
-                  <a:srgbClr val="000000"/>
-                </a:solidFill>
-                <a:effectLst/>
-                <a:latin typeface="Roboto" panose="02000000000000000000" pitchFamily="2" charset="0"/>
-              </a:rPr>
-              <a:t>.</a:t>
-            </a:r>
-            <a:r>
-              <a:rPr lang="tr-TR" b="1" i="0" dirty="0">
-                <a:solidFill>
-                  <a:srgbClr val="000000"/>
-                </a:solidFill>
-                <a:effectLst/>
-                <a:latin typeface="Roboto" panose="02000000000000000000" pitchFamily="2" charset="0"/>
-              </a:rPr>
-              <a:t>Aktivasyon fonksiyonu: </a:t>
-            </a:r>
-            <a:r>
-              <a:rPr lang="tr-TR" b="0" i="0" dirty="0">
-                <a:solidFill>
-                  <a:srgbClr val="000000"/>
-                </a:solidFill>
-                <a:effectLst/>
-                <a:latin typeface="Roboto" panose="02000000000000000000" pitchFamily="2" charset="0"/>
-              </a:rPr>
-              <a:t>Önceki katmandaki tüm girdilerin ağırlıklı toplamını alan ve daha sonra bir çıkış değeri (tipik olarak doğrusal olmayan) üreten ve bir sonraki katmana geçiren bir fonksiyondur. (örneğin, </a:t>
-            </a:r>
-            <a:r>
-              <a:rPr lang="tr-TR" b="0" i="0" dirty="0" err="1">
-                <a:solidFill>
-                  <a:srgbClr val="000000"/>
-                </a:solidFill>
-                <a:effectLst/>
-                <a:latin typeface="Roboto" panose="02000000000000000000" pitchFamily="2" charset="0"/>
-              </a:rPr>
-              <a:t>ReLU</a:t>
-            </a:r>
-            <a:r>
-              <a:rPr lang="tr-TR" b="0" i="0" dirty="0">
-                <a:solidFill>
-                  <a:srgbClr val="000000"/>
-                </a:solidFill>
-                <a:effectLst/>
-                <a:latin typeface="Roboto" panose="02000000000000000000" pitchFamily="2" charset="0"/>
-              </a:rPr>
-              <a:t> veya sigmoid ).</a:t>
-            </a:r>
-          </a:p>
-          <a:p>
-            <a:pPr algn="l"/>
-            <a:endParaRPr lang="tr-TR" b="0" i="0" dirty="0">
-              <a:solidFill>
-                <a:srgbClr val="000000"/>
-              </a:solidFill>
-              <a:effectLst/>
-              <a:latin typeface="Roboto" panose="02000000000000000000" pitchFamily="2" charset="0"/>
-            </a:endParaRPr>
-          </a:p>
-          <a:p>
-            <a:pPr algn="l"/>
-            <a:r>
-              <a:rPr lang="tr-TR" b="1" i="0" dirty="0">
-                <a:solidFill>
-                  <a:srgbClr val="000000"/>
-                </a:solidFill>
-                <a:effectLst/>
-                <a:latin typeface="Roboto" panose="02000000000000000000" pitchFamily="2" charset="0"/>
-              </a:rPr>
-              <a:t>5.Çıktılar: </a:t>
-            </a:r>
-            <a:r>
-              <a:rPr lang="tr-TR" b="0" i="0" dirty="0">
-                <a:solidFill>
-                  <a:srgbClr val="000000"/>
-                </a:solidFill>
-                <a:effectLst/>
-                <a:latin typeface="Roboto" panose="02000000000000000000" pitchFamily="2" charset="0"/>
-              </a:rPr>
-              <a:t>Aktivasyon fonksiyonundan çıkan değer hücrenin çıktı değeri olmaktadır. Her hücrenin birden fazla girdisi olmasına rağmen bir tek çıktısı olmaktadır. Bu çıktı istenilen sayıda hücreye bağlanabilir</a:t>
-            </a:r>
+            <a:r>
+              <a:rPr lang="tr-TR" dirty="0"/>
+              <a:t>Yapay sinir ağlarının mimarisi, problem alanına ve veri setine bağlı olarak farklı şekillerde tasarlanabilir. Örneğin, tam bağlantılı (</a:t>
+            </a:r>
+            <a:r>
+              <a:rPr lang="tr-TR" dirty="0" err="1"/>
+              <a:t>fully</a:t>
+            </a:r>
+            <a:r>
+              <a:rPr lang="tr-TR" dirty="0"/>
+              <a:t> </a:t>
+            </a:r>
+            <a:r>
+              <a:rPr lang="tr-TR" dirty="0" err="1"/>
+              <a:t>connected</a:t>
+            </a:r>
+            <a:r>
+              <a:rPr lang="tr-TR" dirty="0"/>
+              <a:t>) ağlar, her nöronun bir önceki katmandaki tüm nöronlarla bağlantılı olduğu bir yapıya sahiptir. Diğer bir örnek ise </a:t>
+            </a:r>
+            <a:r>
+              <a:rPr lang="tr-TR" dirty="0" err="1"/>
+              <a:t>evrişimli</a:t>
+            </a:r>
+            <a:r>
+              <a:rPr lang="tr-TR" dirty="0"/>
+              <a:t> sinir ağlarıdır (</a:t>
+            </a:r>
+            <a:r>
+              <a:rPr lang="tr-TR" dirty="0" err="1"/>
+              <a:t>convolutional</a:t>
+            </a:r>
+            <a:r>
+              <a:rPr lang="tr-TR" dirty="0"/>
+              <a:t> </a:t>
+            </a:r>
+            <a:r>
+              <a:rPr lang="tr-TR" dirty="0" err="1"/>
+              <a:t>neural</a:t>
+            </a:r>
+            <a:r>
+              <a:rPr lang="tr-TR" dirty="0"/>
+              <a:t> </a:t>
+            </a:r>
+            <a:r>
+              <a:rPr lang="tr-TR" dirty="0" err="1"/>
+              <a:t>networks</a:t>
+            </a:r>
+            <a:r>
+              <a:rPr lang="tr-TR" dirty="0"/>
+              <a:t>), görüntü işleme gibi alanlarda kullanılan özel bir yapıya sahiptir.</a:t>
+            </a:r>
+          </a:p>
+          <a:p>
+            <a:endParaRPr lang="tr-TR" dirty="0"/>
+          </a:p>
+          <a:p>
+            <a:r>
+              <a:rPr lang="tr-TR" dirty="0"/>
+              <a:t>Yapay sinir ağlarının mimarisi, modelin performansını etkileyen önemli bir faktördür. Doğru katman sayısı, nöron sayısı ve bağlantılar, ağın öğrenme yeteneğini ve genelleyebilme kabiliyetini belirler. Bu nedenle, mimari tasarımı dikkatli bir şekilde yapmak önemlidir.</a:t>
+            </a:r>
+          </a:p>
+          <a:p>
+            <a:endParaRPr lang="tr-TR" dirty="0"/>
           </a:p>
         </p:txBody>
       </p:sp>
     </p:spTree>
     <p:extLst>
       <p:ext uri="{BB962C8B-B14F-4D97-AF65-F5344CB8AC3E}">
-        <p14:creationId xmlns:p14="http://schemas.microsoft.com/office/powerpoint/2010/main" val="3904786303"/>
+        <p14:creationId xmlns:p14="http://schemas.microsoft.com/office/powerpoint/2010/main" val="4193861140"/>
       </p:ext>
     </p:extLst>
   </p:cSld>
